--- a/BehavioralDesignPattern.pptx
+++ b/BehavioralDesignPattern.pptx
@@ -6,6 +6,7 @@
   </p:sldMasterIdLst>
   <p:sldIdLst>
     <p:sldId id="259" r:id="rId2"/>
+    <p:sldId id="261" r:id="rId3"/>
   </p:sldIdLst>
   <p:sldSz cx="12192000" cy="6858000"/>
   <p:notesSz cx="6858000" cy="9144000"/>
@@ -104,6 +105,11 @@
       </a:defRPr>
     </a:lvl9pPr>
   </p:defaultTextStyle>
+  <p:extLst>
+    <p:ext uri="{EFAFB233-063F-42B5-8137-9DF3F51BA10A}">
+      <p15:sldGuideLst xmlns:p15="http://schemas.microsoft.com/office/powerpoint/2012/main"/>
+    </p:ext>
+  </p:extLst>
 </p:presentation>
 </file>
 
@@ -256,7 +262,7 @@
           <a:p>
             <a:fld id="{24AE45E0-2592-43FB-9EA6-8745677A686C}" type="datetimeFigureOut">
               <a:rPr lang="en-IN" smtClean="0"/>
-              <a:t>10-09-2023</a:t>
+              <a:t>12-09-2023</a:t>
             </a:fld>
             <a:endParaRPr lang="en-IN"/>
           </a:p>
@@ -456,7 +462,7 @@
           <a:p>
             <a:fld id="{24AE45E0-2592-43FB-9EA6-8745677A686C}" type="datetimeFigureOut">
               <a:rPr lang="en-IN" smtClean="0"/>
-              <a:t>10-09-2023</a:t>
+              <a:t>12-09-2023</a:t>
             </a:fld>
             <a:endParaRPr lang="en-IN"/>
           </a:p>
@@ -666,7 +672,7 @@
           <a:p>
             <a:fld id="{24AE45E0-2592-43FB-9EA6-8745677A686C}" type="datetimeFigureOut">
               <a:rPr lang="en-IN" smtClean="0"/>
-              <a:t>10-09-2023</a:t>
+              <a:t>12-09-2023</a:t>
             </a:fld>
             <a:endParaRPr lang="en-IN"/>
           </a:p>
@@ -866,7 +872,7 @@
           <a:p>
             <a:fld id="{24AE45E0-2592-43FB-9EA6-8745677A686C}" type="datetimeFigureOut">
               <a:rPr lang="en-IN" smtClean="0"/>
-              <a:t>10-09-2023</a:t>
+              <a:t>12-09-2023</a:t>
             </a:fld>
             <a:endParaRPr lang="en-IN"/>
           </a:p>
@@ -1142,7 +1148,7 @@
           <a:p>
             <a:fld id="{24AE45E0-2592-43FB-9EA6-8745677A686C}" type="datetimeFigureOut">
               <a:rPr lang="en-IN" smtClean="0"/>
-              <a:t>10-09-2023</a:t>
+              <a:t>12-09-2023</a:t>
             </a:fld>
             <a:endParaRPr lang="en-IN"/>
           </a:p>
@@ -1410,7 +1416,7 @@
           <a:p>
             <a:fld id="{24AE45E0-2592-43FB-9EA6-8745677A686C}" type="datetimeFigureOut">
               <a:rPr lang="en-IN" smtClean="0"/>
-              <a:t>10-09-2023</a:t>
+              <a:t>12-09-2023</a:t>
             </a:fld>
             <a:endParaRPr lang="en-IN"/>
           </a:p>
@@ -1825,7 +1831,7 @@
           <a:p>
             <a:fld id="{24AE45E0-2592-43FB-9EA6-8745677A686C}" type="datetimeFigureOut">
               <a:rPr lang="en-IN" smtClean="0"/>
-              <a:t>10-09-2023</a:t>
+              <a:t>12-09-2023</a:t>
             </a:fld>
             <a:endParaRPr lang="en-IN"/>
           </a:p>
@@ -1967,7 +1973,7 @@
           <a:p>
             <a:fld id="{24AE45E0-2592-43FB-9EA6-8745677A686C}" type="datetimeFigureOut">
               <a:rPr lang="en-IN" smtClean="0"/>
-              <a:t>10-09-2023</a:t>
+              <a:t>12-09-2023</a:t>
             </a:fld>
             <a:endParaRPr lang="en-IN"/>
           </a:p>
@@ -2080,7 +2086,7 @@
           <a:p>
             <a:fld id="{24AE45E0-2592-43FB-9EA6-8745677A686C}" type="datetimeFigureOut">
               <a:rPr lang="en-IN" smtClean="0"/>
-              <a:t>10-09-2023</a:t>
+              <a:t>12-09-2023</a:t>
             </a:fld>
             <a:endParaRPr lang="en-IN"/>
           </a:p>
@@ -2393,7 +2399,7 @@
           <a:p>
             <a:fld id="{24AE45E0-2592-43FB-9EA6-8745677A686C}" type="datetimeFigureOut">
               <a:rPr lang="en-IN" smtClean="0"/>
-              <a:t>10-09-2023</a:t>
+              <a:t>12-09-2023</a:t>
             </a:fld>
             <a:endParaRPr lang="en-IN"/>
           </a:p>
@@ -2682,7 +2688,7 @@
           <a:p>
             <a:fld id="{24AE45E0-2592-43FB-9EA6-8745677A686C}" type="datetimeFigureOut">
               <a:rPr lang="en-IN" smtClean="0"/>
-              <a:t>10-09-2023</a:t>
+              <a:t>12-09-2023</a:t>
             </a:fld>
             <a:endParaRPr lang="en-IN"/>
           </a:p>
@@ -2925,7 +2931,7 @@
           <a:p>
             <a:fld id="{24AE45E0-2592-43FB-9EA6-8745677A686C}" type="datetimeFigureOut">
               <a:rPr lang="en-IN" smtClean="0"/>
-              <a:t>10-09-2023</a:t>
+              <a:t>12-09-2023</a:t>
             </a:fld>
             <a:endParaRPr lang="en-IN"/>
           </a:p>
@@ -4436,6 +4442,1219 @@
 </p:sld>
 </file>
 
+<file path=ppt/slides/slide2.xml><?xml version="1.0" encoding="utf-8"?>
+<p:sld xmlns:a="http://schemas.openxmlformats.org/drawingml/2006/main" xmlns:r="http://schemas.openxmlformats.org/officeDocument/2006/relationships" xmlns:p="http://schemas.openxmlformats.org/presentationml/2006/main">
+  <p:cSld>
+    <p:spTree>
+      <p:nvGrpSpPr>
+        <p:cNvPr id="1" name=""/>
+        <p:cNvGrpSpPr/>
+        <p:nvPr/>
+      </p:nvGrpSpPr>
+      <p:grpSpPr>
+        <a:xfrm>
+          <a:off x="0" y="0"/>
+          <a:ext cx="0" cy="0"/>
+          <a:chOff x="0" y="0"/>
+          <a:chExt cx="0" cy="0"/>
+        </a:xfrm>
+      </p:grpSpPr>
+      <p:sp>
+        <p:nvSpPr>
+          <p:cNvPr id="4" name="Rectangle 3">
+            <a:extLst>
+              <a:ext uri="{FF2B5EF4-FFF2-40B4-BE49-F238E27FC236}">
+                <a16:creationId xmlns:a16="http://schemas.microsoft.com/office/drawing/2014/main" id="{71303883-9991-2FD8-9F87-57A7A0458635}"/>
+              </a:ext>
+            </a:extLst>
+          </p:cNvPr>
+          <p:cNvSpPr/>
+          <p:nvPr/>
+        </p:nvSpPr>
+        <p:spPr>
+          <a:xfrm>
+            <a:off x="3351605" y="117158"/>
+            <a:ext cx="2486015" cy="1194080"/>
+          </a:xfrm>
+          <a:prstGeom prst="rect">
+            <a:avLst/>
+          </a:prstGeom>
+        </p:spPr>
+        <p:style>
+          <a:lnRef idx="2">
+            <a:schemeClr val="accent3">
+              <a:shade val="50000"/>
+            </a:schemeClr>
+          </a:lnRef>
+          <a:fillRef idx="1">
+            <a:schemeClr val="accent3"/>
+          </a:fillRef>
+          <a:effectRef idx="0">
+            <a:schemeClr val="accent3"/>
+          </a:effectRef>
+          <a:fontRef idx="minor">
+            <a:schemeClr val="lt1"/>
+          </a:fontRef>
+        </p:style>
+        <p:txBody>
+          <a:bodyPr rtlCol="0" anchor="ctr"/>
+          <a:lstStyle/>
+          <a:p>
+            <a:pPr algn="ctr"/>
+            <a:endParaRPr lang="en-IN"/>
+          </a:p>
+        </p:txBody>
+      </p:sp>
+      <p:sp>
+        <p:nvSpPr>
+          <p:cNvPr id="5" name="TextBox 4">
+            <a:extLst>
+              <a:ext uri="{FF2B5EF4-FFF2-40B4-BE49-F238E27FC236}">
+                <a16:creationId xmlns:a16="http://schemas.microsoft.com/office/drawing/2014/main" id="{2E4621DC-A6FB-7C98-FBA5-1071AFB72711}"/>
+              </a:ext>
+            </a:extLst>
+          </p:cNvPr>
+          <p:cNvSpPr txBox="1"/>
+          <p:nvPr/>
+        </p:nvSpPr>
+        <p:spPr>
+          <a:xfrm>
+            <a:off x="3351605" y="165434"/>
+            <a:ext cx="2486015" cy="1015663"/>
+          </a:xfrm>
+          <a:prstGeom prst="rect">
+            <a:avLst/>
+          </a:prstGeom>
+          <a:noFill/>
+        </p:spPr>
+        <p:txBody>
+          <a:bodyPr wrap="square" rtlCol="0">
+            <a:spAutoFit/>
+          </a:bodyPr>
+          <a:lstStyle/>
+          <a:p>
+            <a:pPr algn="ctr"/>
+            <a:r>
+              <a:rPr lang="en-US" sz="2000" dirty="0" err="1"/>
+              <a:t>IStockTrade</a:t>
+            </a:r>
+            <a:endParaRPr lang="en-US" sz="2000" dirty="0"/>
+          </a:p>
+          <a:p>
+            <a:pPr algn="ctr"/>
+            <a:r>
+              <a:rPr lang="en-US" sz="2000" dirty="0"/>
+              <a:t>-----------------------------</a:t>
+            </a:r>
+          </a:p>
+          <a:p>
+            <a:pPr algn="ctr"/>
+            <a:r>
+              <a:rPr lang="en-US" sz="2000" dirty="0"/>
+              <a:t>-  </a:t>
+            </a:r>
+            <a:r>
+              <a:rPr lang="en-US" sz="2000" dirty="0" err="1"/>
+              <a:t>StockTrade</a:t>
+            </a:r>
+            <a:r>
+              <a:rPr lang="en-US" sz="2000" dirty="0"/>
+              <a:t>()</a:t>
+            </a:r>
+          </a:p>
+        </p:txBody>
+      </p:sp>
+      <p:sp>
+        <p:nvSpPr>
+          <p:cNvPr id="13" name="Rectangle 12">
+            <a:extLst>
+              <a:ext uri="{FF2B5EF4-FFF2-40B4-BE49-F238E27FC236}">
+                <a16:creationId xmlns:a16="http://schemas.microsoft.com/office/drawing/2014/main" id="{14F20350-B336-670D-0863-BDAA096252CB}"/>
+              </a:ext>
+            </a:extLst>
+          </p:cNvPr>
+          <p:cNvSpPr/>
+          <p:nvPr/>
+        </p:nvSpPr>
+        <p:spPr>
+          <a:xfrm>
+            <a:off x="8600792" y="122171"/>
+            <a:ext cx="2467616" cy="1516023"/>
+          </a:xfrm>
+          <a:prstGeom prst="rect">
+            <a:avLst/>
+          </a:prstGeom>
+        </p:spPr>
+        <p:style>
+          <a:lnRef idx="2">
+            <a:schemeClr val="accent3">
+              <a:shade val="50000"/>
+            </a:schemeClr>
+          </a:lnRef>
+          <a:fillRef idx="1">
+            <a:schemeClr val="accent3"/>
+          </a:fillRef>
+          <a:effectRef idx="0">
+            <a:schemeClr val="accent3"/>
+          </a:effectRef>
+          <a:fontRef idx="minor">
+            <a:schemeClr val="lt1"/>
+          </a:fontRef>
+        </p:style>
+        <p:txBody>
+          <a:bodyPr rtlCol="0" anchor="ctr"/>
+          <a:lstStyle/>
+          <a:p>
+            <a:pPr algn="ctr"/>
+            <a:endParaRPr lang="en-IN" dirty="0"/>
+          </a:p>
+        </p:txBody>
+      </p:sp>
+      <p:sp>
+        <p:nvSpPr>
+          <p:cNvPr id="14" name="TextBox 13">
+            <a:extLst>
+              <a:ext uri="{FF2B5EF4-FFF2-40B4-BE49-F238E27FC236}">
+                <a16:creationId xmlns:a16="http://schemas.microsoft.com/office/drawing/2014/main" id="{C88AF53C-E743-E5ED-F25D-9F90E870FA59}"/>
+              </a:ext>
+            </a:extLst>
+          </p:cNvPr>
+          <p:cNvSpPr txBox="1"/>
+          <p:nvPr/>
+        </p:nvSpPr>
+        <p:spPr>
+          <a:xfrm>
+            <a:off x="8600792" y="179830"/>
+            <a:ext cx="2467616" cy="1323439"/>
+          </a:xfrm>
+          <a:prstGeom prst="rect">
+            <a:avLst/>
+          </a:prstGeom>
+          <a:noFill/>
+        </p:spPr>
+        <p:txBody>
+          <a:bodyPr wrap="square" rtlCol="0">
+            <a:spAutoFit/>
+          </a:bodyPr>
+          <a:lstStyle/>
+          <a:p>
+            <a:pPr algn="ctr"/>
+            <a:r>
+              <a:rPr lang="en-US" sz="2000" dirty="0" err="1"/>
+              <a:t>StockBroker</a:t>
+            </a:r>
+            <a:endParaRPr lang="en-US" sz="2000" dirty="0"/>
+          </a:p>
+          <a:p>
+            <a:pPr algn="ctr"/>
+            <a:r>
+              <a:rPr lang="en-US" sz="2000" dirty="0"/>
+              <a:t>-----------------------------</a:t>
+            </a:r>
+          </a:p>
+          <a:p>
+            <a:pPr algn="ctr"/>
+            <a:r>
+              <a:rPr lang="en-US" sz="2000" dirty="0"/>
+              <a:t>- </a:t>
+            </a:r>
+            <a:r>
+              <a:rPr lang="en-US" sz="2000" dirty="0" err="1"/>
+              <a:t>StockBuy</a:t>
+            </a:r>
+            <a:r>
+              <a:rPr lang="en-US" sz="2000" dirty="0"/>
+              <a:t>()</a:t>
+            </a:r>
+          </a:p>
+          <a:p>
+            <a:pPr algn="ctr"/>
+            <a:r>
+              <a:rPr lang="en-US" sz="2000" dirty="0"/>
+              <a:t>- </a:t>
+            </a:r>
+            <a:r>
+              <a:rPr lang="en-US" sz="2000" dirty="0" err="1"/>
+              <a:t>StockSell</a:t>
+            </a:r>
+            <a:r>
+              <a:rPr lang="en-US" sz="2000" dirty="0"/>
+              <a:t>()</a:t>
+            </a:r>
+          </a:p>
+        </p:txBody>
+      </p:sp>
+      <p:sp>
+        <p:nvSpPr>
+          <p:cNvPr id="52" name="TextBox 51">
+            <a:extLst>
+              <a:ext uri="{FF2B5EF4-FFF2-40B4-BE49-F238E27FC236}">
+                <a16:creationId xmlns:a16="http://schemas.microsoft.com/office/drawing/2014/main" id="{37729101-8E66-7BA5-0F41-7ECE7A9296AF}"/>
+              </a:ext>
+            </a:extLst>
+          </p:cNvPr>
+          <p:cNvSpPr txBox="1"/>
+          <p:nvPr/>
+        </p:nvSpPr>
+        <p:spPr>
+          <a:xfrm>
+            <a:off x="8600792" y="6314488"/>
+            <a:ext cx="5409141" cy="477054"/>
+          </a:xfrm>
+          <a:prstGeom prst="rect">
+            <a:avLst/>
+          </a:prstGeom>
+          <a:noFill/>
+        </p:spPr>
+        <p:txBody>
+          <a:bodyPr wrap="square" rtlCol="0">
+            <a:spAutoFit/>
+          </a:bodyPr>
+          <a:lstStyle/>
+          <a:p>
+            <a:r>
+              <a:rPr lang="en-US" sz="2500" dirty="0"/>
+              <a:t>Command Design Pattern</a:t>
+            </a:r>
+            <a:endParaRPr lang="en-IN" sz="2500" dirty="0"/>
+          </a:p>
+        </p:txBody>
+      </p:sp>
+      <p:cxnSp>
+        <p:nvCxnSpPr>
+          <p:cNvPr id="63" name="Straight Arrow Connector 62">
+            <a:extLst>
+              <a:ext uri="{FF2B5EF4-FFF2-40B4-BE49-F238E27FC236}">
+                <a16:creationId xmlns:a16="http://schemas.microsoft.com/office/drawing/2014/main" id="{D2C20383-43C3-C273-BB85-71680AA090F4}"/>
+              </a:ext>
+            </a:extLst>
+          </p:cNvPr>
+          <p:cNvCxnSpPr>
+            <a:cxnSpLocks/>
+            <a:stCxn id="22" idx="3"/>
+            <a:endCxn id="12" idx="1"/>
+          </p:cNvCxnSpPr>
+          <p:nvPr/>
+        </p:nvCxnSpPr>
+        <p:spPr>
+          <a:xfrm flipV="1">
+            <a:off x="2147999" y="5719956"/>
+            <a:ext cx="1293695" cy="2624"/>
+          </a:xfrm>
+          <a:prstGeom prst="straightConnector1">
+            <a:avLst/>
+          </a:prstGeom>
+          <a:ln>
+            <a:tailEnd type="triangle"/>
+          </a:ln>
+        </p:spPr>
+        <p:style>
+          <a:lnRef idx="1">
+            <a:schemeClr val="accent1"/>
+          </a:lnRef>
+          <a:fillRef idx="0">
+            <a:schemeClr val="accent1"/>
+          </a:fillRef>
+          <a:effectRef idx="0">
+            <a:schemeClr val="accent1"/>
+          </a:effectRef>
+          <a:fontRef idx="minor">
+            <a:schemeClr val="tx1"/>
+          </a:fontRef>
+        </p:style>
+      </p:cxnSp>
+      <p:sp>
+        <p:nvSpPr>
+          <p:cNvPr id="39" name="Rectangle 38">
+            <a:extLst>
+              <a:ext uri="{FF2B5EF4-FFF2-40B4-BE49-F238E27FC236}">
+                <a16:creationId xmlns:a16="http://schemas.microsoft.com/office/drawing/2014/main" id="{6C0CD7CC-0FDF-4627-1858-4BA7EB6D1DA3}"/>
+              </a:ext>
+            </a:extLst>
+          </p:cNvPr>
+          <p:cNvSpPr/>
+          <p:nvPr/>
+        </p:nvSpPr>
+        <p:spPr>
+          <a:xfrm>
+            <a:off x="2121276" y="2354116"/>
+            <a:ext cx="2049405" cy="1145173"/>
+          </a:xfrm>
+          <a:prstGeom prst="rect">
+            <a:avLst/>
+          </a:prstGeom>
+        </p:spPr>
+        <p:style>
+          <a:lnRef idx="2">
+            <a:schemeClr val="accent3">
+              <a:shade val="50000"/>
+            </a:schemeClr>
+          </a:lnRef>
+          <a:fillRef idx="1">
+            <a:schemeClr val="accent3"/>
+          </a:fillRef>
+          <a:effectRef idx="0">
+            <a:schemeClr val="accent3"/>
+          </a:effectRef>
+          <a:fontRef idx="minor">
+            <a:schemeClr val="lt1"/>
+          </a:fontRef>
+        </p:style>
+        <p:txBody>
+          <a:bodyPr rtlCol="0" anchor="ctr"/>
+          <a:lstStyle/>
+          <a:p>
+            <a:pPr algn="ctr"/>
+            <a:endParaRPr lang="en-IN" dirty="0"/>
+          </a:p>
+        </p:txBody>
+      </p:sp>
+      <p:sp>
+        <p:nvSpPr>
+          <p:cNvPr id="41" name="TextBox 40">
+            <a:extLst>
+              <a:ext uri="{FF2B5EF4-FFF2-40B4-BE49-F238E27FC236}">
+                <a16:creationId xmlns:a16="http://schemas.microsoft.com/office/drawing/2014/main" id="{CE3096C2-9096-82D2-96AD-77E0CEB5A026}"/>
+              </a:ext>
+            </a:extLst>
+          </p:cNvPr>
+          <p:cNvSpPr txBox="1"/>
+          <p:nvPr/>
+        </p:nvSpPr>
+        <p:spPr>
+          <a:xfrm>
+            <a:off x="2147999" y="2407883"/>
+            <a:ext cx="2049406" cy="1015663"/>
+          </a:xfrm>
+          <a:prstGeom prst="rect">
+            <a:avLst/>
+          </a:prstGeom>
+          <a:noFill/>
+        </p:spPr>
+        <p:txBody>
+          <a:bodyPr wrap="square" rtlCol="0">
+            <a:spAutoFit/>
+          </a:bodyPr>
+          <a:lstStyle/>
+          <a:p>
+            <a:pPr algn="ctr"/>
+            <a:r>
+              <a:rPr lang="en-US" sz="2000" dirty="0" err="1"/>
+              <a:t>BuyStock</a:t>
+            </a:r>
+            <a:endParaRPr lang="en-US" sz="2000" dirty="0"/>
+          </a:p>
+          <a:p>
+            <a:pPr algn="ctr"/>
+            <a:r>
+              <a:rPr lang="en-US" sz="2000" dirty="0"/>
+              <a:t>-----------------------</a:t>
+            </a:r>
+          </a:p>
+          <a:p>
+            <a:pPr algn="ctr"/>
+            <a:r>
+              <a:rPr lang="en-US" sz="2000" dirty="0"/>
+              <a:t>-- </a:t>
+            </a:r>
+            <a:r>
+              <a:rPr lang="en-US" sz="2000" dirty="0" err="1"/>
+              <a:t>StockTrade</a:t>
+            </a:r>
+            <a:r>
+              <a:rPr lang="en-US" sz="2000" dirty="0"/>
+              <a:t>()</a:t>
+            </a:r>
+          </a:p>
+        </p:txBody>
+      </p:sp>
+      <p:sp>
+        <p:nvSpPr>
+          <p:cNvPr id="47" name="Rectangle 46">
+            <a:extLst>
+              <a:ext uri="{FF2B5EF4-FFF2-40B4-BE49-F238E27FC236}">
+                <a16:creationId xmlns:a16="http://schemas.microsoft.com/office/drawing/2014/main" id="{87ECC522-7247-6C7C-8FC2-D12CC6487AAF}"/>
+              </a:ext>
+            </a:extLst>
+          </p:cNvPr>
+          <p:cNvSpPr/>
+          <p:nvPr/>
+        </p:nvSpPr>
+        <p:spPr>
+          <a:xfrm>
+            <a:off x="4521231" y="2344286"/>
+            <a:ext cx="2142767" cy="1149183"/>
+          </a:xfrm>
+          <a:prstGeom prst="rect">
+            <a:avLst/>
+          </a:prstGeom>
+        </p:spPr>
+        <p:style>
+          <a:lnRef idx="2">
+            <a:schemeClr val="accent3">
+              <a:shade val="50000"/>
+            </a:schemeClr>
+          </a:lnRef>
+          <a:fillRef idx="1">
+            <a:schemeClr val="accent3"/>
+          </a:fillRef>
+          <a:effectRef idx="0">
+            <a:schemeClr val="accent3"/>
+          </a:effectRef>
+          <a:fontRef idx="minor">
+            <a:schemeClr val="lt1"/>
+          </a:fontRef>
+        </p:style>
+        <p:txBody>
+          <a:bodyPr rtlCol="0" anchor="ctr"/>
+          <a:lstStyle/>
+          <a:p>
+            <a:pPr algn="ctr"/>
+            <a:endParaRPr lang="en-IN" dirty="0"/>
+          </a:p>
+        </p:txBody>
+      </p:sp>
+      <p:sp>
+        <p:nvSpPr>
+          <p:cNvPr id="48" name="TextBox 47">
+            <a:extLst>
+              <a:ext uri="{FF2B5EF4-FFF2-40B4-BE49-F238E27FC236}">
+                <a16:creationId xmlns:a16="http://schemas.microsoft.com/office/drawing/2014/main" id="{4A65A888-8ED0-815B-A31F-4D2ABCAB02D2}"/>
+              </a:ext>
+            </a:extLst>
+          </p:cNvPr>
+          <p:cNvSpPr txBox="1"/>
+          <p:nvPr/>
+        </p:nvSpPr>
+        <p:spPr>
+          <a:xfrm>
+            <a:off x="4547954" y="2398053"/>
+            <a:ext cx="2142768" cy="1015663"/>
+          </a:xfrm>
+          <a:prstGeom prst="rect">
+            <a:avLst/>
+          </a:prstGeom>
+          <a:noFill/>
+        </p:spPr>
+        <p:txBody>
+          <a:bodyPr wrap="square" rtlCol="0">
+            <a:spAutoFit/>
+          </a:bodyPr>
+          <a:lstStyle/>
+          <a:p>
+            <a:pPr algn="ctr"/>
+            <a:r>
+              <a:rPr lang="en-US" sz="2000" dirty="0" err="1"/>
+              <a:t>SellStock</a:t>
+            </a:r>
+            <a:endParaRPr lang="en-US" sz="2000" dirty="0"/>
+          </a:p>
+          <a:p>
+            <a:pPr algn="ctr"/>
+            <a:r>
+              <a:rPr lang="en-US" sz="2000" dirty="0"/>
+              <a:t>------------------------</a:t>
+            </a:r>
+          </a:p>
+          <a:p>
+            <a:pPr algn="ctr"/>
+            <a:r>
+              <a:rPr lang="en-US" sz="2000" dirty="0"/>
+              <a:t>- </a:t>
+            </a:r>
+            <a:r>
+              <a:rPr lang="en-US" sz="2000" dirty="0" err="1"/>
+              <a:t>StockTrade</a:t>
+            </a:r>
+            <a:r>
+              <a:rPr lang="en-US" sz="2000" dirty="0"/>
+              <a:t>()</a:t>
+            </a:r>
+          </a:p>
+        </p:txBody>
+      </p:sp>
+      <p:cxnSp>
+        <p:nvCxnSpPr>
+          <p:cNvPr id="49" name="Straight Arrow Connector 48">
+            <a:extLst>
+              <a:ext uri="{FF2B5EF4-FFF2-40B4-BE49-F238E27FC236}">
+                <a16:creationId xmlns:a16="http://schemas.microsoft.com/office/drawing/2014/main" id="{7B8FF822-7245-10AB-04EF-1B1756040816}"/>
+              </a:ext>
+            </a:extLst>
+          </p:cNvPr>
+          <p:cNvCxnSpPr>
+            <a:cxnSpLocks/>
+            <a:stCxn id="47" idx="0"/>
+          </p:cNvCxnSpPr>
+          <p:nvPr/>
+        </p:nvCxnSpPr>
+        <p:spPr>
+          <a:xfrm flipH="1" flipV="1">
+            <a:off x="4966268" y="1319679"/>
+            <a:ext cx="626347" cy="1024607"/>
+          </a:xfrm>
+          <a:prstGeom prst="straightConnector1">
+            <a:avLst/>
+          </a:prstGeom>
+          <a:ln>
+            <a:tailEnd type="triangle"/>
+          </a:ln>
+        </p:spPr>
+        <p:style>
+          <a:lnRef idx="1">
+            <a:schemeClr val="accent1"/>
+          </a:lnRef>
+          <a:fillRef idx="0">
+            <a:schemeClr val="accent1"/>
+          </a:fillRef>
+          <a:effectRef idx="0">
+            <a:schemeClr val="accent1"/>
+          </a:effectRef>
+          <a:fontRef idx="minor">
+            <a:schemeClr val="tx1"/>
+          </a:fontRef>
+        </p:style>
+      </p:cxnSp>
+      <p:sp>
+        <p:nvSpPr>
+          <p:cNvPr id="12" name="Rectangle 11">
+            <a:extLst>
+              <a:ext uri="{FF2B5EF4-FFF2-40B4-BE49-F238E27FC236}">
+                <a16:creationId xmlns:a16="http://schemas.microsoft.com/office/drawing/2014/main" id="{8E3ECF68-947A-EE95-B628-CD5401AABF21}"/>
+              </a:ext>
+            </a:extLst>
+          </p:cNvPr>
+          <p:cNvSpPr/>
+          <p:nvPr/>
+        </p:nvSpPr>
+        <p:spPr>
+          <a:xfrm>
+            <a:off x="3441694" y="4995990"/>
+            <a:ext cx="2049405" cy="1447931"/>
+          </a:xfrm>
+          <a:prstGeom prst="rect">
+            <a:avLst/>
+          </a:prstGeom>
+        </p:spPr>
+        <p:style>
+          <a:lnRef idx="2">
+            <a:schemeClr val="accent3">
+              <a:shade val="50000"/>
+            </a:schemeClr>
+          </a:lnRef>
+          <a:fillRef idx="1">
+            <a:schemeClr val="accent3"/>
+          </a:fillRef>
+          <a:effectRef idx="0">
+            <a:schemeClr val="accent3"/>
+          </a:effectRef>
+          <a:fontRef idx="minor">
+            <a:schemeClr val="lt1"/>
+          </a:fontRef>
+        </p:style>
+        <p:txBody>
+          <a:bodyPr rtlCol="0" anchor="ctr"/>
+          <a:lstStyle/>
+          <a:p>
+            <a:pPr algn="ctr"/>
+            <a:endParaRPr lang="en-IN" dirty="0"/>
+          </a:p>
+        </p:txBody>
+      </p:sp>
+      <p:sp>
+        <p:nvSpPr>
+          <p:cNvPr id="15" name="TextBox 14">
+            <a:extLst>
+              <a:ext uri="{FF2B5EF4-FFF2-40B4-BE49-F238E27FC236}">
+                <a16:creationId xmlns:a16="http://schemas.microsoft.com/office/drawing/2014/main" id="{42129DEC-26B5-63D3-36B6-CD648A9673AE}"/>
+              </a:ext>
+            </a:extLst>
+          </p:cNvPr>
+          <p:cNvSpPr txBox="1"/>
+          <p:nvPr/>
+        </p:nvSpPr>
+        <p:spPr>
+          <a:xfrm>
+            <a:off x="3468417" y="5049756"/>
+            <a:ext cx="2049406" cy="1323439"/>
+          </a:xfrm>
+          <a:prstGeom prst="rect">
+            <a:avLst/>
+          </a:prstGeom>
+          <a:noFill/>
+        </p:spPr>
+        <p:txBody>
+          <a:bodyPr wrap="square" rtlCol="0">
+            <a:spAutoFit/>
+          </a:bodyPr>
+          <a:lstStyle/>
+          <a:p>
+            <a:pPr algn="ctr"/>
+            <a:r>
+              <a:rPr lang="en-US" sz="2000" dirty="0"/>
+              <a:t>Stock</a:t>
+            </a:r>
+          </a:p>
+          <a:p>
+            <a:pPr algn="ctr"/>
+            <a:r>
+              <a:rPr lang="en-US" sz="2000" dirty="0"/>
+              <a:t>-----------------------</a:t>
+            </a:r>
+          </a:p>
+          <a:p>
+            <a:pPr algn="ctr"/>
+            <a:r>
+              <a:rPr lang="en-US" sz="2000" dirty="0"/>
+              <a:t>- Buy()</a:t>
+            </a:r>
+          </a:p>
+          <a:p>
+            <a:pPr algn="ctr"/>
+            <a:r>
+              <a:rPr lang="en-US" sz="2000" dirty="0"/>
+              <a:t>-  Sell()</a:t>
+            </a:r>
+          </a:p>
+        </p:txBody>
+      </p:sp>
+      <p:cxnSp>
+        <p:nvCxnSpPr>
+          <p:cNvPr id="31" name="Straight Arrow Connector 30">
+            <a:extLst>
+              <a:ext uri="{FF2B5EF4-FFF2-40B4-BE49-F238E27FC236}">
+                <a16:creationId xmlns:a16="http://schemas.microsoft.com/office/drawing/2014/main" id="{5E629F1B-7333-038B-8CDA-E6BBC8E8389B}"/>
+              </a:ext>
+            </a:extLst>
+          </p:cNvPr>
+          <p:cNvCxnSpPr>
+            <a:cxnSpLocks/>
+            <a:stCxn id="39" idx="0"/>
+          </p:cNvCxnSpPr>
+          <p:nvPr/>
+        </p:nvCxnSpPr>
+        <p:spPr>
+          <a:xfrm flipV="1">
+            <a:off x="3145979" y="1319679"/>
+            <a:ext cx="795586" cy="1034437"/>
+          </a:xfrm>
+          <a:prstGeom prst="straightConnector1">
+            <a:avLst/>
+          </a:prstGeom>
+          <a:ln>
+            <a:tailEnd type="triangle"/>
+          </a:ln>
+        </p:spPr>
+        <p:style>
+          <a:lnRef idx="1">
+            <a:schemeClr val="accent1"/>
+          </a:lnRef>
+          <a:fillRef idx="0">
+            <a:schemeClr val="accent1"/>
+          </a:fillRef>
+          <a:effectRef idx="0">
+            <a:schemeClr val="accent1"/>
+          </a:effectRef>
+          <a:fontRef idx="minor">
+            <a:schemeClr val="tx1"/>
+          </a:fontRef>
+        </p:style>
+      </p:cxnSp>
+      <p:cxnSp>
+        <p:nvCxnSpPr>
+          <p:cNvPr id="19" name="Straight Arrow Connector 18">
+            <a:extLst>
+              <a:ext uri="{FF2B5EF4-FFF2-40B4-BE49-F238E27FC236}">
+                <a16:creationId xmlns:a16="http://schemas.microsoft.com/office/drawing/2014/main" id="{AACDC446-1ABD-1CF5-3309-203D3C4F9CD9}"/>
+              </a:ext>
+            </a:extLst>
+          </p:cNvPr>
+          <p:cNvCxnSpPr>
+            <a:cxnSpLocks/>
+            <a:stCxn id="39" idx="2"/>
+          </p:cNvCxnSpPr>
+          <p:nvPr/>
+        </p:nvCxnSpPr>
+        <p:spPr>
+          <a:xfrm>
+            <a:off x="3145979" y="3499289"/>
+            <a:ext cx="795586" cy="1511485"/>
+          </a:xfrm>
+          <a:prstGeom prst="straightConnector1">
+            <a:avLst/>
+          </a:prstGeom>
+          <a:ln>
+            <a:tailEnd type="triangle"/>
+          </a:ln>
+        </p:spPr>
+        <p:style>
+          <a:lnRef idx="1">
+            <a:schemeClr val="accent1"/>
+          </a:lnRef>
+          <a:fillRef idx="0">
+            <a:schemeClr val="accent1"/>
+          </a:fillRef>
+          <a:effectRef idx="0">
+            <a:schemeClr val="accent1"/>
+          </a:effectRef>
+          <a:fontRef idx="minor">
+            <a:schemeClr val="tx1"/>
+          </a:fontRef>
+        </p:style>
+      </p:cxnSp>
+      <p:sp>
+        <p:nvSpPr>
+          <p:cNvPr id="21" name="Rectangle 20">
+            <a:extLst>
+              <a:ext uri="{FF2B5EF4-FFF2-40B4-BE49-F238E27FC236}">
+                <a16:creationId xmlns:a16="http://schemas.microsoft.com/office/drawing/2014/main" id="{2453B85C-A427-F041-01C3-6213819E1CE2}"/>
+              </a:ext>
+            </a:extLst>
+          </p:cNvPr>
+          <p:cNvSpPr/>
+          <p:nvPr/>
+        </p:nvSpPr>
+        <p:spPr>
+          <a:xfrm>
+            <a:off x="609334" y="5463511"/>
+            <a:ext cx="1538665" cy="512890"/>
+          </a:xfrm>
+          <a:prstGeom prst="rect">
+            <a:avLst/>
+          </a:prstGeom>
+        </p:spPr>
+        <p:style>
+          <a:lnRef idx="2">
+            <a:schemeClr val="accent3">
+              <a:shade val="50000"/>
+            </a:schemeClr>
+          </a:lnRef>
+          <a:fillRef idx="1">
+            <a:schemeClr val="accent3"/>
+          </a:fillRef>
+          <a:effectRef idx="0">
+            <a:schemeClr val="accent3"/>
+          </a:effectRef>
+          <a:fontRef idx="minor">
+            <a:schemeClr val="lt1"/>
+          </a:fontRef>
+        </p:style>
+        <p:txBody>
+          <a:bodyPr rtlCol="0" anchor="ctr"/>
+          <a:lstStyle/>
+          <a:p>
+            <a:pPr algn="ctr"/>
+            <a:endParaRPr lang="en-IN"/>
+          </a:p>
+        </p:txBody>
+      </p:sp>
+      <p:sp>
+        <p:nvSpPr>
+          <p:cNvPr id="22" name="TextBox 21">
+            <a:extLst>
+              <a:ext uri="{FF2B5EF4-FFF2-40B4-BE49-F238E27FC236}">
+                <a16:creationId xmlns:a16="http://schemas.microsoft.com/office/drawing/2014/main" id="{F931B4C4-C82A-C1B2-1D44-362F2725F176}"/>
+              </a:ext>
+            </a:extLst>
+          </p:cNvPr>
+          <p:cNvSpPr txBox="1"/>
+          <p:nvPr/>
+        </p:nvSpPr>
+        <p:spPr>
+          <a:xfrm>
+            <a:off x="609334" y="5522525"/>
+            <a:ext cx="1538665" cy="400110"/>
+          </a:xfrm>
+          <a:prstGeom prst="rect">
+            <a:avLst/>
+          </a:prstGeom>
+          <a:noFill/>
+        </p:spPr>
+        <p:txBody>
+          <a:bodyPr wrap="square" rtlCol="0">
+            <a:spAutoFit/>
+          </a:bodyPr>
+          <a:lstStyle/>
+          <a:p>
+            <a:pPr algn="ctr"/>
+            <a:r>
+              <a:rPr lang="en-US" sz="2000" dirty="0"/>
+              <a:t>Client</a:t>
+            </a:r>
+          </a:p>
+        </p:txBody>
+      </p:sp>
+      <p:cxnSp>
+        <p:nvCxnSpPr>
+          <p:cNvPr id="27" name="Straight Arrow Connector 26">
+            <a:extLst>
+              <a:ext uri="{FF2B5EF4-FFF2-40B4-BE49-F238E27FC236}">
+                <a16:creationId xmlns:a16="http://schemas.microsoft.com/office/drawing/2014/main" id="{0552DBE2-B647-7F5A-9B6B-40CCAD86F451}"/>
+              </a:ext>
+            </a:extLst>
+          </p:cNvPr>
+          <p:cNvCxnSpPr>
+            <a:cxnSpLocks/>
+            <a:stCxn id="47" idx="2"/>
+          </p:cNvCxnSpPr>
+          <p:nvPr/>
+        </p:nvCxnSpPr>
+        <p:spPr>
+          <a:xfrm flipH="1">
+            <a:off x="4788861" y="3493469"/>
+            <a:ext cx="803754" cy="1502521"/>
+          </a:xfrm>
+          <a:prstGeom prst="straightConnector1">
+            <a:avLst/>
+          </a:prstGeom>
+          <a:ln>
+            <a:tailEnd type="triangle"/>
+          </a:ln>
+        </p:spPr>
+        <p:style>
+          <a:lnRef idx="1">
+            <a:schemeClr val="accent1"/>
+          </a:lnRef>
+          <a:fillRef idx="0">
+            <a:schemeClr val="accent1"/>
+          </a:fillRef>
+          <a:effectRef idx="0">
+            <a:schemeClr val="accent1"/>
+          </a:effectRef>
+          <a:fontRef idx="minor">
+            <a:schemeClr val="tx1"/>
+          </a:fontRef>
+        </p:style>
+      </p:cxnSp>
+      <p:cxnSp>
+        <p:nvCxnSpPr>
+          <p:cNvPr id="42" name="Straight Arrow Connector 41">
+            <a:extLst>
+              <a:ext uri="{FF2B5EF4-FFF2-40B4-BE49-F238E27FC236}">
+                <a16:creationId xmlns:a16="http://schemas.microsoft.com/office/drawing/2014/main" id="{F2B0A2FF-7005-BB75-E9AB-0F0521A1E3B2}"/>
+              </a:ext>
+            </a:extLst>
+          </p:cNvPr>
+          <p:cNvCxnSpPr>
+            <a:cxnSpLocks/>
+            <a:endCxn id="5" idx="3"/>
+          </p:cNvCxnSpPr>
+          <p:nvPr/>
+        </p:nvCxnSpPr>
+        <p:spPr>
+          <a:xfrm flipH="1" flipV="1">
+            <a:off x="5837620" y="673266"/>
+            <a:ext cx="2763172" cy="168499"/>
+          </a:xfrm>
+          <a:prstGeom prst="straightConnector1">
+            <a:avLst/>
+          </a:prstGeom>
+          <a:ln>
+            <a:tailEnd type="triangle"/>
+          </a:ln>
+        </p:spPr>
+        <p:style>
+          <a:lnRef idx="1">
+            <a:schemeClr val="accent1"/>
+          </a:lnRef>
+          <a:fillRef idx="0">
+            <a:schemeClr val="accent1"/>
+          </a:fillRef>
+          <a:effectRef idx="0">
+            <a:schemeClr val="accent1"/>
+          </a:effectRef>
+          <a:fontRef idx="minor">
+            <a:schemeClr val="tx1"/>
+          </a:fontRef>
+        </p:style>
+      </p:cxnSp>
+      <p:sp>
+        <p:nvSpPr>
+          <p:cNvPr id="46" name="Diamond 45">
+            <a:extLst>
+              <a:ext uri="{FF2B5EF4-FFF2-40B4-BE49-F238E27FC236}">
+                <a16:creationId xmlns:a16="http://schemas.microsoft.com/office/drawing/2014/main" id="{BB343CB6-F399-34A2-6BC1-39CF078AF33E}"/>
+              </a:ext>
+            </a:extLst>
+          </p:cNvPr>
+          <p:cNvSpPr/>
+          <p:nvPr/>
+        </p:nvSpPr>
+        <p:spPr>
+          <a:xfrm rot="295709">
+            <a:off x="8099655" y="668793"/>
+            <a:ext cx="489039" cy="302684"/>
+          </a:xfrm>
+          <a:prstGeom prst="diamond">
+            <a:avLst/>
+          </a:prstGeom>
+        </p:spPr>
+        <p:style>
+          <a:lnRef idx="2">
+            <a:schemeClr val="accent1">
+              <a:shade val="50000"/>
+            </a:schemeClr>
+          </a:lnRef>
+          <a:fillRef idx="1">
+            <a:schemeClr val="accent1"/>
+          </a:fillRef>
+          <a:effectRef idx="0">
+            <a:schemeClr val="accent1"/>
+          </a:effectRef>
+          <a:fontRef idx="minor">
+            <a:schemeClr val="lt1"/>
+          </a:fontRef>
+        </p:style>
+        <p:txBody>
+          <a:bodyPr rtlCol="0" anchor="ctr"/>
+          <a:lstStyle/>
+          <a:p>
+            <a:pPr algn="ctr"/>
+            <a:endParaRPr lang="en-IN"/>
+          </a:p>
+        </p:txBody>
+      </p:sp>
+      <p:cxnSp>
+        <p:nvCxnSpPr>
+          <p:cNvPr id="51" name="Straight Connector 50">
+            <a:extLst>
+              <a:ext uri="{FF2B5EF4-FFF2-40B4-BE49-F238E27FC236}">
+                <a16:creationId xmlns:a16="http://schemas.microsoft.com/office/drawing/2014/main" id="{D115BDA4-E120-5DA7-2755-A5CDA4C7A0B3}"/>
+              </a:ext>
+            </a:extLst>
+          </p:cNvPr>
+          <p:cNvCxnSpPr>
+            <a:stCxn id="22" idx="0"/>
+            <a:endCxn id="22" idx="0"/>
+          </p:cNvCxnSpPr>
+          <p:nvPr/>
+        </p:nvCxnSpPr>
+        <p:spPr>
+          <a:xfrm>
+            <a:off x="1378667" y="5522525"/>
+            <a:ext cx="0" cy="0"/>
+          </a:xfrm>
+          <a:prstGeom prst="line">
+            <a:avLst/>
+          </a:prstGeom>
+        </p:spPr>
+        <p:style>
+          <a:lnRef idx="1">
+            <a:schemeClr val="accent1"/>
+          </a:lnRef>
+          <a:fillRef idx="0">
+            <a:schemeClr val="accent1"/>
+          </a:fillRef>
+          <a:effectRef idx="0">
+            <a:schemeClr val="accent1"/>
+          </a:effectRef>
+          <a:fontRef idx="minor">
+            <a:schemeClr val="tx1"/>
+          </a:fontRef>
+        </p:style>
+      </p:cxnSp>
+      <p:cxnSp>
+        <p:nvCxnSpPr>
+          <p:cNvPr id="54" name="Straight Arrow Connector 53">
+            <a:extLst>
+              <a:ext uri="{FF2B5EF4-FFF2-40B4-BE49-F238E27FC236}">
+                <a16:creationId xmlns:a16="http://schemas.microsoft.com/office/drawing/2014/main" id="{C3EC31C9-CB04-4035-6BD8-2320C43E1057}"/>
+              </a:ext>
+            </a:extLst>
+          </p:cNvPr>
+          <p:cNvCxnSpPr>
+            <a:cxnSpLocks/>
+          </p:cNvCxnSpPr>
+          <p:nvPr/>
+        </p:nvCxnSpPr>
+        <p:spPr>
+          <a:xfrm rot="5400000" flipH="1" flipV="1">
+            <a:off x="389527" y="3715424"/>
+            <a:ext cx="2524946" cy="938548"/>
+          </a:xfrm>
+          <a:prstGeom prst="bentConnector2">
+            <a:avLst/>
+          </a:prstGeom>
+          <a:ln w="9525" cap="flat" cmpd="sng" algn="ctr">
+            <a:solidFill>
+              <a:schemeClr val="accent1"/>
+            </a:solidFill>
+            <a:prstDash val="dash"/>
+            <a:round/>
+            <a:headEnd type="none" w="med" len="med"/>
+            <a:tailEnd type="none" w="med" len="med"/>
+          </a:ln>
+        </p:spPr>
+        <p:style>
+          <a:lnRef idx="0">
+            <a:scrgbClr r="0" g="0" b="0"/>
+          </a:lnRef>
+          <a:fillRef idx="0">
+            <a:scrgbClr r="0" g="0" b="0"/>
+          </a:fillRef>
+          <a:effectRef idx="0">
+            <a:scrgbClr r="0" g="0" b="0"/>
+          </a:effectRef>
+          <a:fontRef idx="minor">
+            <a:schemeClr val="tx1"/>
+          </a:fontRef>
+        </p:style>
+      </p:cxnSp>
+      <p:cxnSp>
+        <p:nvCxnSpPr>
+          <p:cNvPr id="68" name="Straight Arrow Connector 53">
+            <a:extLst>
+              <a:ext uri="{FF2B5EF4-FFF2-40B4-BE49-F238E27FC236}">
+                <a16:creationId xmlns:a16="http://schemas.microsoft.com/office/drawing/2014/main" id="{34DF7F87-3177-E82C-F8B3-39EDB258BAEE}"/>
+              </a:ext>
+            </a:extLst>
+          </p:cNvPr>
+          <p:cNvCxnSpPr>
+            <a:cxnSpLocks/>
+          </p:cNvCxnSpPr>
+          <p:nvPr/>
+        </p:nvCxnSpPr>
+        <p:spPr>
+          <a:xfrm rot="5400000" flipH="1" flipV="1">
+            <a:off x="2499437" y="1785115"/>
+            <a:ext cx="3070516" cy="5312055"/>
+          </a:xfrm>
+          <a:prstGeom prst="bentConnector4">
+            <a:avLst>
+              <a:gd name="adj1" fmla="val -25082"/>
+              <a:gd name="adj2" fmla="val 104303"/>
+            </a:avLst>
+          </a:prstGeom>
+          <a:ln w="9525" cap="flat" cmpd="sng" algn="ctr">
+            <a:solidFill>
+              <a:schemeClr val="accent1"/>
+            </a:solidFill>
+            <a:prstDash val="dash"/>
+            <a:round/>
+            <a:headEnd type="none" w="med" len="med"/>
+            <a:tailEnd type="none" w="med" len="med"/>
+          </a:ln>
+        </p:spPr>
+        <p:style>
+          <a:lnRef idx="0">
+            <a:scrgbClr r="0" g="0" b="0"/>
+          </a:lnRef>
+          <a:fillRef idx="0">
+            <a:scrgbClr r="0" g="0" b="0"/>
+          </a:fillRef>
+          <a:effectRef idx="0">
+            <a:scrgbClr r="0" g="0" b="0"/>
+          </a:effectRef>
+          <a:fontRef idx="minor">
+            <a:schemeClr val="tx1"/>
+          </a:fontRef>
+        </p:style>
+      </p:cxnSp>
+      <p:sp>
+        <p:nvSpPr>
+          <p:cNvPr id="79" name="Right Triangle 78">
+            <a:extLst>
+              <a:ext uri="{FF2B5EF4-FFF2-40B4-BE49-F238E27FC236}">
+                <a16:creationId xmlns:a16="http://schemas.microsoft.com/office/drawing/2014/main" id="{44EE4F55-0132-4682-2FED-3D88D330BE56}"/>
+              </a:ext>
+            </a:extLst>
+          </p:cNvPr>
+          <p:cNvSpPr/>
+          <p:nvPr/>
+        </p:nvSpPr>
+        <p:spPr>
+          <a:xfrm rot="13771015">
+            <a:off x="1811874" y="2794623"/>
+            <a:ext cx="260980" cy="255202"/>
+          </a:xfrm>
+          <a:prstGeom prst="rtTriangle">
+            <a:avLst/>
+          </a:prstGeom>
+        </p:spPr>
+        <p:style>
+          <a:lnRef idx="2">
+            <a:schemeClr val="accent1">
+              <a:shade val="50000"/>
+            </a:schemeClr>
+          </a:lnRef>
+          <a:fillRef idx="1">
+            <a:schemeClr val="accent1"/>
+          </a:fillRef>
+          <a:effectRef idx="0">
+            <a:schemeClr val="accent1"/>
+          </a:effectRef>
+          <a:fontRef idx="minor">
+            <a:schemeClr val="lt1"/>
+          </a:fontRef>
+        </p:style>
+        <p:txBody>
+          <a:bodyPr rtlCol="0" anchor="ctr"/>
+          <a:lstStyle/>
+          <a:p>
+            <a:pPr algn="ctr"/>
+            <a:endParaRPr lang="en-IN"/>
+          </a:p>
+        </p:txBody>
+      </p:sp>
+      <p:sp>
+        <p:nvSpPr>
+          <p:cNvPr id="80" name="Right Triangle 79">
+            <a:extLst>
+              <a:ext uri="{FF2B5EF4-FFF2-40B4-BE49-F238E27FC236}">
+                <a16:creationId xmlns:a16="http://schemas.microsoft.com/office/drawing/2014/main" id="{0791D5DA-95CD-5237-7EA5-2D44F9693B0E}"/>
+              </a:ext>
+            </a:extLst>
+          </p:cNvPr>
+          <p:cNvSpPr/>
+          <p:nvPr/>
+        </p:nvSpPr>
+        <p:spPr>
+          <a:xfrm rot="2752861">
+            <a:off x="6702027" y="2818829"/>
+            <a:ext cx="207501" cy="193769"/>
+          </a:xfrm>
+          <a:prstGeom prst="rtTriangle">
+            <a:avLst/>
+          </a:prstGeom>
+        </p:spPr>
+        <p:style>
+          <a:lnRef idx="2">
+            <a:schemeClr val="accent1">
+              <a:shade val="50000"/>
+            </a:schemeClr>
+          </a:lnRef>
+          <a:fillRef idx="1">
+            <a:schemeClr val="accent1"/>
+          </a:fillRef>
+          <a:effectRef idx="0">
+            <a:schemeClr val="accent1"/>
+          </a:effectRef>
+          <a:fontRef idx="minor">
+            <a:schemeClr val="lt1"/>
+          </a:fontRef>
+        </p:style>
+        <p:txBody>
+          <a:bodyPr rtlCol="0" anchor="ctr"/>
+          <a:lstStyle/>
+          <a:p>
+            <a:pPr algn="ctr"/>
+            <a:endParaRPr lang="en-IN"/>
+          </a:p>
+        </p:txBody>
+      </p:sp>
+    </p:spTree>
+    <p:extLst>
+      <p:ext uri="{BB962C8B-B14F-4D97-AF65-F5344CB8AC3E}">
+        <p14:creationId xmlns:p14="http://schemas.microsoft.com/office/powerpoint/2010/main" val="959123540"/>
+      </p:ext>
+    </p:extLst>
+  </p:cSld>
+  <p:clrMapOvr>
+    <a:masterClrMapping/>
+  </p:clrMapOvr>
+</p:sld>
+</file>
+
 <file path=ppt/theme/theme1.xml><?xml version="1.0" encoding="utf-8"?>
 <a:theme xmlns:a="http://schemas.openxmlformats.org/drawingml/2006/main" name="Office Theme">
   <a:themeElements>

--- a/BehavioralDesignPattern.pptx
+++ b/BehavioralDesignPattern.pptx
@@ -105,11 +105,6 @@
       </a:defRPr>
     </a:lvl9pPr>
   </p:defaultTextStyle>
-  <p:extLst>
-    <p:ext uri="{EFAFB233-063F-42B5-8137-9DF3F51BA10A}">
-      <p15:sldGuideLst xmlns:p15="http://schemas.microsoft.com/office/powerpoint/2012/main"/>
-    </p:ext>
-  </p:extLst>
 </p:presentation>
 </file>
 
@@ -262,7 +257,7 @@
           <a:p>
             <a:fld id="{24AE45E0-2592-43FB-9EA6-8745677A686C}" type="datetimeFigureOut">
               <a:rPr lang="en-IN" smtClean="0"/>
-              <a:t>12-09-2023</a:t>
+              <a:t>10-09-2023</a:t>
             </a:fld>
             <a:endParaRPr lang="en-IN"/>
           </a:p>
@@ -462,7 +457,7 @@
           <a:p>
             <a:fld id="{24AE45E0-2592-43FB-9EA6-8745677A686C}" type="datetimeFigureOut">
               <a:rPr lang="en-IN" smtClean="0"/>
-              <a:t>12-09-2023</a:t>
+              <a:t>10-09-2023</a:t>
             </a:fld>
             <a:endParaRPr lang="en-IN"/>
           </a:p>
@@ -672,7 +667,7 @@
           <a:p>
             <a:fld id="{24AE45E0-2592-43FB-9EA6-8745677A686C}" type="datetimeFigureOut">
               <a:rPr lang="en-IN" smtClean="0"/>
-              <a:t>12-09-2023</a:t>
+              <a:t>10-09-2023</a:t>
             </a:fld>
             <a:endParaRPr lang="en-IN"/>
           </a:p>
@@ -872,7 +867,7 @@
           <a:p>
             <a:fld id="{24AE45E0-2592-43FB-9EA6-8745677A686C}" type="datetimeFigureOut">
               <a:rPr lang="en-IN" smtClean="0"/>
-              <a:t>12-09-2023</a:t>
+              <a:t>10-09-2023</a:t>
             </a:fld>
             <a:endParaRPr lang="en-IN"/>
           </a:p>
@@ -1148,7 +1143,7 @@
           <a:p>
             <a:fld id="{24AE45E0-2592-43FB-9EA6-8745677A686C}" type="datetimeFigureOut">
               <a:rPr lang="en-IN" smtClean="0"/>
-              <a:t>12-09-2023</a:t>
+              <a:t>10-09-2023</a:t>
             </a:fld>
             <a:endParaRPr lang="en-IN"/>
           </a:p>
@@ -1416,7 +1411,7 @@
           <a:p>
             <a:fld id="{24AE45E0-2592-43FB-9EA6-8745677A686C}" type="datetimeFigureOut">
               <a:rPr lang="en-IN" smtClean="0"/>
-              <a:t>12-09-2023</a:t>
+              <a:t>10-09-2023</a:t>
             </a:fld>
             <a:endParaRPr lang="en-IN"/>
           </a:p>
@@ -1831,7 +1826,7 @@
           <a:p>
             <a:fld id="{24AE45E0-2592-43FB-9EA6-8745677A686C}" type="datetimeFigureOut">
               <a:rPr lang="en-IN" smtClean="0"/>
-              <a:t>12-09-2023</a:t>
+              <a:t>10-09-2023</a:t>
             </a:fld>
             <a:endParaRPr lang="en-IN"/>
           </a:p>
@@ -1973,7 +1968,7 @@
           <a:p>
             <a:fld id="{24AE45E0-2592-43FB-9EA6-8745677A686C}" type="datetimeFigureOut">
               <a:rPr lang="en-IN" smtClean="0"/>
-              <a:t>12-09-2023</a:t>
+              <a:t>10-09-2023</a:t>
             </a:fld>
             <a:endParaRPr lang="en-IN"/>
           </a:p>
@@ -2086,7 +2081,7 @@
           <a:p>
             <a:fld id="{24AE45E0-2592-43FB-9EA6-8745677A686C}" type="datetimeFigureOut">
               <a:rPr lang="en-IN" smtClean="0"/>
-              <a:t>12-09-2023</a:t>
+              <a:t>10-09-2023</a:t>
             </a:fld>
             <a:endParaRPr lang="en-IN"/>
           </a:p>
@@ -2399,7 +2394,7 @@
           <a:p>
             <a:fld id="{24AE45E0-2592-43FB-9EA6-8745677A686C}" type="datetimeFigureOut">
               <a:rPr lang="en-IN" smtClean="0"/>
-              <a:t>12-09-2023</a:t>
+              <a:t>10-09-2023</a:t>
             </a:fld>
             <a:endParaRPr lang="en-IN"/>
           </a:p>
@@ -2688,7 +2683,7 @@
           <a:p>
             <a:fld id="{24AE45E0-2592-43FB-9EA6-8745677A686C}" type="datetimeFigureOut">
               <a:rPr lang="en-IN" smtClean="0"/>
-              <a:t>12-09-2023</a:t>
+              <a:t>10-09-2023</a:t>
             </a:fld>
             <a:endParaRPr lang="en-IN"/>
           </a:p>
@@ -2931,7 +2926,7 @@
           <a:p>
             <a:fld id="{24AE45E0-2592-43FB-9EA6-8745677A686C}" type="datetimeFigureOut">
               <a:rPr lang="en-IN" smtClean="0"/>
-              <a:t>12-09-2023</a:t>
+              <a:t>10-09-2023</a:t>
             </a:fld>
             <a:endParaRPr lang="en-IN"/>
           </a:p>

--- a/BehavioralDesignPattern.pptx
+++ b/BehavioralDesignPattern.pptx
@@ -7,6 +7,9 @@
   <p:sldIdLst>
     <p:sldId id="259" r:id="rId2"/>
     <p:sldId id="261" r:id="rId3"/>
+    <p:sldId id="262" r:id="rId4"/>
+    <p:sldId id="263" r:id="rId5"/>
+    <p:sldId id="264" r:id="rId6"/>
   </p:sldIdLst>
   <p:sldSz cx="12192000" cy="6858000"/>
   <p:notesSz cx="6858000" cy="9144000"/>
@@ -105,6 +108,11 @@
       </a:defRPr>
     </a:lvl9pPr>
   </p:defaultTextStyle>
+  <p:extLst>
+    <p:ext uri="{EFAFB233-063F-42B5-8137-9DF3F51BA10A}">
+      <p15:sldGuideLst xmlns:p15="http://schemas.microsoft.com/office/powerpoint/2012/main"/>
+    </p:ext>
+  </p:extLst>
 </p:presentation>
 </file>
 
@@ -257,7 +265,7 @@
           <a:p>
             <a:fld id="{24AE45E0-2592-43FB-9EA6-8745677A686C}" type="datetimeFigureOut">
               <a:rPr lang="en-IN" smtClean="0"/>
-              <a:t>10-09-2023</a:t>
+              <a:t>12-09-2023</a:t>
             </a:fld>
             <a:endParaRPr lang="en-IN"/>
           </a:p>
@@ -457,7 +465,7 @@
           <a:p>
             <a:fld id="{24AE45E0-2592-43FB-9EA6-8745677A686C}" type="datetimeFigureOut">
               <a:rPr lang="en-IN" smtClean="0"/>
-              <a:t>10-09-2023</a:t>
+              <a:t>12-09-2023</a:t>
             </a:fld>
             <a:endParaRPr lang="en-IN"/>
           </a:p>
@@ -667,7 +675,7 @@
           <a:p>
             <a:fld id="{24AE45E0-2592-43FB-9EA6-8745677A686C}" type="datetimeFigureOut">
               <a:rPr lang="en-IN" smtClean="0"/>
-              <a:t>10-09-2023</a:t>
+              <a:t>12-09-2023</a:t>
             </a:fld>
             <a:endParaRPr lang="en-IN"/>
           </a:p>
@@ -867,7 +875,7 @@
           <a:p>
             <a:fld id="{24AE45E0-2592-43FB-9EA6-8745677A686C}" type="datetimeFigureOut">
               <a:rPr lang="en-IN" smtClean="0"/>
-              <a:t>10-09-2023</a:t>
+              <a:t>12-09-2023</a:t>
             </a:fld>
             <a:endParaRPr lang="en-IN"/>
           </a:p>
@@ -1143,7 +1151,7 @@
           <a:p>
             <a:fld id="{24AE45E0-2592-43FB-9EA6-8745677A686C}" type="datetimeFigureOut">
               <a:rPr lang="en-IN" smtClean="0"/>
-              <a:t>10-09-2023</a:t>
+              <a:t>12-09-2023</a:t>
             </a:fld>
             <a:endParaRPr lang="en-IN"/>
           </a:p>
@@ -1411,7 +1419,7 @@
           <a:p>
             <a:fld id="{24AE45E0-2592-43FB-9EA6-8745677A686C}" type="datetimeFigureOut">
               <a:rPr lang="en-IN" smtClean="0"/>
-              <a:t>10-09-2023</a:t>
+              <a:t>12-09-2023</a:t>
             </a:fld>
             <a:endParaRPr lang="en-IN"/>
           </a:p>
@@ -1826,7 +1834,7 @@
           <a:p>
             <a:fld id="{24AE45E0-2592-43FB-9EA6-8745677A686C}" type="datetimeFigureOut">
               <a:rPr lang="en-IN" smtClean="0"/>
-              <a:t>10-09-2023</a:t>
+              <a:t>12-09-2023</a:t>
             </a:fld>
             <a:endParaRPr lang="en-IN"/>
           </a:p>
@@ -1968,7 +1976,7 @@
           <a:p>
             <a:fld id="{24AE45E0-2592-43FB-9EA6-8745677A686C}" type="datetimeFigureOut">
               <a:rPr lang="en-IN" smtClean="0"/>
-              <a:t>10-09-2023</a:t>
+              <a:t>12-09-2023</a:t>
             </a:fld>
             <a:endParaRPr lang="en-IN"/>
           </a:p>
@@ -2081,7 +2089,7 @@
           <a:p>
             <a:fld id="{24AE45E0-2592-43FB-9EA6-8745677A686C}" type="datetimeFigureOut">
               <a:rPr lang="en-IN" smtClean="0"/>
-              <a:t>10-09-2023</a:t>
+              <a:t>12-09-2023</a:t>
             </a:fld>
             <a:endParaRPr lang="en-IN"/>
           </a:p>
@@ -2394,7 +2402,7 @@
           <a:p>
             <a:fld id="{24AE45E0-2592-43FB-9EA6-8745677A686C}" type="datetimeFigureOut">
               <a:rPr lang="en-IN" smtClean="0"/>
-              <a:t>10-09-2023</a:t>
+              <a:t>12-09-2023</a:t>
             </a:fld>
             <a:endParaRPr lang="en-IN"/>
           </a:p>
@@ -2683,7 +2691,7 @@
           <a:p>
             <a:fld id="{24AE45E0-2592-43FB-9EA6-8745677A686C}" type="datetimeFigureOut">
               <a:rPr lang="en-IN" smtClean="0"/>
-              <a:t>10-09-2023</a:t>
+              <a:t>12-09-2023</a:t>
             </a:fld>
             <a:endParaRPr lang="en-IN"/>
           </a:p>
@@ -2926,7 +2934,7 @@
           <a:p>
             <a:fld id="{24AE45E0-2592-43FB-9EA6-8745677A686C}" type="datetimeFigureOut">
               <a:rPr lang="en-IN" smtClean="0"/>
-              <a:t>10-09-2023</a:t>
+              <a:t>12-09-2023</a:t>
             </a:fld>
             <a:endParaRPr lang="en-IN"/>
           </a:p>
@@ -3692,7 +3700,11 @@
           <a:p>
             <a:pPr algn="ctr"/>
             <a:r>
-              <a:rPr lang="en-US" sz="2000" dirty="0"/>
+              <a:rPr lang="en-US" sz="2000" dirty="0">
+                <a:solidFill>
+                  <a:srgbClr val="FF0000"/>
+                </a:solidFill>
+              </a:rPr>
               <a:t>Client</a:t>
             </a:r>
           </a:p>
@@ -4297,48 +4309,6 @@
           </a:p>
         </p:txBody>
       </p:sp>
-      <p:cxnSp>
-        <p:nvCxnSpPr>
-          <p:cNvPr id="31" name="Straight Arrow Connector 30">
-            <a:extLst>
-              <a:ext uri="{FF2B5EF4-FFF2-40B4-BE49-F238E27FC236}">
-                <a16:creationId xmlns:a16="http://schemas.microsoft.com/office/drawing/2014/main" id="{5E629F1B-7333-038B-8CDA-E6BBC8E8389B}"/>
-              </a:ext>
-            </a:extLst>
-          </p:cNvPr>
-          <p:cNvCxnSpPr>
-            <a:cxnSpLocks/>
-            <a:stCxn id="39" idx="0"/>
-          </p:cNvCxnSpPr>
-          <p:nvPr/>
-        </p:nvCxnSpPr>
-        <p:spPr>
-          <a:xfrm flipV="1">
-            <a:off x="1683076" y="1698765"/>
-            <a:ext cx="2842236" cy="660805"/>
-          </a:xfrm>
-          <a:prstGeom prst="straightConnector1">
-            <a:avLst/>
-          </a:prstGeom>
-          <a:ln>
-            <a:tailEnd type="triangle"/>
-          </a:ln>
-        </p:spPr>
-        <p:style>
-          <a:lnRef idx="1">
-            <a:schemeClr val="accent1"/>
-          </a:lnRef>
-          <a:fillRef idx="0">
-            <a:schemeClr val="accent1"/>
-          </a:fillRef>
-          <a:effectRef idx="0">
-            <a:schemeClr val="accent1"/>
-          </a:effectRef>
-          <a:fontRef idx="minor">
-            <a:schemeClr val="tx1"/>
-          </a:fontRef>
-        </p:style>
-      </p:cxnSp>
       <p:cxnSp>
         <p:nvCxnSpPr>
           <p:cNvPr id="34" name="Straight Arrow Connector 33">
@@ -5641,6 +5611,2838 @@
     <p:extLst>
       <p:ext uri="{BB962C8B-B14F-4D97-AF65-F5344CB8AC3E}">
         <p14:creationId xmlns:p14="http://schemas.microsoft.com/office/powerpoint/2010/main" val="959123540"/>
+      </p:ext>
+    </p:extLst>
+  </p:cSld>
+  <p:clrMapOvr>
+    <a:masterClrMapping/>
+  </p:clrMapOvr>
+</p:sld>
+</file>
+
+<file path=ppt/slides/slide3.xml><?xml version="1.0" encoding="utf-8"?>
+<p:sld xmlns:a="http://schemas.openxmlformats.org/drawingml/2006/main" xmlns:r="http://schemas.openxmlformats.org/officeDocument/2006/relationships" xmlns:p="http://schemas.openxmlformats.org/presentationml/2006/main">
+  <p:cSld>
+    <p:spTree>
+      <p:nvGrpSpPr>
+        <p:cNvPr id="1" name=""/>
+        <p:cNvGrpSpPr/>
+        <p:nvPr/>
+      </p:nvGrpSpPr>
+      <p:grpSpPr>
+        <a:xfrm>
+          <a:off x="0" y="0"/>
+          <a:ext cx="0" cy="0"/>
+          <a:chOff x="0" y="0"/>
+          <a:chExt cx="0" cy="0"/>
+        </a:xfrm>
+      </p:grpSpPr>
+      <p:sp>
+        <p:nvSpPr>
+          <p:cNvPr id="4" name="Rectangle 3">
+            <a:extLst>
+              <a:ext uri="{FF2B5EF4-FFF2-40B4-BE49-F238E27FC236}">
+                <a16:creationId xmlns:a16="http://schemas.microsoft.com/office/drawing/2014/main" id="{71303883-9991-2FD8-9F87-57A7A0458635}"/>
+              </a:ext>
+            </a:extLst>
+          </p:cNvPr>
+          <p:cNvSpPr/>
+          <p:nvPr/>
+        </p:nvSpPr>
+        <p:spPr>
+          <a:xfrm>
+            <a:off x="2637730" y="73895"/>
+            <a:ext cx="2486015" cy="1383398"/>
+          </a:xfrm>
+          <a:prstGeom prst="rect">
+            <a:avLst/>
+          </a:prstGeom>
+        </p:spPr>
+        <p:style>
+          <a:lnRef idx="2">
+            <a:schemeClr val="accent3">
+              <a:shade val="50000"/>
+            </a:schemeClr>
+          </a:lnRef>
+          <a:fillRef idx="1">
+            <a:schemeClr val="accent3"/>
+          </a:fillRef>
+          <a:effectRef idx="0">
+            <a:schemeClr val="accent3"/>
+          </a:effectRef>
+          <a:fontRef idx="minor">
+            <a:schemeClr val="lt1"/>
+          </a:fontRef>
+        </p:style>
+        <p:txBody>
+          <a:bodyPr rtlCol="0" anchor="ctr"/>
+          <a:lstStyle/>
+          <a:p>
+            <a:pPr algn="ctr"/>
+            <a:endParaRPr lang="en-IN"/>
+          </a:p>
+        </p:txBody>
+      </p:sp>
+      <p:sp>
+        <p:nvSpPr>
+          <p:cNvPr id="5" name="TextBox 4">
+            <a:extLst>
+              <a:ext uri="{FF2B5EF4-FFF2-40B4-BE49-F238E27FC236}">
+                <a16:creationId xmlns:a16="http://schemas.microsoft.com/office/drawing/2014/main" id="{2E4621DC-A6FB-7C98-FBA5-1071AFB72711}"/>
+              </a:ext>
+            </a:extLst>
+          </p:cNvPr>
+          <p:cNvSpPr txBox="1"/>
+          <p:nvPr/>
+        </p:nvSpPr>
+        <p:spPr>
+          <a:xfrm>
+            <a:off x="2637730" y="122171"/>
+            <a:ext cx="2486015" cy="1323439"/>
+          </a:xfrm>
+          <a:prstGeom prst="rect">
+            <a:avLst/>
+          </a:prstGeom>
+          <a:noFill/>
+        </p:spPr>
+        <p:txBody>
+          <a:bodyPr wrap="square" rtlCol="0">
+            <a:spAutoFit/>
+          </a:bodyPr>
+          <a:lstStyle/>
+          <a:p>
+            <a:pPr algn="ctr"/>
+            <a:r>
+              <a:rPr lang="en-US" sz="2000" dirty="0" err="1"/>
+              <a:t>IGpayMediator</a:t>
+            </a:r>
+            <a:endParaRPr lang="en-US" sz="2000" dirty="0"/>
+          </a:p>
+          <a:p>
+            <a:pPr algn="ctr"/>
+            <a:r>
+              <a:rPr lang="en-US" sz="2000" dirty="0"/>
+              <a:t>-----------------------------</a:t>
+            </a:r>
+          </a:p>
+          <a:p>
+            <a:pPr marL="342900" indent="-342900" algn="ctr">
+              <a:buFontTx/>
+              <a:buChar char="-"/>
+            </a:pPr>
+            <a:r>
+              <a:rPr lang="en-US" sz="2000" dirty="0" err="1"/>
+              <a:t>TransferMoney</a:t>
+            </a:r>
+            <a:r>
+              <a:rPr lang="en-US" sz="2000" dirty="0"/>
+              <a:t>()</a:t>
+            </a:r>
+          </a:p>
+          <a:p>
+            <a:pPr algn="ctr"/>
+            <a:r>
+              <a:rPr lang="en-US" sz="2000" dirty="0"/>
+              <a:t>-  </a:t>
+            </a:r>
+            <a:r>
+              <a:rPr lang="en-US" sz="2000" dirty="0" err="1"/>
+              <a:t>RegisterUser</a:t>
+            </a:r>
+            <a:r>
+              <a:rPr lang="en-US" sz="2000" dirty="0"/>
+              <a:t>()</a:t>
+            </a:r>
+          </a:p>
+        </p:txBody>
+      </p:sp>
+      <p:sp>
+        <p:nvSpPr>
+          <p:cNvPr id="13" name="Rectangle 12">
+            <a:extLst>
+              <a:ext uri="{FF2B5EF4-FFF2-40B4-BE49-F238E27FC236}">
+                <a16:creationId xmlns:a16="http://schemas.microsoft.com/office/drawing/2014/main" id="{14F20350-B336-670D-0863-BDAA096252CB}"/>
+              </a:ext>
+            </a:extLst>
+          </p:cNvPr>
+          <p:cNvSpPr/>
+          <p:nvPr/>
+        </p:nvSpPr>
+        <p:spPr>
+          <a:xfrm>
+            <a:off x="8600792" y="122172"/>
+            <a:ext cx="2467616" cy="1383398"/>
+          </a:xfrm>
+          <a:prstGeom prst="rect">
+            <a:avLst/>
+          </a:prstGeom>
+        </p:spPr>
+        <p:style>
+          <a:lnRef idx="2">
+            <a:schemeClr val="accent3">
+              <a:shade val="50000"/>
+            </a:schemeClr>
+          </a:lnRef>
+          <a:fillRef idx="1">
+            <a:schemeClr val="accent3"/>
+          </a:fillRef>
+          <a:effectRef idx="0">
+            <a:schemeClr val="accent3"/>
+          </a:effectRef>
+          <a:fontRef idx="minor">
+            <a:schemeClr val="lt1"/>
+          </a:fontRef>
+        </p:style>
+        <p:txBody>
+          <a:bodyPr rtlCol="0" anchor="ctr"/>
+          <a:lstStyle/>
+          <a:p>
+            <a:pPr algn="ctr"/>
+            <a:endParaRPr lang="en-IN" dirty="0"/>
+          </a:p>
+        </p:txBody>
+      </p:sp>
+      <p:sp>
+        <p:nvSpPr>
+          <p:cNvPr id="14" name="TextBox 13">
+            <a:extLst>
+              <a:ext uri="{FF2B5EF4-FFF2-40B4-BE49-F238E27FC236}">
+                <a16:creationId xmlns:a16="http://schemas.microsoft.com/office/drawing/2014/main" id="{C88AF53C-E743-E5ED-F25D-9F90E870FA59}"/>
+              </a:ext>
+            </a:extLst>
+          </p:cNvPr>
+          <p:cNvSpPr txBox="1"/>
+          <p:nvPr/>
+        </p:nvSpPr>
+        <p:spPr>
+          <a:xfrm>
+            <a:off x="8600792" y="179830"/>
+            <a:ext cx="2467616" cy="1323439"/>
+          </a:xfrm>
+          <a:prstGeom prst="rect">
+            <a:avLst/>
+          </a:prstGeom>
+          <a:noFill/>
+        </p:spPr>
+        <p:txBody>
+          <a:bodyPr wrap="square" rtlCol="0">
+            <a:spAutoFit/>
+          </a:bodyPr>
+          <a:lstStyle/>
+          <a:p>
+            <a:pPr algn="ctr"/>
+            <a:r>
+              <a:rPr lang="en-US" sz="2000" dirty="0"/>
+              <a:t>User</a:t>
+            </a:r>
+          </a:p>
+          <a:p>
+            <a:pPr algn="ctr"/>
+            <a:r>
+              <a:rPr lang="en-US" sz="2000" dirty="0"/>
+              <a:t>-----------------------------</a:t>
+            </a:r>
+          </a:p>
+          <a:p>
+            <a:pPr algn="ctr"/>
+            <a:r>
+              <a:rPr lang="en-US" sz="2000" dirty="0"/>
+              <a:t>-   </a:t>
+            </a:r>
+            <a:r>
+              <a:rPr lang="en-US" sz="2000" dirty="0" err="1"/>
+              <a:t>SendMoney</a:t>
+            </a:r>
+            <a:r>
+              <a:rPr lang="en-US" sz="2000" dirty="0"/>
+              <a:t>()</a:t>
+            </a:r>
+          </a:p>
+          <a:p>
+            <a:pPr algn="ctr"/>
+            <a:r>
+              <a:rPr lang="en-US" sz="2000" dirty="0"/>
+              <a:t>- </a:t>
+            </a:r>
+            <a:r>
+              <a:rPr lang="en-US" sz="2000" dirty="0" err="1"/>
+              <a:t>RecieveMoney</a:t>
+            </a:r>
+            <a:r>
+              <a:rPr lang="en-US" sz="2000" dirty="0"/>
+              <a:t>()</a:t>
+            </a:r>
+          </a:p>
+        </p:txBody>
+      </p:sp>
+      <p:sp>
+        <p:nvSpPr>
+          <p:cNvPr id="52" name="TextBox 51">
+            <a:extLst>
+              <a:ext uri="{FF2B5EF4-FFF2-40B4-BE49-F238E27FC236}">
+                <a16:creationId xmlns:a16="http://schemas.microsoft.com/office/drawing/2014/main" id="{37729101-8E66-7BA5-0F41-7ECE7A9296AF}"/>
+              </a:ext>
+            </a:extLst>
+          </p:cNvPr>
+          <p:cNvSpPr txBox="1"/>
+          <p:nvPr/>
+        </p:nvSpPr>
+        <p:spPr>
+          <a:xfrm>
+            <a:off x="8600792" y="6314488"/>
+            <a:ext cx="5409141" cy="477054"/>
+          </a:xfrm>
+          <a:prstGeom prst="rect">
+            <a:avLst/>
+          </a:prstGeom>
+          <a:noFill/>
+        </p:spPr>
+        <p:txBody>
+          <a:bodyPr wrap="square" rtlCol="0">
+            <a:spAutoFit/>
+          </a:bodyPr>
+          <a:lstStyle/>
+          <a:p>
+            <a:r>
+              <a:rPr lang="en-US" sz="2500" dirty="0"/>
+              <a:t>Mediator Design Pattern</a:t>
+            </a:r>
+            <a:endParaRPr lang="en-IN" sz="2500" dirty="0"/>
+          </a:p>
+        </p:txBody>
+      </p:sp>
+      <p:sp>
+        <p:nvSpPr>
+          <p:cNvPr id="21" name="Rectangle 20">
+            <a:extLst>
+              <a:ext uri="{FF2B5EF4-FFF2-40B4-BE49-F238E27FC236}">
+                <a16:creationId xmlns:a16="http://schemas.microsoft.com/office/drawing/2014/main" id="{2453B85C-A427-F041-01C3-6213819E1CE2}"/>
+              </a:ext>
+            </a:extLst>
+          </p:cNvPr>
+          <p:cNvSpPr/>
+          <p:nvPr/>
+        </p:nvSpPr>
+        <p:spPr>
+          <a:xfrm>
+            <a:off x="192239" y="3181614"/>
+            <a:ext cx="1538665" cy="512890"/>
+          </a:xfrm>
+          <a:prstGeom prst="rect">
+            <a:avLst/>
+          </a:prstGeom>
+        </p:spPr>
+        <p:style>
+          <a:lnRef idx="2">
+            <a:schemeClr val="accent3">
+              <a:shade val="50000"/>
+            </a:schemeClr>
+          </a:lnRef>
+          <a:fillRef idx="1">
+            <a:schemeClr val="accent3"/>
+          </a:fillRef>
+          <a:effectRef idx="0">
+            <a:schemeClr val="accent3"/>
+          </a:effectRef>
+          <a:fontRef idx="minor">
+            <a:schemeClr val="lt1"/>
+          </a:fontRef>
+        </p:style>
+        <p:txBody>
+          <a:bodyPr rtlCol="0" anchor="ctr"/>
+          <a:lstStyle/>
+          <a:p>
+            <a:pPr algn="ctr"/>
+            <a:endParaRPr lang="en-IN"/>
+          </a:p>
+        </p:txBody>
+      </p:sp>
+      <p:sp>
+        <p:nvSpPr>
+          <p:cNvPr id="22" name="TextBox 21">
+            <a:extLst>
+              <a:ext uri="{FF2B5EF4-FFF2-40B4-BE49-F238E27FC236}">
+                <a16:creationId xmlns:a16="http://schemas.microsoft.com/office/drawing/2014/main" id="{F931B4C4-C82A-C1B2-1D44-362F2725F176}"/>
+              </a:ext>
+            </a:extLst>
+          </p:cNvPr>
+          <p:cNvSpPr txBox="1"/>
+          <p:nvPr/>
+        </p:nvSpPr>
+        <p:spPr>
+          <a:xfrm>
+            <a:off x="192239" y="3240628"/>
+            <a:ext cx="1538665" cy="400110"/>
+          </a:xfrm>
+          <a:prstGeom prst="rect">
+            <a:avLst/>
+          </a:prstGeom>
+          <a:noFill/>
+        </p:spPr>
+        <p:txBody>
+          <a:bodyPr wrap="square" rtlCol="0">
+            <a:spAutoFit/>
+          </a:bodyPr>
+          <a:lstStyle/>
+          <a:p>
+            <a:pPr algn="ctr"/>
+            <a:r>
+              <a:rPr lang="en-US" sz="2000" dirty="0"/>
+              <a:t>Client</a:t>
+            </a:r>
+          </a:p>
+        </p:txBody>
+      </p:sp>
+      <p:cxnSp>
+        <p:nvCxnSpPr>
+          <p:cNvPr id="51" name="Straight Connector 50">
+            <a:extLst>
+              <a:ext uri="{FF2B5EF4-FFF2-40B4-BE49-F238E27FC236}">
+                <a16:creationId xmlns:a16="http://schemas.microsoft.com/office/drawing/2014/main" id="{D115BDA4-E120-5DA7-2755-A5CDA4C7A0B3}"/>
+              </a:ext>
+            </a:extLst>
+          </p:cNvPr>
+          <p:cNvCxnSpPr>
+            <a:stCxn id="22" idx="0"/>
+            <a:endCxn id="22" idx="0"/>
+          </p:cNvCxnSpPr>
+          <p:nvPr/>
+        </p:nvCxnSpPr>
+        <p:spPr>
+          <a:xfrm>
+            <a:off x="961572" y="3240628"/>
+            <a:ext cx="0" cy="0"/>
+          </a:xfrm>
+          <a:prstGeom prst="line">
+            <a:avLst/>
+          </a:prstGeom>
+        </p:spPr>
+        <p:style>
+          <a:lnRef idx="1">
+            <a:schemeClr val="accent1"/>
+          </a:lnRef>
+          <a:fillRef idx="0">
+            <a:schemeClr val="accent1"/>
+          </a:fillRef>
+          <a:effectRef idx="0">
+            <a:schemeClr val="accent1"/>
+          </a:effectRef>
+          <a:fontRef idx="minor">
+            <a:schemeClr val="tx1"/>
+          </a:fontRef>
+        </p:style>
+      </p:cxnSp>
+      <p:sp>
+        <p:nvSpPr>
+          <p:cNvPr id="3" name="Rectangle 2">
+            <a:extLst>
+              <a:ext uri="{FF2B5EF4-FFF2-40B4-BE49-F238E27FC236}">
+                <a16:creationId xmlns:a16="http://schemas.microsoft.com/office/drawing/2014/main" id="{CC53ACE0-83CD-B6BA-FC3C-8EB8D4DF465E}"/>
+              </a:ext>
+            </a:extLst>
+          </p:cNvPr>
+          <p:cNvSpPr/>
+          <p:nvPr/>
+        </p:nvSpPr>
+        <p:spPr>
+          <a:xfrm>
+            <a:off x="2352130" y="2719004"/>
+            <a:ext cx="3057216" cy="1383398"/>
+          </a:xfrm>
+          <a:prstGeom prst="rect">
+            <a:avLst/>
+          </a:prstGeom>
+        </p:spPr>
+        <p:style>
+          <a:lnRef idx="2">
+            <a:schemeClr val="accent3">
+              <a:shade val="50000"/>
+            </a:schemeClr>
+          </a:lnRef>
+          <a:fillRef idx="1">
+            <a:schemeClr val="accent3"/>
+          </a:fillRef>
+          <a:effectRef idx="0">
+            <a:schemeClr val="accent3"/>
+          </a:effectRef>
+          <a:fontRef idx="minor">
+            <a:schemeClr val="lt1"/>
+          </a:fontRef>
+        </p:style>
+        <p:txBody>
+          <a:bodyPr rtlCol="0" anchor="ctr"/>
+          <a:lstStyle/>
+          <a:p>
+            <a:pPr algn="ctr"/>
+            <a:endParaRPr lang="en-IN"/>
+          </a:p>
+        </p:txBody>
+      </p:sp>
+      <p:sp>
+        <p:nvSpPr>
+          <p:cNvPr id="6" name="TextBox 5">
+            <a:extLst>
+              <a:ext uri="{FF2B5EF4-FFF2-40B4-BE49-F238E27FC236}">
+                <a16:creationId xmlns:a16="http://schemas.microsoft.com/office/drawing/2014/main" id="{4D4D8620-C820-1725-9270-E91C222868C4}"/>
+              </a:ext>
+            </a:extLst>
+          </p:cNvPr>
+          <p:cNvSpPr txBox="1"/>
+          <p:nvPr/>
+        </p:nvSpPr>
+        <p:spPr>
+          <a:xfrm>
+            <a:off x="2352130" y="2778963"/>
+            <a:ext cx="3057216" cy="1323439"/>
+          </a:xfrm>
+          <a:prstGeom prst="rect">
+            <a:avLst/>
+          </a:prstGeom>
+          <a:noFill/>
+        </p:spPr>
+        <p:txBody>
+          <a:bodyPr wrap="square" rtlCol="0">
+            <a:spAutoFit/>
+          </a:bodyPr>
+          <a:lstStyle/>
+          <a:p>
+            <a:pPr algn="ctr"/>
+            <a:r>
+              <a:rPr lang="en-US" sz="2000" dirty="0" err="1"/>
+              <a:t>ConcreteGpayMediator</a:t>
+            </a:r>
+            <a:endParaRPr lang="en-US" sz="2000" dirty="0"/>
+          </a:p>
+          <a:p>
+            <a:pPr algn="ctr"/>
+            <a:r>
+              <a:rPr lang="en-US" sz="2000" dirty="0"/>
+              <a:t>------------------------------------</a:t>
+            </a:r>
+          </a:p>
+          <a:p>
+            <a:pPr marL="342900" indent="-342900" algn="ctr">
+              <a:buFontTx/>
+              <a:buChar char="-"/>
+            </a:pPr>
+            <a:r>
+              <a:rPr lang="en-US" sz="2000" dirty="0" err="1"/>
+              <a:t>TransferMoney</a:t>
+            </a:r>
+            <a:r>
+              <a:rPr lang="en-US" sz="2000" dirty="0"/>
+              <a:t>()</a:t>
+            </a:r>
+          </a:p>
+          <a:p>
+            <a:pPr algn="ctr"/>
+            <a:r>
+              <a:rPr lang="en-US" sz="2000" dirty="0"/>
+              <a:t>-  </a:t>
+            </a:r>
+            <a:r>
+              <a:rPr lang="en-US" sz="2000" dirty="0" err="1"/>
+              <a:t>RegisterUser</a:t>
+            </a:r>
+            <a:r>
+              <a:rPr lang="en-US" sz="2000" dirty="0"/>
+              <a:t>()</a:t>
+            </a:r>
+          </a:p>
+        </p:txBody>
+      </p:sp>
+      <p:sp>
+        <p:nvSpPr>
+          <p:cNvPr id="7" name="Rectangle 6">
+            <a:extLst>
+              <a:ext uri="{FF2B5EF4-FFF2-40B4-BE49-F238E27FC236}">
+                <a16:creationId xmlns:a16="http://schemas.microsoft.com/office/drawing/2014/main" id="{21FDF154-A7D3-41C8-FE3E-8DC4E9991397}"/>
+              </a:ext>
+            </a:extLst>
+          </p:cNvPr>
+          <p:cNvSpPr/>
+          <p:nvPr/>
+        </p:nvSpPr>
+        <p:spPr>
+          <a:xfrm>
+            <a:off x="8600792" y="2719004"/>
+            <a:ext cx="2486015" cy="1383398"/>
+          </a:xfrm>
+          <a:prstGeom prst="rect">
+            <a:avLst/>
+          </a:prstGeom>
+        </p:spPr>
+        <p:style>
+          <a:lnRef idx="2">
+            <a:schemeClr val="accent3">
+              <a:shade val="50000"/>
+            </a:schemeClr>
+          </a:lnRef>
+          <a:fillRef idx="1">
+            <a:schemeClr val="accent3"/>
+          </a:fillRef>
+          <a:effectRef idx="0">
+            <a:schemeClr val="accent3"/>
+          </a:effectRef>
+          <a:fontRef idx="minor">
+            <a:schemeClr val="lt1"/>
+          </a:fontRef>
+        </p:style>
+        <p:txBody>
+          <a:bodyPr rtlCol="0" anchor="ctr"/>
+          <a:lstStyle/>
+          <a:p>
+            <a:pPr algn="ctr"/>
+            <a:endParaRPr lang="en-IN"/>
+          </a:p>
+        </p:txBody>
+      </p:sp>
+      <p:sp>
+        <p:nvSpPr>
+          <p:cNvPr id="8" name="TextBox 7">
+            <a:extLst>
+              <a:ext uri="{FF2B5EF4-FFF2-40B4-BE49-F238E27FC236}">
+                <a16:creationId xmlns:a16="http://schemas.microsoft.com/office/drawing/2014/main" id="{225A4B6D-9EED-1E95-5FBF-C81D8C0CAB9E}"/>
+              </a:ext>
+            </a:extLst>
+          </p:cNvPr>
+          <p:cNvSpPr txBox="1"/>
+          <p:nvPr/>
+        </p:nvSpPr>
+        <p:spPr>
+          <a:xfrm>
+            <a:off x="8600792" y="2767280"/>
+            <a:ext cx="2486015" cy="1323439"/>
+          </a:xfrm>
+          <a:prstGeom prst="rect">
+            <a:avLst/>
+          </a:prstGeom>
+          <a:noFill/>
+        </p:spPr>
+        <p:txBody>
+          <a:bodyPr wrap="square" rtlCol="0">
+            <a:spAutoFit/>
+          </a:bodyPr>
+          <a:lstStyle/>
+          <a:p>
+            <a:pPr algn="ctr"/>
+            <a:r>
+              <a:rPr lang="en-US" sz="2000" dirty="0" err="1"/>
+              <a:t>ConcreteUser</a:t>
+            </a:r>
+            <a:endParaRPr lang="en-US" sz="2000" dirty="0"/>
+          </a:p>
+          <a:p>
+            <a:pPr algn="ctr"/>
+            <a:r>
+              <a:rPr lang="en-US" sz="2000" dirty="0"/>
+              <a:t>-----------------------------</a:t>
+            </a:r>
+          </a:p>
+          <a:p>
+            <a:pPr marL="342900" indent="-342900" algn="ctr">
+              <a:buFontTx/>
+              <a:buChar char="-"/>
+            </a:pPr>
+            <a:r>
+              <a:rPr lang="en-US" sz="2000" dirty="0" err="1"/>
+              <a:t>SendMoney</a:t>
+            </a:r>
+            <a:r>
+              <a:rPr lang="en-US" sz="2000" dirty="0"/>
+              <a:t>()</a:t>
+            </a:r>
+          </a:p>
+          <a:p>
+            <a:pPr algn="ctr"/>
+            <a:r>
+              <a:rPr lang="en-US" sz="2000" dirty="0"/>
+              <a:t>-   </a:t>
+            </a:r>
+            <a:r>
+              <a:rPr lang="en-US" sz="2000" dirty="0" err="1"/>
+              <a:t>RecieveUser</a:t>
+            </a:r>
+            <a:r>
+              <a:rPr lang="en-US" sz="2000" dirty="0"/>
+              <a:t>()</a:t>
+            </a:r>
+          </a:p>
+        </p:txBody>
+      </p:sp>
+      <p:cxnSp>
+        <p:nvCxnSpPr>
+          <p:cNvPr id="10" name="Straight Arrow Connector 9">
+            <a:extLst>
+              <a:ext uri="{FF2B5EF4-FFF2-40B4-BE49-F238E27FC236}">
+                <a16:creationId xmlns:a16="http://schemas.microsoft.com/office/drawing/2014/main" id="{AC4E9BA3-304A-DF53-89E2-096B18D982DA}"/>
+              </a:ext>
+            </a:extLst>
+          </p:cNvPr>
+          <p:cNvCxnSpPr>
+            <a:cxnSpLocks/>
+            <a:stCxn id="3" idx="0"/>
+            <a:endCxn id="4" idx="2"/>
+          </p:cNvCxnSpPr>
+          <p:nvPr/>
+        </p:nvCxnSpPr>
+        <p:spPr>
+          <a:xfrm flipV="1">
+            <a:off x="3880738" y="1457293"/>
+            <a:ext cx="0" cy="1261711"/>
+          </a:xfrm>
+          <a:prstGeom prst="straightConnector1">
+            <a:avLst/>
+          </a:prstGeom>
+          <a:ln>
+            <a:tailEnd type="triangle"/>
+          </a:ln>
+        </p:spPr>
+        <p:style>
+          <a:lnRef idx="1">
+            <a:schemeClr val="accent1"/>
+          </a:lnRef>
+          <a:fillRef idx="0">
+            <a:schemeClr val="accent1"/>
+          </a:fillRef>
+          <a:effectRef idx="0">
+            <a:schemeClr val="accent1"/>
+          </a:effectRef>
+          <a:fontRef idx="minor">
+            <a:schemeClr val="tx1"/>
+          </a:fontRef>
+        </p:style>
+      </p:cxnSp>
+      <p:cxnSp>
+        <p:nvCxnSpPr>
+          <p:cNvPr id="26" name="Straight Arrow Connector 25">
+            <a:extLst>
+              <a:ext uri="{FF2B5EF4-FFF2-40B4-BE49-F238E27FC236}">
+                <a16:creationId xmlns:a16="http://schemas.microsoft.com/office/drawing/2014/main" id="{E89E5A8E-47B9-5ADE-B50F-69974BD14F0C}"/>
+              </a:ext>
+            </a:extLst>
+          </p:cNvPr>
+          <p:cNvCxnSpPr>
+            <a:cxnSpLocks/>
+            <a:stCxn id="7" idx="0"/>
+            <a:endCxn id="13" idx="2"/>
+          </p:cNvCxnSpPr>
+          <p:nvPr/>
+        </p:nvCxnSpPr>
+        <p:spPr>
+          <a:xfrm flipH="1" flipV="1">
+            <a:off x="9834600" y="1505570"/>
+            <a:ext cx="9200" cy="1213434"/>
+          </a:xfrm>
+          <a:prstGeom prst="straightConnector1">
+            <a:avLst/>
+          </a:prstGeom>
+          <a:ln>
+            <a:tailEnd type="triangle"/>
+          </a:ln>
+        </p:spPr>
+        <p:style>
+          <a:lnRef idx="1">
+            <a:schemeClr val="accent1"/>
+          </a:lnRef>
+          <a:fillRef idx="0">
+            <a:schemeClr val="accent1"/>
+          </a:fillRef>
+          <a:effectRef idx="0">
+            <a:schemeClr val="accent1"/>
+          </a:effectRef>
+          <a:fontRef idx="minor">
+            <a:schemeClr val="tx1"/>
+          </a:fontRef>
+        </p:style>
+      </p:cxnSp>
+      <p:cxnSp>
+        <p:nvCxnSpPr>
+          <p:cNvPr id="37" name="Straight Arrow Connector 36">
+            <a:extLst>
+              <a:ext uri="{FF2B5EF4-FFF2-40B4-BE49-F238E27FC236}">
+                <a16:creationId xmlns:a16="http://schemas.microsoft.com/office/drawing/2014/main" id="{837B1540-77EB-6FFB-8C46-A38D331E4CF4}"/>
+              </a:ext>
+            </a:extLst>
+          </p:cNvPr>
+          <p:cNvCxnSpPr>
+            <a:cxnSpLocks/>
+            <a:stCxn id="6" idx="3"/>
+            <a:endCxn id="8" idx="1"/>
+          </p:cNvCxnSpPr>
+          <p:nvPr/>
+        </p:nvCxnSpPr>
+        <p:spPr>
+          <a:xfrm flipV="1">
+            <a:off x="5409346" y="3429000"/>
+            <a:ext cx="3191446" cy="11683"/>
+          </a:xfrm>
+          <a:prstGeom prst="straightConnector1">
+            <a:avLst/>
+          </a:prstGeom>
+          <a:ln>
+            <a:tailEnd type="triangle"/>
+          </a:ln>
+        </p:spPr>
+        <p:style>
+          <a:lnRef idx="1">
+            <a:schemeClr val="accent1"/>
+          </a:lnRef>
+          <a:fillRef idx="0">
+            <a:schemeClr val="accent1"/>
+          </a:fillRef>
+          <a:effectRef idx="0">
+            <a:schemeClr val="accent1"/>
+          </a:effectRef>
+          <a:fontRef idx="minor">
+            <a:schemeClr val="tx1"/>
+          </a:fontRef>
+        </p:style>
+      </p:cxnSp>
+      <p:cxnSp>
+        <p:nvCxnSpPr>
+          <p:cNvPr id="43" name="Straight Arrow Connector 42">
+            <a:extLst>
+              <a:ext uri="{FF2B5EF4-FFF2-40B4-BE49-F238E27FC236}">
+                <a16:creationId xmlns:a16="http://schemas.microsoft.com/office/drawing/2014/main" id="{F28DC637-A043-2781-C316-346629703FDA}"/>
+              </a:ext>
+            </a:extLst>
+          </p:cNvPr>
+          <p:cNvCxnSpPr>
+            <a:cxnSpLocks/>
+            <a:stCxn id="22" idx="3"/>
+            <a:endCxn id="6" idx="1"/>
+          </p:cNvCxnSpPr>
+          <p:nvPr/>
+        </p:nvCxnSpPr>
+        <p:spPr>
+          <a:xfrm>
+            <a:off x="1730904" y="3440683"/>
+            <a:ext cx="621226" cy="0"/>
+          </a:xfrm>
+          <a:prstGeom prst="straightConnector1">
+            <a:avLst/>
+          </a:prstGeom>
+          <a:ln>
+            <a:tailEnd type="triangle"/>
+          </a:ln>
+        </p:spPr>
+        <p:style>
+          <a:lnRef idx="1">
+            <a:schemeClr val="accent1"/>
+          </a:lnRef>
+          <a:fillRef idx="0">
+            <a:schemeClr val="accent1"/>
+          </a:fillRef>
+          <a:effectRef idx="0">
+            <a:schemeClr val="accent1"/>
+          </a:effectRef>
+          <a:fontRef idx="minor">
+            <a:schemeClr val="tx1"/>
+          </a:fontRef>
+        </p:style>
+      </p:cxnSp>
+    </p:spTree>
+    <p:extLst>
+      <p:ext uri="{BB962C8B-B14F-4D97-AF65-F5344CB8AC3E}">
+        <p14:creationId xmlns:p14="http://schemas.microsoft.com/office/powerpoint/2010/main" val="136524737"/>
+      </p:ext>
+    </p:extLst>
+  </p:cSld>
+  <p:clrMapOvr>
+    <a:masterClrMapping/>
+  </p:clrMapOvr>
+</p:sld>
+</file>
+
+<file path=ppt/slides/slide4.xml><?xml version="1.0" encoding="utf-8"?>
+<p:sld xmlns:a="http://schemas.openxmlformats.org/drawingml/2006/main" xmlns:r="http://schemas.openxmlformats.org/officeDocument/2006/relationships" xmlns:p="http://schemas.openxmlformats.org/presentationml/2006/main">
+  <p:cSld>
+    <p:spTree>
+      <p:nvGrpSpPr>
+        <p:cNvPr id="1" name=""/>
+        <p:cNvGrpSpPr/>
+        <p:nvPr/>
+      </p:nvGrpSpPr>
+      <p:grpSpPr>
+        <a:xfrm>
+          <a:off x="0" y="0"/>
+          <a:ext cx="0" cy="0"/>
+          <a:chOff x="0" y="0"/>
+          <a:chExt cx="0" cy="0"/>
+        </a:xfrm>
+      </p:grpSpPr>
+      <p:sp>
+        <p:nvSpPr>
+          <p:cNvPr id="4" name="Rectangle 3">
+            <a:extLst>
+              <a:ext uri="{FF2B5EF4-FFF2-40B4-BE49-F238E27FC236}">
+                <a16:creationId xmlns:a16="http://schemas.microsoft.com/office/drawing/2014/main" id="{71303883-9991-2FD8-9F87-57A7A0458635}"/>
+              </a:ext>
+            </a:extLst>
+          </p:cNvPr>
+          <p:cNvSpPr/>
+          <p:nvPr/>
+        </p:nvSpPr>
+        <p:spPr>
+          <a:xfrm>
+            <a:off x="3063430" y="209377"/>
+            <a:ext cx="2486015" cy="1720227"/>
+          </a:xfrm>
+          <a:prstGeom prst="rect">
+            <a:avLst/>
+          </a:prstGeom>
+        </p:spPr>
+        <p:style>
+          <a:lnRef idx="2">
+            <a:schemeClr val="accent3">
+              <a:shade val="50000"/>
+            </a:schemeClr>
+          </a:lnRef>
+          <a:fillRef idx="1">
+            <a:schemeClr val="accent3"/>
+          </a:fillRef>
+          <a:effectRef idx="0">
+            <a:schemeClr val="accent3"/>
+          </a:effectRef>
+          <a:fontRef idx="minor">
+            <a:schemeClr val="lt1"/>
+          </a:fontRef>
+        </p:style>
+        <p:txBody>
+          <a:bodyPr rtlCol="0" anchor="ctr"/>
+          <a:lstStyle/>
+          <a:p>
+            <a:pPr algn="ctr"/>
+            <a:endParaRPr lang="en-IN"/>
+          </a:p>
+        </p:txBody>
+      </p:sp>
+      <p:sp>
+        <p:nvSpPr>
+          <p:cNvPr id="5" name="TextBox 4">
+            <a:extLst>
+              <a:ext uri="{FF2B5EF4-FFF2-40B4-BE49-F238E27FC236}">
+                <a16:creationId xmlns:a16="http://schemas.microsoft.com/office/drawing/2014/main" id="{2E4621DC-A6FB-7C98-FBA5-1071AFB72711}"/>
+              </a:ext>
+            </a:extLst>
+          </p:cNvPr>
+          <p:cNvSpPr txBox="1"/>
+          <p:nvPr/>
+        </p:nvSpPr>
+        <p:spPr>
+          <a:xfrm>
+            <a:off x="3063430" y="257654"/>
+            <a:ext cx="2486015" cy="1631216"/>
+          </a:xfrm>
+          <a:prstGeom prst="rect">
+            <a:avLst/>
+          </a:prstGeom>
+          <a:noFill/>
+        </p:spPr>
+        <p:txBody>
+          <a:bodyPr wrap="square" rtlCol="0">
+            <a:spAutoFit/>
+          </a:bodyPr>
+          <a:lstStyle/>
+          <a:p>
+            <a:pPr algn="ctr"/>
+            <a:r>
+              <a:rPr lang="en-US" sz="2000" dirty="0" err="1"/>
+              <a:t>IMovieCatalog</a:t>
+            </a:r>
+            <a:endParaRPr lang="en-US" sz="2000" dirty="0"/>
+          </a:p>
+          <a:p>
+            <a:pPr algn="ctr"/>
+            <a:r>
+              <a:rPr lang="en-US" sz="2000" dirty="0"/>
+              <a:t>-----------------------------</a:t>
+            </a:r>
+          </a:p>
+          <a:p>
+            <a:pPr algn="ctr"/>
+            <a:r>
+              <a:rPr lang="en-US" sz="2000" dirty="0"/>
+              <a:t>- </a:t>
+            </a:r>
+            <a:r>
+              <a:rPr lang="en-US" sz="2000" dirty="0" err="1"/>
+              <a:t>RegisterUser</a:t>
+            </a:r>
+            <a:r>
+              <a:rPr lang="en-US" sz="2000" dirty="0"/>
+              <a:t>()</a:t>
+            </a:r>
+          </a:p>
+          <a:p>
+            <a:pPr marL="342900" indent="-342900" algn="ctr">
+              <a:buFontTx/>
+              <a:buChar char="-"/>
+            </a:pPr>
+            <a:r>
+              <a:rPr lang="en-US" sz="2000" dirty="0" err="1"/>
+              <a:t>RemoveUser</a:t>
+            </a:r>
+            <a:r>
+              <a:rPr lang="en-US" sz="2000" dirty="0"/>
+              <a:t>()</a:t>
+            </a:r>
+          </a:p>
+          <a:p>
+            <a:pPr algn="ctr"/>
+            <a:r>
+              <a:rPr lang="en-US" sz="2000" dirty="0"/>
+              <a:t>- </a:t>
+            </a:r>
+            <a:r>
+              <a:rPr lang="en-US" sz="2000" dirty="0" err="1"/>
+              <a:t>NotifyUser</a:t>
+            </a:r>
+            <a:r>
+              <a:rPr lang="en-US" sz="2000" dirty="0"/>
+              <a:t>()</a:t>
+            </a:r>
+          </a:p>
+        </p:txBody>
+      </p:sp>
+      <p:sp>
+        <p:nvSpPr>
+          <p:cNvPr id="13" name="Rectangle 12">
+            <a:extLst>
+              <a:ext uri="{FF2B5EF4-FFF2-40B4-BE49-F238E27FC236}">
+                <a16:creationId xmlns:a16="http://schemas.microsoft.com/office/drawing/2014/main" id="{14F20350-B336-670D-0863-BDAA096252CB}"/>
+              </a:ext>
+            </a:extLst>
+          </p:cNvPr>
+          <p:cNvSpPr/>
+          <p:nvPr/>
+        </p:nvSpPr>
+        <p:spPr>
+          <a:xfrm>
+            <a:off x="8768431" y="506388"/>
+            <a:ext cx="2486015" cy="1183721"/>
+          </a:xfrm>
+          <a:prstGeom prst="rect">
+            <a:avLst/>
+          </a:prstGeom>
+        </p:spPr>
+        <p:style>
+          <a:lnRef idx="2">
+            <a:schemeClr val="accent3">
+              <a:shade val="50000"/>
+            </a:schemeClr>
+          </a:lnRef>
+          <a:fillRef idx="1">
+            <a:schemeClr val="accent3"/>
+          </a:fillRef>
+          <a:effectRef idx="0">
+            <a:schemeClr val="accent3"/>
+          </a:effectRef>
+          <a:fontRef idx="minor">
+            <a:schemeClr val="lt1"/>
+          </a:fontRef>
+        </p:style>
+        <p:txBody>
+          <a:bodyPr rtlCol="0" anchor="ctr"/>
+          <a:lstStyle/>
+          <a:p>
+            <a:pPr algn="ctr"/>
+            <a:endParaRPr lang="en-IN" dirty="0"/>
+          </a:p>
+        </p:txBody>
+      </p:sp>
+      <p:sp>
+        <p:nvSpPr>
+          <p:cNvPr id="14" name="TextBox 13">
+            <a:extLst>
+              <a:ext uri="{FF2B5EF4-FFF2-40B4-BE49-F238E27FC236}">
+                <a16:creationId xmlns:a16="http://schemas.microsoft.com/office/drawing/2014/main" id="{C88AF53C-E743-E5ED-F25D-9F90E870FA59}"/>
+              </a:ext>
+            </a:extLst>
+          </p:cNvPr>
+          <p:cNvSpPr txBox="1"/>
+          <p:nvPr/>
+        </p:nvSpPr>
+        <p:spPr>
+          <a:xfrm>
+            <a:off x="8768431" y="564046"/>
+            <a:ext cx="2486015" cy="1015663"/>
+          </a:xfrm>
+          <a:prstGeom prst="rect">
+            <a:avLst/>
+          </a:prstGeom>
+          <a:noFill/>
+        </p:spPr>
+        <p:txBody>
+          <a:bodyPr wrap="square" rtlCol="0">
+            <a:spAutoFit/>
+          </a:bodyPr>
+          <a:lstStyle/>
+          <a:p>
+            <a:pPr algn="ctr"/>
+            <a:r>
+              <a:rPr lang="en-US" sz="2000" dirty="0" err="1"/>
+              <a:t>IUser</a:t>
+            </a:r>
+            <a:endParaRPr lang="en-US" sz="2000" dirty="0"/>
+          </a:p>
+          <a:p>
+            <a:pPr algn="ctr"/>
+            <a:r>
+              <a:rPr lang="en-US" sz="2000" dirty="0"/>
+              <a:t>-----------------------------</a:t>
+            </a:r>
+          </a:p>
+          <a:p>
+            <a:pPr algn="ctr"/>
+            <a:r>
+              <a:rPr lang="en-US" sz="2000" dirty="0"/>
+              <a:t>- </a:t>
+            </a:r>
+            <a:r>
+              <a:rPr lang="en-US" sz="2000" dirty="0" err="1"/>
+              <a:t>RecieveNotification</a:t>
+            </a:r>
+            <a:r>
+              <a:rPr lang="en-US" sz="2000" dirty="0"/>
+              <a:t>()</a:t>
+            </a:r>
+          </a:p>
+        </p:txBody>
+      </p:sp>
+      <p:sp>
+        <p:nvSpPr>
+          <p:cNvPr id="52" name="TextBox 51">
+            <a:extLst>
+              <a:ext uri="{FF2B5EF4-FFF2-40B4-BE49-F238E27FC236}">
+                <a16:creationId xmlns:a16="http://schemas.microsoft.com/office/drawing/2014/main" id="{37729101-8E66-7BA5-0F41-7ECE7A9296AF}"/>
+              </a:ext>
+            </a:extLst>
+          </p:cNvPr>
+          <p:cNvSpPr txBox="1"/>
+          <p:nvPr/>
+        </p:nvSpPr>
+        <p:spPr>
+          <a:xfrm>
+            <a:off x="8600792" y="6314488"/>
+            <a:ext cx="5409141" cy="477054"/>
+          </a:xfrm>
+          <a:prstGeom prst="rect">
+            <a:avLst/>
+          </a:prstGeom>
+          <a:noFill/>
+        </p:spPr>
+        <p:txBody>
+          <a:bodyPr wrap="square" rtlCol="0">
+            <a:spAutoFit/>
+          </a:bodyPr>
+          <a:lstStyle/>
+          <a:p>
+            <a:r>
+              <a:rPr lang="en-US" sz="2500" dirty="0"/>
+              <a:t>Observer Design Pattern</a:t>
+            </a:r>
+            <a:endParaRPr lang="en-IN" sz="2500" dirty="0"/>
+          </a:p>
+        </p:txBody>
+      </p:sp>
+      <p:sp>
+        <p:nvSpPr>
+          <p:cNvPr id="21" name="Rectangle 20">
+            <a:extLst>
+              <a:ext uri="{FF2B5EF4-FFF2-40B4-BE49-F238E27FC236}">
+                <a16:creationId xmlns:a16="http://schemas.microsoft.com/office/drawing/2014/main" id="{2453B85C-A427-F041-01C3-6213819E1CE2}"/>
+              </a:ext>
+            </a:extLst>
+          </p:cNvPr>
+          <p:cNvSpPr/>
+          <p:nvPr/>
+        </p:nvSpPr>
+        <p:spPr>
+          <a:xfrm>
+            <a:off x="176999" y="3643278"/>
+            <a:ext cx="1538665" cy="512890"/>
+          </a:xfrm>
+          <a:prstGeom prst="rect">
+            <a:avLst/>
+          </a:prstGeom>
+        </p:spPr>
+        <p:style>
+          <a:lnRef idx="2">
+            <a:schemeClr val="accent3">
+              <a:shade val="50000"/>
+            </a:schemeClr>
+          </a:lnRef>
+          <a:fillRef idx="1">
+            <a:schemeClr val="accent3"/>
+          </a:fillRef>
+          <a:effectRef idx="0">
+            <a:schemeClr val="accent3"/>
+          </a:effectRef>
+          <a:fontRef idx="minor">
+            <a:schemeClr val="lt1"/>
+          </a:fontRef>
+        </p:style>
+        <p:txBody>
+          <a:bodyPr rtlCol="0" anchor="ctr"/>
+          <a:lstStyle/>
+          <a:p>
+            <a:pPr algn="ctr"/>
+            <a:endParaRPr lang="en-IN"/>
+          </a:p>
+        </p:txBody>
+      </p:sp>
+      <p:sp>
+        <p:nvSpPr>
+          <p:cNvPr id="22" name="TextBox 21">
+            <a:extLst>
+              <a:ext uri="{FF2B5EF4-FFF2-40B4-BE49-F238E27FC236}">
+                <a16:creationId xmlns:a16="http://schemas.microsoft.com/office/drawing/2014/main" id="{F931B4C4-C82A-C1B2-1D44-362F2725F176}"/>
+              </a:ext>
+            </a:extLst>
+          </p:cNvPr>
+          <p:cNvSpPr txBox="1"/>
+          <p:nvPr/>
+        </p:nvSpPr>
+        <p:spPr>
+          <a:xfrm>
+            <a:off x="176999" y="3702292"/>
+            <a:ext cx="1538665" cy="400110"/>
+          </a:xfrm>
+          <a:prstGeom prst="rect">
+            <a:avLst/>
+          </a:prstGeom>
+          <a:noFill/>
+        </p:spPr>
+        <p:txBody>
+          <a:bodyPr wrap="square" rtlCol="0">
+            <a:spAutoFit/>
+          </a:bodyPr>
+          <a:lstStyle/>
+          <a:p>
+            <a:pPr algn="ctr"/>
+            <a:r>
+              <a:rPr lang="en-US" sz="2000" dirty="0"/>
+              <a:t>Client</a:t>
+            </a:r>
+          </a:p>
+        </p:txBody>
+      </p:sp>
+      <p:cxnSp>
+        <p:nvCxnSpPr>
+          <p:cNvPr id="51" name="Straight Connector 50">
+            <a:extLst>
+              <a:ext uri="{FF2B5EF4-FFF2-40B4-BE49-F238E27FC236}">
+                <a16:creationId xmlns:a16="http://schemas.microsoft.com/office/drawing/2014/main" id="{D115BDA4-E120-5DA7-2755-A5CDA4C7A0B3}"/>
+              </a:ext>
+            </a:extLst>
+          </p:cNvPr>
+          <p:cNvCxnSpPr>
+            <a:stCxn id="22" idx="0"/>
+            <a:endCxn id="22" idx="0"/>
+          </p:cNvCxnSpPr>
+          <p:nvPr/>
+        </p:nvCxnSpPr>
+        <p:spPr>
+          <a:xfrm>
+            <a:off x="946332" y="3702292"/>
+            <a:ext cx="0" cy="0"/>
+          </a:xfrm>
+          <a:prstGeom prst="line">
+            <a:avLst/>
+          </a:prstGeom>
+        </p:spPr>
+        <p:style>
+          <a:lnRef idx="1">
+            <a:schemeClr val="accent1"/>
+          </a:lnRef>
+          <a:fillRef idx="0">
+            <a:schemeClr val="accent1"/>
+          </a:fillRef>
+          <a:effectRef idx="0">
+            <a:schemeClr val="accent1"/>
+          </a:effectRef>
+          <a:fontRef idx="minor">
+            <a:schemeClr val="tx1"/>
+          </a:fontRef>
+        </p:style>
+      </p:cxnSp>
+      <p:sp>
+        <p:nvSpPr>
+          <p:cNvPr id="3" name="Rectangle 2">
+            <a:extLst>
+              <a:ext uri="{FF2B5EF4-FFF2-40B4-BE49-F238E27FC236}">
+                <a16:creationId xmlns:a16="http://schemas.microsoft.com/office/drawing/2014/main" id="{CC53ACE0-83CD-B6BA-FC3C-8EB8D4DF465E}"/>
+              </a:ext>
+            </a:extLst>
+          </p:cNvPr>
+          <p:cNvSpPr/>
+          <p:nvPr/>
+        </p:nvSpPr>
+        <p:spPr>
+          <a:xfrm>
+            <a:off x="2352130" y="2719004"/>
+            <a:ext cx="3865790" cy="2523556"/>
+          </a:xfrm>
+          <a:prstGeom prst="rect">
+            <a:avLst/>
+          </a:prstGeom>
+        </p:spPr>
+        <p:style>
+          <a:lnRef idx="2">
+            <a:schemeClr val="accent3">
+              <a:shade val="50000"/>
+            </a:schemeClr>
+          </a:lnRef>
+          <a:fillRef idx="1">
+            <a:schemeClr val="accent3"/>
+          </a:fillRef>
+          <a:effectRef idx="0">
+            <a:schemeClr val="accent3"/>
+          </a:effectRef>
+          <a:fontRef idx="minor">
+            <a:schemeClr val="lt1"/>
+          </a:fontRef>
+        </p:style>
+        <p:txBody>
+          <a:bodyPr rtlCol="0" anchor="ctr"/>
+          <a:lstStyle/>
+          <a:p>
+            <a:pPr algn="ctr"/>
+            <a:endParaRPr lang="en-IN"/>
+          </a:p>
+        </p:txBody>
+      </p:sp>
+      <p:sp>
+        <p:nvSpPr>
+          <p:cNvPr id="6" name="TextBox 5">
+            <a:extLst>
+              <a:ext uri="{FF2B5EF4-FFF2-40B4-BE49-F238E27FC236}">
+                <a16:creationId xmlns:a16="http://schemas.microsoft.com/office/drawing/2014/main" id="{4D4D8620-C820-1725-9270-E91C222868C4}"/>
+              </a:ext>
+            </a:extLst>
+          </p:cNvPr>
+          <p:cNvSpPr txBox="1"/>
+          <p:nvPr/>
+        </p:nvSpPr>
+        <p:spPr>
+          <a:xfrm>
+            <a:off x="2352130" y="2778963"/>
+            <a:ext cx="3865790" cy="2246769"/>
+          </a:xfrm>
+          <a:prstGeom prst="rect">
+            <a:avLst/>
+          </a:prstGeom>
+          <a:noFill/>
+        </p:spPr>
+        <p:txBody>
+          <a:bodyPr wrap="square" rtlCol="0">
+            <a:spAutoFit/>
+          </a:bodyPr>
+          <a:lstStyle/>
+          <a:p>
+            <a:pPr algn="ctr"/>
+            <a:r>
+              <a:rPr lang="en-US" sz="2000" dirty="0" err="1"/>
+              <a:t>MovierCatalog</a:t>
+            </a:r>
+            <a:endParaRPr lang="en-US" sz="2000" dirty="0"/>
+          </a:p>
+          <a:p>
+            <a:pPr algn="ctr"/>
+            <a:r>
+              <a:rPr lang="en-US" sz="2000" dirty="0"/>
+              <a:t>------------------------------------</a:t>
+            </a:r>
+          </a:p>
+          <a:p>
+            <a:pPr marL="342900" indent="-342900" algn="ctr">
+              <a:buFontTx/>
+              <a:buChar char="-"/>
+            </a:pPr>
+            <a:r>
+              <a:rPr lang="en-US" sz="2000" dirty="0" err="1"/>
+              <a:t>GetNewReleaseNotification</a:t>
+            </a:r>
+            <a:r>
+              <a:rPr lang="en-US" sz="2000" dirty="0"/>
+              <a:t>()</a:t>
+            </a:r>
+          </a:p>
+          <a:p>
+            <a:pPr marL="342900" indent="-342900" algn="ctr">
+              <a:buFontTx/>
+              <a:buChar char="-"/>
+            </a:pPr>
+            <a:r>
+              <a:rPr lang="en-US" sz="2000" dirty="0" err="1"/>
+              <a:t>SetNewRelease</a:t>
+            </a:r>
+            <a:r>
+              <a:rPr lang="en-US" sz="2000" dirty="0"/>
+              <a:t> State()</a:t>
+            </a:r>
+          </a:p>
+          <a:p>
+            <a:pPr marL="342900" indent="-342900" algn="ctr">
+              <a:buFontTx/>
+              <a:buChar char="-"/>
+            </a:pPr>
+            <a:r>
+              <a:rPr lang="en-US" sz="2000" dirty="0" err="1"/>
+              <a:t>RegisterUser</a:t>
+            </a:r>
+            <a:r>
+              <a:rPr lang="en-US" sz="2000" dirty="0"/>
+              <a:t>()</a:t>
+            </a:r>
+          </a:p>
+          <a:p>
+            <a:pPr marL="342900" indent="-342900" algn="ctr">
+              <a:buFontTx/>
+              <a:buChar char="-"/>
+            </a:pPr>
+            <a:r>
+              <a:rPr lang="en-US" sz="2000" dirty="0" err="1"/>
+              <a:t>RemoveUser</a:t>
+            </a:r>
+            <a:r>
+              <a:rPr lang="en-US" sz="2000" dirty="0"/>
+              <a:t>()</a:t>
+            </a:r>
+          </a:p>
+          <a:p>
+            <a:pPr algn="ctr"/>
+            <a:r>
+              <a:rPr lang="en-US" sz="2000" dirty="0"/>
+              <a:t>- </a:t>
+            </a:r>
+            <a:r>
+              <a:rPr lang="en-US" sz="2000" dirty="0" err="1"/>
+              <a:t>NotifyUser</a:t>
+            </a:r>
+            <a:r>
+              <a:rPr lang="en-US" sz="2000" dirty="0"/>
+              <a:t>()</a:t>
+            </a:r>
+          </a:p>
+        </p:txBody>
+      </p:sp>
+      <p:sp>
+        <p:nvSpPr>
+          <p:cNvPr id="7" name="Rectangle 6">
+            <a:extLst>
+              <a:ext uri="{FF2B5EF4-FFF2-40B4-BE49-F238E27FC236}">
+                <a16:creationId xmlns:a16="http://schemas.microsoft.com/office/drawing/2014/main" id="{21FDF154-A7D3-41C8-FE3E-8DC4E9991397}"/>
+              </a:ext>
+            </a:extLst>
+          </p:cNvPr>
+          <p:cNvSpPr/>
+          <p:nvPr/>
+        </p:nvSpPr>
+        <p:spPr>
+          <a:xfrm>
+            <a:off x="8600792" y="3168904"/>
+            <a:ext cx="2859688" cy="1833380"/>
+          </a:xfrm>
+          <a:prstGeom prst="rect">
+            <a:avLst/>
+          </a:prstGeom>
+        </p:spPr>
+        <p:style>
+          <a:lnRef idx="2">
+            <a:schemeClr val="accent3">
+              <a:shade val="50000"/>
+            </a:schemeClr>
+          </a:lnRef>
+          <a:fillRef idx="1">
+            <a:schemeClr val="accent3"/>
+          </a:fillRef>
+          <a:effectRef idx="0">
+            <a:schemeClr val="accent3"/>
+          </a:effectRef>
+          <a:fontRef idx="minor">
+            <a:schemeClr val="lt1"/>
+          </a:fontRef>
+        </p:style>
+        <p:txBody>
+          <a:bodyPr rtlCol="0" anchor="ctr"/>
+          <a:lstStyle/>
+          <a:p>
+            <a:pPr algn="ctr"/>
+            <a:endParaRPr lang="en-IN"/>
+          </a:p>
+        </p:txBody>
+      </p:sp>
+      <p:sp>
+        <p:nvSpPr>
+          <p:cNvPr id="8" name="TextBox 7">
+            <a:extLst>
+              <a:ext uri="{FF2B5EF4-FFF2-40B4-BE49-F238E27FC236}">
+                <a16:creationId xmlns:a16="http://schemas.microsoft.com/office/drawing/2014/main" id="{225A4B6D-9EED-1E95-5FBF-C81D8C0CAB9E}"/>
+              </a:ext>
+            </a:extLst>
+          </p:cNvPr>
+          <p:cNvSpPr txBox="1"/>
+          <p:nvPr/>
+        </p:nvSpPr>
+        <p:spPr>
+          <a:xfrm>
+            <a:off x="8600792" y="3217180"/>
+            <a:ext cx="2859688" cy="1631216"/>
+          </a:xfrm>
+          <a:prstGeom prst="rect">
+            <a:avLst/>
+          </a:prstGeom>
+          <a:noFill/>
+        </p:spPr>
+        <p:txBody>
+          <a:bodyPr wrap="square" rtlCol="0">
+            <a:spAutoFit/>
+          </a:bodyPr>
+          <a:lstStyle/>
+          <a:p>
+            <a:pPr algn="ctr"/>
+            <a:r>
+              <a:rPr lang="en-US" sz="2000" dirty="0"/>
+              <a:t>User</a:t>
+            </a:r>
+          </a:p>
+          <a:p>
+            <a:pPr algn="ctr"/>
+            <a:r>
+              <a:rPr lang="en-US" sz="2000" dirty="0"/>
+              <a:t>-----------------------------</a:t>
+            </a:r>
+          </a:p>
+          <a:p>
+            <a:pPr marL="342900" indent="-342900" algn="ctr">
+              <a:buFontTx/>
+              <a:buChar char="-"/>
+            </a:pPr>
+            <a:r>
+              <a:rPr lang="en-US" sz="2000" dirty="0" err="1"/>
+              <a:t>AddUser</a:t>
+            </a:r>
+            <a:r>
+              <a:rPr lang="en-US" sz="2000" dirty="0"/>
+              <a:t>()</a:t>
+            </a:r>
+          </a:p>
+          <a:p>
+            <a:pPr marL="342900" indent="-342900" algn="ctr">
+              <a:buFontTx/>
+              <a:buChar char="-"/>
+            </a:pPr>
+            <a:r>
+              <a:rPr lang="en-US" sz="2000" dirty="0" err="1"/>
+              <a:t>RemoveUser</a:t>
+            </a:r>
+            <a:r>
+              <a:rPr lang="en-US" sz="2000" dirty="0"/>
+              <a:t>()</a:t>
+            </a:r>
+          </a:p>
+          <a:p>
+            <a:pPr marL="342900" indent="-342900" algn="ctr">
+              <a:buFontTx/>
+              <a:buChar char="-"/>
+            </a:pPr>
+            <a:r>
+              <a:rPr lang="en-US" sz="2000" dirty="0" err="1"/>
+              <a:t>ReceiveNotification</a:t>
+            </a:r>
+            <a:r>
+              <a:rPr lang="en-US" sz="2000" dirty="0"/>
+              <a:t>()</a:t>
+            </a:r>
+          </a:p>
+        </p:txBody>
+      </p:sp>
+      <p:cxnSp>
+        <p:nvCxnSpPr>
+          <p:cNvPr id="10" name="Straight Arrow Connector 9">
+            <a:extLst>
+              <a:ext uri="{FF2B5EF4-FFF2-40B4-BE49-F238E27FC236}">
+                <a16:creationId xmlns:a16="http://schemas.microsoft.com/office/drawing/2014/main" id="{AC4E9BA3-304A-DF53-89E2-096B18D982DA}"/>
+              </a:ext>
+            </a:extLst>
+          </p:cNvPr>
+          <p:cNvCxnSpPr>
+            <a:cxnSpLocks/>
+            <a:stCxn id="3" idx="0"/>
+            <a:endCxn id="4" idx="2"/>
+          </p:cNvCxnSpPr>
+          <p:nvPr/>
+        </p:nvCxnSpPr>
+        <p:spPr>
+          <a:xfrm flipV="1">
+            <a:off x="4285025" y="1929604"/>
+            <a:ext cx="21413" cy="789400"/>
+          </a:xfrm>
+          <a:prstGeom prst="straightConnector1">
+            <a:avLst/>
+          </a:prstGeom>
+          <a:ln>
+            <a:tailEnd type="triangle"/>
+          </a:ln>
+        </p:spPr>
+        <p:style>
+          <a:lnRef idx="1">
+            <a:schemeClr val="accent1"/>
+          </a:lnRef>
+          <a:fillRef idx="0">
+            <a:schemeClr val="accent1"/>
+          </a:fillRef>
+          <a:effectRef idx="0">
+            <a:schemeClr val="accent1"/>
+          </a:effectRef>
+          <a:fontRef idx="minor">
+            <a:schemeClr val="tx1"/>
+          </a:fontRef>
+        </p:style>
+      </p:cxnSp>
+      <p:cxnSp>
+        <p:nvCxnSpPr>
+          <p:cNvPr id="26" name="Straight Arrow Connector 25">
+            <a:extLst>
+              <a:ext uri="{FF2B5EF4-FFF2-40B4-BE49-F238E27FC236}">
+                <a16:creationId xmlns:a16="http://schemas.microsoft.com/office/drawing/2014/main" id="{E89E5A8E-47B9-5ADE-B50F-69974BD14F0C}"/>
+              </a:ext>
+            </a:extLst>
+          </p:cNvPr>
+          <p:cNvCxnSpPr>
+            <a:cxnSpLocks/>
+            <a:stCxn id="7" idx="0"/>
+            <a:endCxn id="13" idx="2"/>
+          </p:cNvCxnSpPr>
+          <p:nvPr/>
+        </p:nvCxnSpPr>
+        <p:spPr>
+          <a:xfrm flipH="1" flipV="1">
+            <a:off x="10011439" y="1690109"/>
+            <a:ext cx="19197" cy="1478795"/>
+          </a:xfrm>
+          <a:prstGeom prst="straightConnector1">
+            <a:avLst/>
+          </a:prstGeom>
+          <a:ln>
+            <a:tailEnd type="triangle"/>
+          </a:ln>
+        </p:spPr>
+        <p:style>
+          <a:lnRef idx="1">
+            <a:schemeClr val="accent1"/>
+          </a:lnRef>
+          <a:fillRef idx="0">
+            <a:schemeClr val="accent1"/>
+          </a:fillRef>
+          <a:effectRef idx="0">
+            <a:schemeClr val="accent1"/>
+          </a:effectRef>
+          <a:fontRef idx="minor">
+            <a:schemeClr val="tx1"/>
+          </a:fontRef>
+        </p:style>
+      </p:cxnSp>
+      <p:cxnSp>
+        <p:nvCxnSpPr>
+          <p:cNvPr id="37" name="Straight Arrow Connector 36">
+            <a:extLst>
+              <a:ext uri="{FF2B5EF4-FFF2-40B4-BE49-F238E27FC236}">
+                <a16:creationId xmlns:a16="http://schemas.microsoft.com/office/drawing/2014/main" id="{837B1540-77EB-6FFB-8C46-A38D331E4CF4}"/>
+              </a:ext>
+            </a:extLst>
+          </p:cNvPr>
+          <p:cNvCxnSpPr>
+            <a:cxnSpLocks/>
+          </p:cNvCxnSpPr>
+          <p:nvPr/>
+        </p:nvCxnSpPr>
+        <p:spPr>
+          <a:xfrm flipH="1" flipV="1">
+            <a:off x="6217920" y="3878899"/>
+            <a:ext cx="2382872" cy="23448"/>
+          </a:xfrm>
+          <a:prstGeom prst="straightConnector1">
+            <a:avLst/>
+          </a:prstGeom>
+          <a:ln>
+            <a:tailEnd type="triangle"/>
+          </a:ln>
+        </p:spPr>
+        <p:style>
+          <a:lnRef idx="1">
+            <a:schemeClr val="accent1"/>
+          </a:lnRef>
+          <a:fillRef idx="0">
+            <a:schemeClr val="accent1"/>
+          </a:fillRef>
+          <a:effectRef idx="0">
+            <a:schemeClr val="accent1"/>
+          </a:effectRef>
+          <a:fontRef idx="minor">
+            <a:schemeClr val="tx1"/>
+          </a:fontRef>
+        </p:style>
+      </p:cxnSp>
+      <p:cxnSp>
+        <p:nvCxnSpPr>
+          <p:cNvPr id="43" name="Straight Arrow Connector 42">
+            <a:extLst>
+              <a:ext uri="{FF2B5EF4-FFF2-40B4-BE49-F238E27FC236}">
+                <a16:creationId xmlns:a16="http://schemas.microsoft.com/office/drawing/2014/main" id="{F28DC637-A043-2781-C316-346629703FDA}"/>
+              </a:ext>
+            </a:extLst>
+          </p:cNvPr>
+          <p:cNvCxnSpPr>
+            <a:cxnSpLocks/>
+            <a:stCxn id="22" idx="3"/>
+            <a:endCxn id="6" idx="1"/>
+          </p:cNvCxnSpPr>
+          <p:nvPr/>
+        </p:nvCxnSpPr>
+        <p:spPr>
+          <a:xfrm>
+            <a:off x="1715664" y="3902347"/>
+            <a:ext cx="636466" cy="1"/>
+          </a:xfrm>
+          <a:prstGeom prst="straightConnector1">
+            <a:avLst/>
+          </a:prstGeom>
+          <a:ln>
+            <a:tailEnd type="triangle"/>
+          </a:ln>
+        </p:spPr>
+        <p:style>
+          <a:lnRef idx="1">
+            <a:schemeClr val="accent1"/>
+          </a:lnRef>
+          <a:fillRef idx="0">
+            <a:schemeClr val="accent1"/>
+          </a:fillRef>
+          <a:effectRef idx="0">
+            <a:schemeClr val="accent1"/>
+          </a:effectRef>
+          <a:fontRef idx="minor">
+            <a:schemeClr val="tx1"/>
+          </a:fontRef>
+        </p:style>
+      </p:cxnSp>
+      <p:cxnSp>
+        <p:nvCxnSpPr>
+          <p:cNvPr id="28" name="Straight Arrow Connector 27">
+            <a:extLst>
+              <a:ext uri="{FF2B5EF4-FFF2-40B4-BE49-F238E27FC236}">
+                <a16:creationId xmlns:a16="http://schemas.microsoft.com/office/drawing/2014/main" id="{0B26384B-413E-D3B5-904A-12276ABFCBB7}"/>
+              </a:ext>
+            </a:extLst>
+          </p:cNvPr>
+          <p:cNvCxnSpPr>
+            <a:cxnSpLocks/>
+            <a:stCxn id="5" idx="3"/>
+            <a:endCxn id="14" idx="1"/>
+          </p:cNvCxnSpPr>
+          <p:nvPr/>
+        </p:nvCxnSpPr>
+        <p:spPr>
+          <a:xfrm flipV="1">
+            <a:off x="5549445" y="1071878"/>
+            <a:ext cx="3218986" cy="1384"/>
+          </a:xfrm>
+          <a:prstGeom prst="straightConnector1">
+            <a:avLst/>
+          </a:prstGeom>
+          <a:ln>
+            <a:tailEnd type="triangle"/>
+          </a:ln>
+        </p:spPr>
+        <p:style>
+          <a:lnRef idx="1">
+            <a:schemeClr val="accent1"/>
+          </a:lnRef>
+          <a:fillRef idx="0">
+            <a:schemeClr val="accent1"/>
+          </a:fillRef>
+          <a:effectRef idx="0">
+            <a:schemeClr val="accent1"/>
+          </a:effectRef>
+          <a:fontRef idx="minor">
+            <a:schemeClr val="tx1"/>
+          </a:fontRef>
+        </p:style>
+      </p:cxnSp>
+    </p:spTree>
+    <p:extLst>
+      <p:ext uri="{BB962C8B-B14F-4D97-AF65-F5344CB8AC3E}">
+        <p14:creationId xmlns:p14="http://schemas.microsoft.com/office/powerpoint/2010/main" val="29251885"/>
+      </p:ext>
+    </p:extLst>
+  </p:cSld>
+  <p:clrMapOvr>
+    <a:masterClrMapping/>
+  </p:clrMapOvr>
+</p:sld>
+</file>
+
+<file path=ppt/slides/slide5.xml><?xml version="1.0" encoding="utf-8"?>
+<p:sld xmlns:a="http://schemas.openxmlformats.org/drawingml/2006/main" xmlns:r="http://schemas.openxmlformats.org/officeDocument/2006/relationships" xmlns:p="http://schemas.openxmlformats.org/presentationml/2006/main">
+  <p:cSld>
+    <p:spTree>
+      <p:nvGrpSpPr>
+        <p:cNvPr id="1" name=""/>
+        <p:cNvGrpSpPr/>
+        <p:nvPr/>
+      </p:nvGrpSpPr>
+      <p:grpSpPr>
+        <a:xfrm>
+          <a:off x="0" y="0"/>
+          <a:ext cx="0" cy="0"/>
+          <a:chOff x="0" y="0"/>
+          <a:chExt cx="0" cy="0"/>
+        </a:xfrm>
+      </p:grpSpPr>
+      <p:sp>
+        <p:nvSpPr>
+          <p:cNvPr id="4" name="Rectangle 3">
+            <a:extLst>
+              <a:ext uri="{FF2B5EF4-FFF2-40B4-BE49-F238E27FC236}">
+                <a16:creationId xmlns:a16="http://schemas.microsoft.com/office/drawing/2014/main" id="{71303883-9991-2FD8-9F87-57A7A0458635}"/>
+              </a:ext>
+            </a:extLst>
+          </p:cNvPr>
+          <p:cNvSpPr/>
+          <p:nvPr/>
+        </p:nvSpPr>
+        <p:spPr>
+          <a:xfrm>
+            <a:off x="3351424" y="209377"/>
+            <a:ext cx="4341942" cy="1908981"/>
+          </a:xfrm>
+          <a:prstGeom prst="rect">
+            <a:avLst/>
+          </a:prstGeom>
+        </p:spPr>
+        <p:style>
+          <a:lnRef idx="2">
+            <a:schemeClr val="accent3">
+              <a:shade val="50000"/>
+            </a:schemeClr>
+          </a:lnRef>
+          <a:fillRef idx="1">
+            <a:schemeClr val="accent3"/>
+          </a:fillRef>
+          <a:effectRef idx="0">
+            <a:schemeClr val="accent3"/>
+          </a:effectRef>
+          <a:fontRef idx="minor">
+            <a:schemeClr val="lt1"/>
+          </a:fontRef>
+        </p:style>
+        <p:txBody>
+          <a:bodyPr rtlCol="0" anchor="ctr"/>
+          <a:lstStyle/>
+          <a:p>
+            <a:pPr algn="ctr"/>
+            <a:endParaRPr lang="en-IN"/>
+          </a:p>
+        </p:txBody>
+      </p:sp>
+      <p:sp>
+        <p:nvSpPr>
+          <p:cNvPr id="5" name="TextBox 4">
+            <a:extLst>
+              <a:ext uri="{FF2B5EF4-FFF2-40B4-BE49-F238E27FC236}">
+                <a16:creationId xmlns:a16="http://schemas.microsoft.com/office/drawing/2014/main" id="{2E4621DC-A6FB-7C98-FBA5-1071AFB72711}"/>
+              </a:ext>
+            </a:extLst>
+          </p:cNvPr>
+          <p:cNvSpPr txBox="1"/>
+          <p:nvPr/>
+        </p:nvSpPr>
+        <p:spPr>
+          <a:xfrm>
+            <a:off x="3351424" y="257654"/>
+            <a:ext cx="4341942" cy="1938992"/>
+          </a:xfrm>
+          <a:prstGeom prst="rect">
+            <a:avLst/>
+          </a:prstGeom>
+          <a:noFill/>
+        </p:spPr>
+        <p:txBody>
+          <a:bodyPr wrap="square" rtlCol="0">
+            <a:spAutoFit/>
+          </a:bodyPr>
+          <a:lstStyle/>
+          <a:p>
+            <a:pPr algn="ctr"/>
+            <a:r>
+              <a:rPr lang="en-US" sz="2000" dirty="0" err="1"/>
+              <a:t>OnlineShoppingCheckoutTemplate</a:t>
+            </a:r>
+            <a:r>
+              <a:rPr lang="en-US" sz="2000" dirty="0"/>
+              <a:t>-</a:t>
+            </a:r>
+          </a:p>
+          <a:p>
+            <a:pPr algn="ctr"/>
+            <a:r>
+              <a:rPr lang="en-US" sz="2000" dirty="0"/>
+              <a:t>--------------------------------------------------</a:t>
+            </a:r>
+          </a:p>
+          <a:p>
+            <a:pPr marL="342900" indent="-342900">
+              <a:buFontTx/>
+              <a:buChar char="-"/>
+            </a:pPr>
+            <a:r>
+              <a:rPr lang="en-US" sz="2000" dirty="0" err="1"/>
+              <a:t>AddItemToCart</a:t>
+            </a:r>
+            <a:r>
+              <a:rPr lang="en-US" sz="2000" dirty="0"/>
+              <a:t>()</a:t>
+            </a:r>
+          </a:p>
+          <a:p>
+            <a:pPr marL="342900" indent="-342900">
+              <a:buFontTx/>
+              <a:buChar char="-"/>
+            </a:pPr>
+            <a:r>
+              <a:rPr lang="en-US" sz="2000" dirty="0" err="1"/>
+              <a:t>SetShippingDetails</a:t>
+            </a:r>
+            <a:r>
+              <a:rPr lang="en-US" sz="2000" dirty="0"/>
+              <a:t>()</a:t>
+            </a:r>
+          </a:p>
+          <a:p>
+            <a:pPr marL="342900" indent="-342900">
+              <a:buFontTx/>
+              <a:buChar char="-"/>
+            </a:pPr>
+            <a:r>
+              <a:rPr lang="en-US" sz="2000" dirty="0" err="1"/>
+              <a:t>MakePayment</a:t>
+            </a:r>
+            <a:r>
+              <a:rPr lang="en-US" sz="2000" dirty="0"/>
+              <a:t>()</a:t>
+            </a:r>
+          </a:p>
+          <a:p>
+            <a:r>
+              <a:rPr lang="en-US" sz="2000" dirty="0"/>
+              <a:t>-    </a:t>
+            </a:r>
+            <a:r>
+              <a:rPr lang="en-US" sz="2000" dirty="0" err="1"/>
+              <a:t>PlaceOrder</a:t>
+            </a:r>
+            <a:r>
+              <a:rPr lang="en-US" sz="2000" dirty="0"/>
+              <a:t>()</a:t>
+            </a:r>
+          </a:p>
+        </p:txBody>
+      </p:sp>
+      <p:sp>
+        <p:nvSpPr>
+          <p:cNvPr id="52" name="TextBox 51">
+            <a:extLst>
+              <a:ext uri="{FF2B5EF4-FFF2-40B4-BE49-F238E27FC236}">
+                <a16:creationId xmlns:a16="http://schemas.microsoft.com/office/drawing/2014/main" id="{37729101-8E66-7BA5-0F41-7ECE7A9296AF}"/>
+              </a:ext>
+            </a:extLst>
+          </p:cNvPr>
+          <p:cNvSpPr txBox="1"/>
+          <p:nvPr/>
+        </p:nvSpPr>
+        <p:spPr>
+          <a:xfrm>
+            <a:off x="7693366" y="6361819"/>
+            <a:ext cx="5409141" cy="477054"/>
+          </a:xfrm>
+          <a:prstGeom prst="rect">
+            <a:avLst/>
+          </a:prstGeom>
+          <a:noFill/>
+        </p:spPr>
+        <p:txBody>
+          <a:bodyPr wrap="square" rtlCol="0">
+            <a:spAutoFit/>
+          </a:bodyPr>
+          <a:lstStyle/>
+          <a:p>
+            <a:r>
+              <a:rPr lang="en-US" sz="2500" dirty="0"/>
+              <a:t>Template Method Design Pattern</a:t>
+            </a:r>
+            <a:endParaRPr lang="en-IN" sz="2500" dirty="0"/>
+          </a:p>
+        </p:txBody>
+      </p:sp>
+      <p:sp>
+        <p:nvSpPr>
+          <p:cNvPr id="21" name="Rectangle 20">
+            <a:extLst>
+              <a:ext uri="{FF2B5EF4-FFF2-40B4-BE49-F238E27FC236}">
+                <a16:creationId xmlns:a16="http://schemas.microsoft.com/office/drawing/2014/main" id="{2453B85C-A427-F041-01C3-6213819E1CE2}"/>
+              </a:ext>
+            </a:extLst>
+          </p:cNvPr>
+          <p:cNvSpPr/>
+          <p:nvPr/>
+        </p:nvSpPr>
+        <p:spPr>
+          <a:xfrm>
+            <a:off x="5065335" y="6135733"/>
+            <a:ext cx="1538665" cy="512890"/>
+          </a:xfrm>
+          <a:prstGeom prst="rect">
+            <a:avLst/>
+          </a:prstGeom>
+        </p:spPr>
+        <p:style>
+          <a:lnRef idx="2">
+            <a:schemeClr val="accent3">
+              <a:shade val="50000"/>
+            </a:schemeClr>
+          </a:lnRef>
+          <a:fillRef idx="1">
+            <a:schemeClr val="accent3"/>
+          </a:fillRef>
+          <a:effectRef idx="0">
+            <a:schemeClr val="accent3"/>
+          </a:effectRef>
+          <a:fontRef idx="minor">
+            <a:schemeClr val="lt1"/>
+          </a:fontRef>
+        </p:style>
+        <p:txBody>
+          <a:bodyPr rtlCol="0" anchor="ctr"/>
+          <a:lstStyle/>
+          <a:p>
+            <a:pPr algn="ctr"/>
+            <a:endParaRPr lang="en-IN"/>
+          </a:p>
+        </p:txBody>
+      </p:sp>
+      <p:sp>
+        <p:nvSpPr>
+          <p:cNvPr id="22" name="TextBox 21">
+            <a:extLst>
+              <a:ext uri="{FF2B5EF4-FFF2-40B4-BE49-F238E27FC236}">
+                <a16:creationId xmlns:a16="http://schemas.microsoft.com/office/drawing/2014/main" id="{F931B4C4-C82A-C1B2-1D44-362F2725F176}"/>
+              </a:ext>
+            </a:extLst>
+          </p:cNvPr>
+          <p:cNvSpPr txBox="1"/>
+          <p:nvPr/>
+        </p:nvSpPr>
+        <p:spPr>
+          <a:xfrm>
+            <a:off x="5065335" y="6194747"/>
+            <a:ext cx="1538665" cy="400110"/>
+          </a:xfrm>
+          <a:prstGeom prst="rect">
+            <a:avLst/>
+          </a:prstGeom>
+          <a:noFill/>
+        </p:spPr>
+        <p:txBody>
+          <a:bodyPr wrap="square" rtlCol="0">
+            <a:spAutoFit/>
+          </a:bodyPr>
+          <a:lstStyle/>
+          <a:p>
+            <a:pPr algn="ctr"/>
+            <a:r>
+              <a:rPr lang="en-US" sz="2000" dirty="0"/>
+              <a:t>Client</a:t>
+            </a:r>
+          </a:p>
+        </p:txBody>
+      </p:sp>
+      <p:cxnSp>
+        <p:nvCxnSpPr>
+          <p:cNvPr id="51" name="Straight Connector 50">
+            <a:extLst>
+              <a:ext uri="{FF2B5EF4-FFF2-40B4-BE49-F238E27FC236}">
+                <a16:creationId xmlns:a16="http://schemas.microsoft.com/office/drawing/2014/main" id="{D115BDA4-E120-5DA7-2755-A5CDA4C7A0B3}"/>
+              </a:ext>
+            </a:extLst>
+          </p:cNvPr>
+          <p:cNvCxnSpPr>
+            <a:stCxn id="22" idx="0"/>
+            <a:endCxn id="22" idx="0"/>
+          </p:cNvCxnSpPr>
+          <p:nvPr/>
+        </p:nvCxnSpPr>
+        <p:spPr>
+          <a:xfrm>
+            <a:off x="5834668" y="6194747"/>
+            <a:ext cx="0" cy="0"/>
+          </a:xfrm>
+          <a:prstGeom prst="line">
+            <a:avLst/>
+          </a:prstGeom>
+        </p:spPr>
+        <p:style>
+          <a:lnRef idx="1">
+            <a:schemeClr val="accent1"/>
+          </a:lnRef>
+          <a:fillRef idx="0">
+            <a:schemeClr val="accent1"/>
+          </a:fillRef>
+          <a:effectRef idx="0">
+            <a:schemeClr val="accent1"/>
+          </a:effectRef>
+          <a:fontRef idx="minor">
+            <a:schemeClr val="tx1"/>
+          </a:fontRef>
+        </p:style>
+      </p:cxnSp>
+      <p:sp>
+        <p:nvSpPr>
+          <p:cNvPr id="3" name="Rectangle 2">
+            <a:extLst>
+              <a:ext uri="{FF2B5EF4-FFF2-40B4-BE49-F238E27FC236}">
+                <a16:creationId xmlns:a16="http://schemas.microsoft.com/office/drawing/2014/main" id="{CC53ACE0-83CD-B6BA-FC3C-8EB8D4DF465E}"/>
+              </a:ext>
+            </a:extLst>
+          </p:cNvPr>
+          <p:cNvSpPr/>
+          <p:nvPr/>
+        </p:nvSpPr>
+        <p:spPr>
+          <a:xfrm>
+            <a:off x="2047330" y="3642333"/>
+            <a:ext cx="3317367" cy="2020639"/>
+          </a:xfrm>
+          <a:prstGeom prst="rect">
+            <a:avLst/>
+          </a:prstGeom>
+        </p:spPr>
+        <p:style>
+          <a:lnRef idx="2">
+            <a:schemeClr val="accent3">
+              <a:shade val="50000"/>
+            </a:schemeClr>
+          </a:lnRef>
+          <a:fillRef idx="1">
+            <a:schemeClr val="accent3"/>
+          </a:fillRef>
+          <a:effectRef idx="0">
+            <a:schemeClr val="accent3"/>
+          </a:effectRef>
+          <a:fontRef idx="minor">
+            <a:schemeClr val="lt1"/>
+          </a:fontRef>
+        </p:style>
+        <p:txBody>
+          <a:bodyPr rtlCol="0" anchor="ctr"/>
+          <a:lstStyle/>
+          <a:p>
+            <a:pPr algn="ctr"/>
+            <a:endParaRPr lang="en-IN"/>
+          </a:p>
+        </p:txBody>
+      </p:sp>
+      <p:sp>
+        <p:nvSpPr>
+          <p:cNvPr id="6" name="TextBox 5">
+            <a:extLst>
+              <a:ext uri="{FF2B5EF4-FFF2-40B4-BE49-F238E27FC236}">
+                <a16:creationId xmlns:a16="http://schemas.microsoft.com/office/drawing/2014/main" id="{4D4D8620-C820-1725-9270-E91C222868C4}"/>
+              </a:ext>
+            </a:extLst>
+          </p:cNvPr>
+          <p:cNvSpPr txBox="1"/>
+          <p:nvPr/>
+        </p:nvSpPr>
+        <p:spPr>
+          <a:xfrm>
+            <a:off x="2047330" y="3702292"/>
+            <a:ext cx="3317367" cy="1938992"/>
+          </a:xfrm>
+          <a:prstGeom prst="rect">
+            <a:avLst/>
+          </a:prstGeom>
+          <a:noFill/>
+        </p:spPr>
+        <p:txBody>
+          <a:bodyPr wrap="square" rtlCol="0">
+            <a:spAutoFit/>
+          </a:bodyPr>
+          <a:lstStyle/>
+          <a:p>
+            <a:pPr algn="ctr"/>
+            <a:r>
+              <a:rPr lang="en-US" sz="2000" dirty="0" err="1"/>
+              <a:t>GpayPaymentGateway</a:t>
+            </a:r>
+            <a:endParaRPr lang="en-US" sz="2000" dirty="0"/>
+          </a:p>
+          <a:p>
+            <a:pPr algn="ctr"/>
+            <a:r>
+              <a:rPr lang="en-US" sz="2000" dirty="0"/>
+              <a:t>---------------------------------------</a:t>
+            </a:r>
+          </a:p>
+          <a:p>
+            <a:pPr marL="342900" indent="-342900">
+              <a:buFontTx/>
+              <a:buChar char="-"/>
+            </a:pPr>
+            <a:r>
+              <a:rPr lang="en-US" sz="2000" dirty="0" err="1"/>
+              <a:t>AddItemToCart</a:t>
+            </a:r>
+            <a:r>
+              <a:rPr lang="en-US" sz="2000" dirty="0"/>
+              <a:t>()</a:t>
+            </a:r>
+          </a:p>
+          <a:p>
+            <a:pPr marL="342900" indent="-342900">
+              <a:buFontTx/>
+              <a:buChar char="-"/>
+            </a:pPr>
+            <a:r>
+              <a:rPr lang="en-US" sz="2000" dirty="0" err="1"/>
+              <a:t>SetShippingDetails</a:t>
+            </a:r>
+            <a:r>
+              <a:rPr lang="en-US" sz="2000" dirty="0"/>
+              <a:t>()</a:t>
+            </a:r>
+          </a:p>
+          <a:p>
+            <a:pPr marL="342900" indent="-342900">
+              <a:buFontTx/>
+              <a:buChar char="-"/>
+            </a:pPr>
+            <a:r>
+              <a:rPr lang="en-US" sz="2000" dirty="0" err="1"/>
+              <a:t>MakePayment</a:t>
+            </a:r>
+            <a:r>
+              <a:rPr lang="en-US" sz="2000" dirty="0"/>
+              <a:t>()</a:t>
+            </a:r>
+          </a:p>
+          <a:p>
+            <a:r>
+              <a:rPr lang="en-US" sz="2000" dirty="0"/>
+              <a:t>-     </a:t>
+            </a:r>
+            <a:r>
+              <a:rPr lang="en-US" sz="2000" dirty="0" err="1"/>
+              <a:t>PlaceOrder</a:t>
+            </a:r>
+            <a:r>
+              <a:rPr lang="en-US" sz="2000" dirty="0"/>
+              <a:t>()</a:t>
+            </a:r>
+          </a:p>
+        </p:txBody>
+      </p:sp>
+      <p:cxnSp>
+        <p:nvCxnSpPr>
+          <p:cNvPr id="10" name="Straight Arrow Connector 9">
+            <a:extLst>
+              <a:ext uri="{FF2B5EF4-FFF2-40B4-BE49-F238E27FC236}">
+                <a16:creationId xmlns:a16="http://schemas.microsoft.com/office/drawing/2014/main" id="{AC4E9BA3-304A-DF53-89E2-096B18D982DA}"/>
+              </a:ext>
+            </a:extLst>
+          </p:cNvPr>
+          <p:cNvCxnSpPr>
+            <a:cxnSpLocks/>
+            <a:stCxn id="3" idx="0"/>
+            <a:endCxn id="4" idx="2"/>
+          </p:cNvCxnSpPr>
+          <p:nvPr/>
+        </p:nvCxnSpPr>
+        <p:spPr>
+          <a:xfrm flipV="1">
+            <a:off x="3706014" y="2118358"/>
+            <a:ext cx="1816381" cy="1523975"/>
+          </a:xfrm>
+          <a:prstGeom prst="straightConnector1">
+            <a:avLst/>
+          </a:prstGeom>
+          <a:ln>
+            <a:tailEnd type="triangle"/>
+          </a:ln>
+        </p:spPr>
+        <p:style>
+          <a:lnRef idx="1">
+            <a:schemeClr val="accent1"/>
+          </a:lnRef>
+          <a:fillRef idx="0">
+            <a:schemeClr val="accent1"/>
+          </a:fillRef>
+          <a:effectRef idx="0">
+            <a:schemeClr val="accent1"/>
+          </a:effectRef>
+          <a:fontRef idx="minor">
+            <a:schemeClr val="tx1"/>
+          </a:fontRef>
+        </p:style>
+      </p:cxnSp>
+      <p:cxnSp>
+        <p:nvCxnSpPr>
+          <p:cNvPr id="43" name="Straight Arrow Connector 42">
+            <a:extLst>
+              <a:ext uri="{FF2B5EF4-FFF2-40B4-BE49-F238E27FC236}">
+                <a16:creationId xmlns:a16="http://schemas.microsoft.com/office/drawing/2014/main" id="{F28DC637-A043-2781-C316-346629703FDA}"/>
+              </a:ext>
+            </a:extLst>
+          </p:cNvPr>
+          <p:cNvCxnSpPr>
+            <a:cxnSpLocks/>
+            <a:stCxn id="22" idx="1"/>
+          </p:cNvCxnSpPr>
+          <p:nvPr/>
+        </p:nvCxnSpPr>
+        <p:spPr>
+          <a:xfrm flipH="1" flipV="1">
+            <a:off x="3706014" y="5638660"/>
+            <a:ext cx="1359321" cy="756142"/>
+          </a:xfrm>
+          <a:prstGeom prst="straightConnector1">
+            <a:avLst/>
+          </a:prstGeom>
+          <a:ln>
+            <a:tailEnd type="triangle"/>
+          </a:ln>
+        </p:spPr>
+        <p:style>
+          <a:lnRef idx="1">
+            <a:schemeClr val="accent1"/>
+          </a:lnRef>
+          <a:fillRef idx="0">
+            <a:schemeClr val="accent1"/>
+          </a:fillRef>
+          <a:effectRef idx="0">
+            <a:schemeClr val="accent1"/>
+          </a:effectRef>
+          <a:fontRef idx="minor">
+            <a:schemeClr val="tx1"/>
+          </a:fontRef>
+        </p:style>
+      </p:cxnSp>
+      <p:sp>
+        <p:nvSpPr>
+          <p:cNvPr id="27" name="Rectangle 26">
+            <a:extLst>
+              <a:ext uri="{FF2B5EF4-FFF2-40B4-BE49-F238E27FC236}">
+                <a16:creationId xmlns:a16="http://schemas.microsoft.com/office/drawing/2014/main" id="{07DC1D4D-626E-5274-DA25-248DA3720B05}"/>
+              </a:ext>
+            </a:extLst>
+          </p:cNvPr>
+          <p:cNvSpPr/>
+          <p:nvPr/>
+        </p:nvSpPr>
+        <p:spPr>
+          <a:xfrm>
+            <a:off x="6406319" y="3617665"/>
+            <a:ext cx="3317367" cy="2020639"/>
+          </a:xfrm>
+          <a:prstGeom prst="rect">
+            <a:avLst/>
+          </a:prstGeom>
+        </p:spPr>
+        <p:style>
+          <a:lnRef idx="2">
+            <a:schemeClr val="accent3">
+              <a:shade val="50000"/>
+            </a:schemeClr>
+          </a:lnRef>
+          <a:fillRef idx="1">
+            <a:schemeClr val="accent3"/>
+          </a:fillRef>
+          <a:effectRef idx="0">
+            <a:schemeClr val="accent3"/>
+          </a:effectRef>
+          <a:fontRef idx="minor">
+            <a:schemeClr val="lt1"/>
+          </a:fontRef>
+        </p:style>
+        <p:txBody>
+          <a:bodyPr rtlCol="0" anchor="ctr"/>
+          <a:lstStyle/>
+          <a:p>
+            <a:pPr algn="ctr"/>
+            <a:endParaRPr lang="en-IN"/>
+          </a:p>
+        </p:txBody>
+      </p:sp>
+      <p:sp>
+        <p:nvSpPr>
+          <p:cNvPr id="29" name="TextBox 28">
+            <a:extLst>
+              <a:ext uri="{FF2B5EF4-FFF2-40B4-BE49-F238E27FC236}">
+                <a16:creationId xmlns:a16="http://schemas.microsoft.com/office/drawing/2014/main" id="{4D171633-C288-94F6-25BE-6E4CDFCAF05B}"/>
+              </a:ext>
+            </a:extLst>
+          </p:cNvPr>
+          <p:cNvSpPr txBox="1"/>
+          <p:nvPr/>
+        </p:nvSpPr>
+        <p:spPr>
+          <a:xfrm>
+            <a:off x="6406319" y="3677624"/>
+            <a:ext cx="3317367" cy="1938992"/>
+          </a:xfrm>
+          <a:prstGeom prst="rect">
+            <a:avLst/>
+          </a:prstGeom>
+          <a:noFill/>
+        </p:spPr>
+        <p:txBody>
+          <a:bodyPr wrap="square" rtlCol="0">
+            <a:spAutoFit/>
+          </a:bodyPr>
+          <a:lstStyle/>
+          <a:p>
+            <a:pPr algn="ctr"/>
+            <a:r>
+              <a:rPr lang="en-US" sz="2000" dirty="0" err="1"/>
+              <a:t>CreditCardPaymentGateway</a:t>
+            </a:r>
+            <a:endParaRPr lang="en-US" sz="2000" dirty="0"/>
+          </a:p>
+          <a:p>
+            <a:pPr algn="ctr"/>
+            <a:r>
+              <a:rPr lang="en-US" sz="2000" dirty="0"/>
+              <a:t>---------------------------------------</a:t>
+            </a:r>
+          </a:p>
+          <a:p>
+            <a:pPr marL="342900" indent="-342900">
+              <a:buFontTx/>
+              <a:buChar char="-"/>
+            </a:pPr>
+            <a:r>
+              <a:rPr lang="en-US" sz="2000" dirty="0" err="1"/>
+              <a:t>AddItemToCart</a:t>
+            </a:r>
+            <a:r>
+              <a:rPr lang="en-US" sz="2000" dirty="0"/>
+              <a:t>()</a:t>
+            </a:r>
+          </a:p>
+          <a:p>
+            <a:pPr marL="342900" indent="-342900">
+              <a:buFontTx/>
+              <a:buChar char="-"/>
+            </a:pPr>
+            <a:r>
+              <a:rPr lang="en-US" sz="2000" dirty="0" err="1"/>
+              <a:t>SetShippingDetails</a:t>
+            </a:r>
+            <a:r>
+              <a:rPr lang="en-US" sz="2000" dirty="0"/>
+              <a:t>()</a:t>
+            </a:r>
+          </a:p>
+          <a:p>
+            <a:pPr marL="342900" indent="-342900">
+              <a:buFontTx/>
+              <a:buChar char="-"/>
+            </a:pPr>
+            <a:r>
+              <a:rPr lang="en-US" sz="2000" dirty="0" err="1"/>
+              <a:t>MakePayment</a:t>
+            </a:r>
+            <a:r>
+              <a:rPr lang="en-US" sz="2000" dirty="0"/>
+              <a:t>()</a:t>
+            </a:r>
+          </a:p>
+          <a:p>
+            <a:r>
+              <a:rPr lang="en-US" sz="2000" dirty="0"/>
+              <a:t>-     </a:t>
+            </a:r>
+            <a:r>
+              <a:rPr lang="en-US" sz="2000" dirty="0" err="1"/>
+              <a:t>PlaceOrder</a:t>
+            </a:r>
+            <a:r>
+              <a:rPr lang="en-US" sz="2000" dirty="0"/>
+              <a:t>()</a:t>
+            </a:r>
+          </a:p>
+        </p:txBody>
+      </p:sp>
+      <p:sp>
+        <p:nvSpPr>
+          <p:cNvPr id="30" name="Rectangle 29">
+            <a:extLst>
+              <a:ext uri="{FF2B5EF4-FFF2-40B4-BE49-F238E27FC236}">
+                <a16:creationId xmlns:a16="http://schemas.microsoft.com/office/drawing/2014/main" id="{8BDEBFB5-6F6A-E45C-2DD8-7C362927CA38}"/>
+              </a:ext>
+            </a:extLst>
+          </p:cNvPr>
+          <p:cNvSpPr/>
+          <p:nvPr/>
+        </p:nvSpPr>
+        <p:spPr>
+          <a:xfrm>
+            <a:off x="9052673" y="190241"/>
+            <a:ext cx="2865008" cy="2020639"/>
+          </a:xfrm>
+          <a:prstGeom prst="rect">
+            <a:avLst/>
+          </a:prstGeom>
+        </p:spPr>
+        <p:style>
+          <a:lnRef idx="2">
+            <a:schemeClr val="accent3">
+              <a:shade val="50000"/>
+            </a:schemeClr>
+          </a:lnRef>
+          <a:fillRef idx="1">
+            <a:schemeClr val="accent3"/>
+          </a:fillRef>
+          <a:effectRef idx="0">
+            <a:schemeClr val="accent3"/>
+          </a:effectRef>
+          <a:fontRef idx="minor">
+            <a:schemeClr val="lt1"/>
+          </a:fontRef>
+        </p:style>
+        <p:txBody>
+          <a:bodyPr rtlCol="0" anchor="ctr"/>
+          <a:lstStyle/>
+          <a:p>
+            <a:pPr algn="ctr"/>
+            <a:endParaRPr lang="en-IN"/>
+          </a:p>
+        </p:txBody>
+      </p:sp>
+      <p:sp>
+        <p:nvSpPr>
+          <p:cNvPr id="31" name="TextBox 30">
+            <a:extLst>
+              <a:ext uri="{FF2B5EF4-FFF2-40B4-BE49-F238E27FC236}">
+                <a16:creationId xmlns:a16="http://schemas.microsoft.com/office/drawing/2014/main" id="{ED410D53-28FA-62BD-B709-C0113B3A1C37}"/>
+              </a:ext>
+            </a:extLst>
+          </p:cNvPr>
+          <p:cNvSpPr txBox="1"/>
+          <p:nvPr/>
+        </p:nvSpPr>
+        <p:spPr>
+          <a:xfrm>
+            <a:off x="9052673" y="250200"/>
+            <a:ext cx="2865008" cy="1938992"/>
+          </a:xfrm>
+          <a:prstGeom prst="rect">
+            <a:avLst/>
+          </a:prstGeom>
+          <a:noFill/>
+        </p:spPr>
+        <p:txBody>
+          <a:bodyPr wrap="square" rtlCol="0">
+            <a:spAutoFit/>
+          </a:bodyPr>
+          <a:lstStyle/>
+          <a:p>
+            <a:pPr algn="ctr"/>
+            <a:r>
+              <a:rPr lang="en-US" sz="2000" dirty="0" err="1"/>
+              <a:t>OnlineShoppingCheckout</a:t>
+            </a:r>
+            <a:r>
+              <a:rPr lang="en-US" sz="2000" dirty="0"/>
+              <a:t> </a:t>
+            </a:r>
+          </a:p>
+          <a:p>
+            <a:pPr algn="ctr"/>
+            <a:r>
+              <a:rPr lang="en-US" sz="2000" dirty="0"/>
+              <a:t>----------------------------------</a:t>
+            </a:r>
+          </a:p>
+          <a:p>
+            <a:pPr marL="342900" indent="-342900">
+              <a:buFontTx/>
+              <a:buChar char="-"/>
+            </a:pPr>
+            <a:r>
+              <a:rPr lang="en-US" sz="2000" dirty="0" err="1"/>
+              <a:t>AddItemToCart</a:t>
+            </a:r>
+            <a:r>
+              <a:rPr lang="en-US" sz="2000" dirty="0"/>
+              <a:t>()</a:t>
+            </a:r>
+          </a:p>
+          <a:p>
+            <a:pPr marL="342900" indent="-342900">
+              <a:buFontTx/>
+              <a:buChar char="-"/>
+            </a:pPr>
+            <a:r>
+              <a:rPr lang="en-US" sz="2000" dirty="0" err="1"/>
+              <a:t>SetShippingDetails</a:t>
+            </a:r>
+            <a:r>
+              <a:rPr lang="en-US" sz="2000" dirty="0"/>
+              <a:t>()</a:t>
+            </a:r>
+          </a:p>
+          <a:p>
+            <a:pPr marL="342900" indent="-342900">
+              <a:buFontTx/>
+              <a:buChar char="-"/>
+            </a:pPr>
+            <a:r>
+              <a:rPr lang="en-US" sz="2000" dirty="0" err="1"/>
+              <a:t>MakePayment</a:t>
+            </a:r>
+            <a:r>
+              <a:rPr lang="en-US" sz="2000" dirty="0"/>
+              <a:t>()</a:t>
+            </a:r>
+          </a:p>
+          <a:p>
+            <a:r>
+              <a:rPr lang="en-US" sz="2000" dirty="0"/>
+              <a:t>-     </a:t>
+            </a:r>
+            <a:r>
+              <a:rPr lang="en-US" sz="2000" dirty="0" err="1"/>
+              <a:t>PlaceOrder</a:t>
+            </a:r>
+            <a:r>
+              <a:rPr lang="en-US" sz="2000" dirty="0"/>
+              <a:t>()</a:t>
+            </a:r>
+          </a:p>
+        </p:txBody>
+      </p:sp>
+      <p:cxnSp>
+        <p:nvCxnSpPr>
+          <p:cNvPr id="35" name="Straight Arrow Connector 34">
+            <a:extLst>
+              <a:ext uri="{FF2B5EF4-FFF2-40B4-BE49-F238E27FC236}">
+                <a16:creationId xmlns:a16="http://schemas.microsoft.com/office/drawing/2014/main" id="{DEAC7D51-C5C9-D8FA-89DA-94ADC3FC5393}"/>
+              </a:ext>
+            </a:extLst>
+          </p:cNvPr>
+          <p:cNvCxnSpPr>
+            <a:cxnSpLocks/>
+            <a:stCxn id="27" idx="0"/>
+          </p:cNvCxnSpPr>
+          <p:nvPr/>
+        </p:nvCxnSpPr>
+        <p:spPr>
+          <a:xfrm flipH="1" flipV="1">
+            <a:off x="5696363" y="2125922"/>
+            <a:ext cx="2368640" cy="1491743"/>
+          </a:xfrm>
+          <a:prstGeom prst="straightConnector1">
+            <a:avLst/>
+          </a:prstGeom>
+          <a:ln>
+            <a:tailEnd type="triangle"/>
+          </a:ln>
+        </p:spPr>
+        <p:style>
+          <a:lnRef idx="1">
+            <a:schemeClr val="accent1"/>
+          </a:lnRef>
+          <a:fillRef idx="0">
+            <a:schemeClr val="accent1"/>
+          </a:fillRef>
+          <a:effectRef idx="0">
+            <a:schemeClr val="accent1"/>
+          </a:effectRef>
+          <a:fontRef idx="minor">
+            <a:schemeClr val="tx1"/>
+          </a:fontRef>
+        </p:style>
+      </p:cxnSp>
+      <p:cxnSp>
+        <p:nvCxnSpPr>
+          <p:cNvPr id="48" name="Straight Connector 47">
+            <a:extLst>
+              <a:ext uri="{FF2B5EF4-FFF2-40B4-BE49-F238E27FC236}">
+                <a16:creationId xmlns:a16="http://schemas.microsoft.com/office/drawing/2014/main" id="{EEDF2B39-CAC4-A5B9-8A0D-8942FFE9ED2C}"/>
+              </a:ext>
+            </a:extLst>
+          </p:cNvPr>
+          <p:cNvCxnSpPr>
+            <a:stCxn id="5" idx="3"/>
+            <a:endCxn id="31" idx="1"/>
+          </p:cNvCxnSpPr>
+          <p:nvPr/>
+        </p:nvCxnSpPr>
+        <p:spPr>
+          <a:xfrm flipV="1">
+            <a:off x="7693366" y="1219696"/>
+            <a:ext cx="1359307" cy="7454"/>
+          </a:xfrm>
+          <a:prstGeom prst="line">
+            <a:avLst/>
+          </a:prstGeom>
+          <a:ln w="9525" cap="flat" cmpd="sng" algn="ctr">
+            <a:solidFill>
+              <a:schemeClr val="accent1"/>
+            </a:solidFill>
+            <a:prstDash val="dash"/>
+            <a:round/>
+            <a:headEnd type="none" w="med" len="med"/>
+            <a:tailEnd type="none" w="med" len="med"/>
+          </a:ln>
+        </p:spPr>
+        <p:style>
+          <a:lnRef idx="0">
+            <a:scrgbClr r="0" g="0" b="0"/>
+          </a:lnRef>
+          <a:fillRef idx="0">
+            <a:scrgbClr r="0" g="0" b="0"/>
+          </a:fillRef>
+          <a:effectRef idx="0">
+            <a:scrgbClr r="0" g="0" b="0"/>
+          </a:effectRef>
+          <a:fontRef idx="minor">
+            <a:schemeClr val="tx1"/>
+          </a:fontRef>
+        </p:style>
+      </p:cxnSp>
+      <p:sp>
+        <p:nvSpPr>
+          <p:cNvPr id="50" name="TextBox 49">
+            <a:extLst>
+              <a:ext uri="{FF2B5EF4-FFF2-40B4-BE49-F238E27FC236}">
+                <a16:creationId xmlns:a16="http://schemas.microsoft.com/office/drawing/2014/main" id="{B2F9BE71-16AC-F37B-A663-9E7B2998B24F}"/>
+              </a:ext>
+            </a:extLst>
+          </p:cNvPr>
+          <p:cNvSpPr txBox="1"/>
+          <p:nvPr/>
+        </p:nvSpPr>
+        <p:spPr>
+          <a:xfrm>
+            <a:off x="7834539" y="790405"/>
+            <a:ext cx="1076960" cy="369332"/>
+          </a:xfrm>
+          <a:prstGeom prst="rect">
+            <a:avLst/>
+          </a:prstGeom>
+          <a:noFill/>
+        </p:spPr>
+        <p:txBody>
+          <a:bodyPr wrap="square" rtlCol="0">
+            <a:spAutoFit/>
+          </a:bodyPr>
+          <a:lstStyle/>
+          <a:p>
+            <a:r>
+              <a:rPr lang="en-US" dirty="0"/>
+              <a:t>Template</a:t>
+            </a:r>
+            <a:endParaRPr lang="en-IN" dirty="0"/>
+          </a:p>
+        </p:txBody>
+      </p:sp>
+      <p:sp>
+        <p:nvSpPr>
+          <p:cNvPr id="53" name="TextBox 52">
+            <a:extLst>
+              <a:ext uri="{FF2B5EF4-FFF2-40B4-BE49-F238E27FC236}">
+                <a16:creationId xmlns:a16="http://schemas.microsoft.com/office/drawing/2014/main" id="{FD29CD63-449D-6FA0-4474-6C0ECA375F30}"/>
+              </a:ext>
+            </a:extLst>
+          </p:cNvPr>
+          <p:cNvSpPr txBox="1"/>
+          <p:nvPr/>
+        </p:nvSpPr>
+        <p:spPr>
+          <a:xfrm>
+            <a:off x="7906248" y="1232823"/>
+            <a:ext cx="933541" cy="369332"/>
+          </a:xfrm>
+          <a:prstGeom prst="rect">
+            <a:avLst/>
+          </a:prstGeom>
+          <a:noFill/>
+        </p:spPr>
+        <p:txBody>
+          <a:bodyPr wrap="square" rtlCol="0">
+            <a:spAutoFit/>
+          </a:bodyPr>
+          <a:lstStyle/>
+          <a:p>
+            <a:r>
+              <a:rPr lang="en-US" dirty="0"/>
+              <a:t>Method</a:t>
+            </a:r>
+            <a:endParaRPr lang="en-IN" dirty="0"/>
+          </a:p>
+        </p:txBody>
+      </p:sp>
+      <p:cxnSp>
+        <p:nvCxnSpPr>
+          <p:cNvPr id="58" name="Straight Arrow Connector 57">
+            <a:extLst>
+              <a:ext uri="{FF2B5EF4-FFF2-40B4-BE49-F238E27FC236}">
+                <a16:creationId xmlns:a16="http://schemas.microsoft.com/office/drawing/2014/main" id="{50862B55-864E-EEA9-8354-B1ED4C868CFA}"/>
+              </a:ext>
+            </a:extLst>
+          </p:cNvPr>
+          <p:cNvCxnSpPr>
+            <a:cxnSpLocks/>
+            <a:endCxn id="29" idx="2"/>
+          </p:cNvCxnSpPr>
+          <p:nvPr/>
+        </p:nvCxnSpPr>
+        <p:spPr>
+          <a:xfrm flipV="1">
+            <a:off x="6604000" y="5616616"/>
+            <a:ext cx="1461003" cy="780657"/>
+          </a:xfrm>
+          <a:prstGeom prst="straightConnector1">
+            <a:avLst/>
+          </a:prstGeom>
+          <a:ln>
+            <a:tailEnd type="triangle"/>
+          </a:ln>
+        </p:spPr>
+        <p:style>
+          <a:lnRef idx="1">
+            <a:schemeClr val="accent1"/>
+          </a:lnRef>
+          <a:fillRef idx="0">
+            <a:schemeClr val="accent1"/>
+          </a:fillRef>
+          <a:effectRef idx="0">
+            <a:schemeClr val="accent1"/>
+          </a:effectRef>
+          <a:fontRef idx="minor">
+            <a:schemeClr val="tx1"/>
+          </a:fontRef>
+        </p:style>
+      </p:cxnSp>
+    </p:spTree>
+    <p:extLst>
+      <p:ext uri="{BB962C8B-B14F-4D97-AF65-F5344CB8AC3E}">
+        <p14:creationId xmlns:p14="http://schemas.microsoft.com/office/powerpoint/2010/main" val="1618820264"/>
       </p:ext>
     </p:extLst>
   </p:cSld>

--- a/BehavioralDesignPattern.pptx
+++ b/BehavioralDesignPattern.pptx
@@ -10,6 +10,9 @@
     <p:sldId id="262" r:id="rId4"/>
     <p:sldId id="263" r:id="rId5"/>
     <p:sldId id="264" r:id="rId6"/>
+    <p:sldId id="265" r:id="rId7"/>
+    <p:sldId id="266" r:id="rId8"/>
+    <p:sldId id="267" r:id="rId9"/>
   </p:sldIdLst>
   <p:sldSz cx="12192000" cy="6858000"/>
   <p:notesSz cx="6858000" cy="9144000"/>
@@ -265,7 +268,7 @@
           <a:p>
             <a:fld id="{24AE45E0-2592-43FB-9EA6-8745677A686C}" type="datetimeFigureOut">
               <a:rPr lang="en-IN" smtClean="0"/>
-              <a:t>12-09-2023</a:t>
+              <a:t>14-09-2023</a:t>
             </a:fld>
             <a:endParaRPr lang="en-IN"/>
           </a:p>
@@ -465,7 +468,7 @@
           <a:p>
             <a:fld id="{24AE45E0-2592-43FB-9EA6-8745677A686C}" type="datetimeFigureOut">
               <a:rPr lang="en-IN" smtClean="0"/>
-              <a:t>12-09-2023</a:t>
+              <a:t>14-09-2023</a:t>
             </a:fld>
             <a:endParaRPr lang="en-IN"/>
           </a:p>
@@ -675,7 +678,7 @@
           <a:p>
             <a:fld id="{24AE45E0-2592-43FB-9EA6-8745677A686C}" type="datetimeFigureOut">
               <a:rPr lang="en-IN" smtClean="0"/>
-              <a:t>12-09-2023</a:t>
+              <a:t>14-09-2023</a:t>
             </a:fld>
             <a:endParaRPr lang="en-IN"/>
           </a:p>
@@ -875,7 +878,7 @@
           <a:p>
             <a:fld id="{24AE45E0-2592-43FB-9EA6-8745677A686C}" type="datetimeFigureOut">
               <a:rPr lang="en-IN" smtClean="0"/>
-              <a:t>12-09-2023</a:t>
+              <a:t>14-09-2023</a:t>
             </a:fld>
             <a:endParaRPr lang="en-IN"/>
           </a:p>
@@ -1151,7 +1154,7 @@
           <a:p>
             <a:fld id="{24AE45E0-2592-43FB-9EA6-8745677A686C}" type="datetimeFigureOut">
               <a:rPr lang="en-IN" smtClean="0"/>
-              <a:t>12-09-2023</a:t>
+              <a:t>14-09-2023</a:t>
             </a:fld>
             <a:endParaRPr lang="en-IN"/>
           </a:p>
@@ -1419,7 +1422,7 @@
           <a:p>
             <a:fld id="{24AE45E0-2592-43FB-9EA6-8745677A686C}" type="datetimeFigureOut">
               <a:rPr lang="en-IN" smtClean="0"/>
-              <a:t>12-09-2023</a:t>
+              <a:t>14-09-2023</a:t>
             </a:fld>
             <a:endParaRPr lang="en-IN"/>
           </a:p>
@@ -1834,7 +1837,7 @@
           <a:p>
             <a:fld id="{24AE45E0-2592-43FB-9EA6-8745677A686C}" type="datetimeFigureOut">
               <a:rPr lang="en-IN" smtClean="0"/>
-              <a:t>12-09-2023</a:t>
+              <a:t>14-09-2023</a:t>
             </a:fld>
             <a:endParaRPr lang="en-IN"/>
           </a:p>
@@ -1976,7 +1979,7 @@
           <a:p>
             <a:fld id="{24AE45E0-2592-43FB-9EA6-8745677A686C}" type="datetimeFigureOut">
               <a:rPr lang="en-IN" smtClean="0"/>
-              <a:t>12-09-2023</a:t>
+              <a:t>14-09-2023</a:t>
             </a:fld>
             <a:endParaRPr lang="en-IN"/>
           </a:p>
@@ -2089,7 +2092,7 @@
           <a:p>
             <a:fld id="{24AE45E0-2592-43FB-9EA6-8745677A686C}" type="datetimeFigureOut">
               <a:rPr lang="en-IN" smtClean="0"/>
-              <a:t>12-09-2023</a:t>
+              <a:t>14-09-2023</a:t>
             </a:fld>
             <a:endParaRPr lang="en-IN"/>
           </a:p>
@@ -2402,7 +2405,7 @@
           <a:p>
             <a:fld id="{24AE45E0-2592-43FB-9EA6-8745677A686C}" type="datetimeFigureOut">
               <a:rPr lang="en-IN" smtClean="0"/>
-              <a:t>12-09-2023</a:t>
+              <a:t>14-09-2023</a:t>
             </a:fld>
             <a:endParaRPr lang="en-IN"/>
           </a:p>
@@ -2691,7 +2694,7 @@
           <a:p>
             <a:fld id="{24AE45E0-2592-43FB-9EA6-8745677A686C}" type="datetimeFigureOut">
               <a:rPr lang="en-IN" smtClean="0"/>
-              <a:t>12-09-2023</a:t>
+              <a:t>14-09-2023</a:t>
             </a:fld>
             <a:endParaRPr lang="en-IN"/>
           </a:p>
@@ -2934,7 +2937,7 @@
           <a:p>
             <a:fld id="{24AE45E0-2592-43FB-9EA6-8745677A686C}" type="datetimeFigureOut">
               <a:rPr lang="en-IN" smtClean="0"/>
-              <a:t>12-09-2023</a:t>
+              <a:t>14-09-2023</a:t>
             </a:fld>
             <a:endParaRPr lang="en-IN"/>
           </a:p>
@@ -3700,11 +3703,7 @@
           <a:p>
             <a:pPr algn="ctr"/>
             <a:r>
-              <a:rPr lang="en-US" sz="2000" dirty="0">
-                <a:solidFill>
-                  <a:srgbClr val="FF0000"/>
-                </a:solidFill>
-              </a:rPr>
+              <a:rPr lang="en-US" sz="2000" dirty="0"/>
               <a:t>Client</a:t>
             </a:r>
           </a:p>
@@ -8443,6 +8442,2869 @@
     <p:extLst>
       <p:ext uri="{BB962C8B-B14F-4D97-AF65-F5344CB8AC3E}">
         <p14:creationId xmlns:p14="http://schemas.microsoft.com/office/powerpoint/2010/main" val="1618820264"/>
+      </p:ext>
+    </p:extLst>
+  </p:cSld>
+  <p:clrMapOvr>
+    <a:masterClrMapping/>
+  </p:clrMapOvr>
+</p:sld>
+</file>
+
+<file path=ppt/slides/slide6.xml><?xml version="1.0" encoding="utf-8"?>
+<p:sld xmlns:a="http://schemas.openxmlformats.org/drawingml/2006/main" xmlns:r="http://schemas.openxmlformats.org/officeDocument/2006/relationships" xmlns:p="http://schemas.openxmlformats.org/presentationml/2006/main">
+  <p:cSld>
+    <p:spTree>
+      <p:nvGrpSpPr>
+        <p:cNvPr id="1" name=""/>
+        <p:cNvGrpSpPr/>
+        <p:nvPr/>
+      </p:nvGrpSpPr>
+      <p:grpSpPr>
+        <a:xfrm>
+          <a:off x="0" y="0"/>
+          <a:ext cx="0" cy="0"/>
+          <a:chOff x="0" y="0"/>
+          <a:chExt cx="0" cy="0"/>
+        </a:xfrm>
+      </p:grpSpPr>
+      <p:sp>
+        <p:nvSpPr>
+          <p:cNvPr id="4" name="Rectangle 3">
+            <a:extLst>
+              <a:ext uri="{FF2B5EF4-FFF2-40B4-BE49-F238E27FC236}">
+                <a16:creationId xmlns:a16="http://schemas.microsoft.com/office/drawing/2014/main" id="{71303883-9991-2FD8-9F87-57A7A0458635}"/>
+              </a:ext>
+            </a:extLst>
+          </p:cNvPr>
+          <p:cNvSpPr/>
+          <p:nvPr/>
+        </p:nvSpPr>
+        <p:spPr>
+          <a:xfrm>
+            <a:off x="3351424" y="209377"/>
+            <a:ext cx="2632281" cy="1127150"/>
+          </a:xfrm>
+          <a:prstGeom prst="rect">
+            <a:avLst/>
+          </a:prstGeom>
+        </p:spPr>
+        <p:style>
+          <a:lnRef idx="2">
+            <a:schemeClr val="accent3">
+              <a:shade val="50000"/>
+            </a:schemeClr>
+          </a:lnRef>
+          <a:fillRef idx="1">
+            <a:schemeClr val="accent3"/>
+          </a:fillRef>
+          <a:effectRef idx="0">
+            <a:schemeClr val="accent3"/>
+          </a:effectRef>
+          <a:fontRef idx="minor">
+            <a:schemeClr val="lt1"/>
+          </a:fontRef>
+        </p:style>
+        <p:txBody>
+          <a:bodyPr rtlCol="0" anchor="ctr"/>
+          <a:lstStyle/>
+          <a:p>
+            <a:pPr algn="ctr"/>
+            <a:endParaRPr lang="en-IN"/>
+          </a:p>
+        </p:txBody>
+      </p:sp>
+      <p:sp>
+        <p:nvSpPr>
+          <p:cNvPr id="5" name="TextBox 4">
+            <a:extLst>
+              <a:ext uri="{FF2B5EF4-FFF2-40B4-BE49-F238E27FC236}">
+                <a16:creationId xmlns:a16="http://schemas.microsoft.com/office/drawing/2014/main" id="{2E4621DC-A6FB-7C98-FBA5-1071AFB72711}"/>
+              </a:ext>
+            </a:extLst>
+          </p:cNvPr>
+          <p:cNvSpPr txBox="1"/>
+          <p:nvPr/>
+        </p:nvSpPr>
+        <p:spPr>
+          <a:xfrm>
+            <a:off x="3351424" y="257654"/>
+            <a:ext cx="2632281" cy="1015663"/>
+          </a:xfrm>
+          <a:prstGeom prst="rect">
+            <a:avLst/>
+          </a:prstGeom>
+          <a:noFill/>
+        </p:spPr>
+        <p:txBody>
+          <a:bodyPr wrap="square" rtlCol="0">
+            <a:spAutoFit/>
+          </a:bodyPr>
+          <a:lstStyle/>
+          <a:p>
+            <a:pPr algn="ctr"/>
+            <a:r>
+              <a:rPr lang="en-US" sz="2000" dirty="0" err="1"/>
+              <a:t>IPayment</a:t>
+            </a:r>
+            <a:endParaRPr lang="en-US" sz="2000" dirty="0"/>
+          </a:p>
+          <a:p>
+            <a:pPr algn="ctr"/>
+            <a:r>
+              <a:rPr lang="en-US" sz="2000" dirty="0"/>
+              <a:t>-------------------------------</a:t>
+            </a:r>
+          </a:p>
+          <a:p>
+            <a:pPr algn="ctr"/>
+            <a:r>
+              <a:rPr lang="en-US" sz="2000" dirty="0"/>
+              <a:t>-  </a:t>
+            </a:r>
+            <a:r>
+              <a:rPr lang="en-US" sz="2000" dirty="0" err="1"/>
+              <a:t>MakePayment</a:t>
+            </a:r>
+            <a:r>
+              <a:rPr lang="en-US" sz="2000" dirty="0"/>
+              <a:t>()</a:t>
+            </a:r>
+          </a:p>
+        </p:txBody>
+      </p:sp>
+      <p:sp>
+        <p:nvSpPr>
+          <p:cNvPr id="52" name="TextBox 51">
+            <a:extLst>
+              <a:ext uri="{FF2B5EF4-FFF2-40B4-BE49-F238E27FC236}">
+                <a16:creationId xmlns:a16="http://schemas.microsoft.com/office/drawing/2014/main" id="{37729101-8E66-7BA5-0F41-7ECE7A9296AF}"/>
+              </a:ext>
+            </a:extLst>
+          </p:cNvPr>
+          <p:cNvSpPr txBox="1"/>
+          <p:nvPr/>
+        </p:nvSpPr>
+        <p:spPr>
+          <a:xfrm>
+            <a:off x="8874633" y="6361418"/>
+            <a:ext cx="3317367" cy="477054"/>
+          </a:xfrm>
+          <a:prstGeom prst="rect">
+            <a:avLst/>
+          </a:prstGeom>
+          <a:noFill/>
+        </p:spPr>
+        <p:txBody>
+          <a:bodyPr wrap="square" rtlCol="0">
+            <a:spAutoFit/>
+          </a:bodyPr>
+          <a:lstStyle/>
+          <a:p>
+            <a:r>
+              <a:rPr lang="en-US" sz="2500" dirty="0"/>
+              <a:t>Strategy Design Pattern</a:t>
+            </a:r>
+            <a:endParaRPr lang="en-IN" sz="2500" dirty="0"/>
+          </a:p>
+        </p:txBody>
+      </p:sp>
+      <p:sp>
+        <p:nvSpPr>
+          <p:cNvPr id="21" name="Rectangle 20">
+            <a:extLst>
+              <a:ext uri="{FF2B5EF4-FFF2-40B4-BE49-F238E27FC236}">
+                <a16:creationId xmlns:a16="http://schemas.microsoft.com/office/drawing/2014/main" id="{2453B85C-A427-F041-01C3-6213819E1CE2}"/>
+              </a:ext>
+            </a:extLst>
+          </p:cNvPr>
+          <p:cNvSpPr/>
+          <p:nvPr/>
+        </p:nvSpPr>
+        <p:spPr>
+          <a:xfrm>
+            <a:off x="616710" y="521538"/>
+            <a:ext cx="1538665" cy="512890"/>
+          </a:xfrm>
+          <a:prstGeom prst="rect">
+            <a:avLst/>
+          </a:prstGeom>
+        </p:spPr>
+        <p:style>
+          <a:lnRef idx="2">
+            <a:schemeClr val="accent3">
+              <a:shade val="50000"/>
+            </a:schemeClr>
+          </a:lnRef>
+          <a:fillRef idx="1">
+            <a:schemeClr val="accent3"/>
+          </a:fillRef>
+          <a:effectRef idx="0">
+            <a:schemeClr val="accent3"/>
+          </a:effectRef>
+          <a:fontRef idx="minor">
+            <a:schemeClr val="lt1"/>
+          </a:fontRef>
+        </p:style>
+        <p:txBody>
+          <a:bodyPr rtlCol="0" anchor="ctr"/>
+          <a:lstStyle/>
+          <a:p>
+            <a:pPr algn="ctr"/>
+            <a:endParaRPr lang="en-IN"/>
+          </a:p>
+        </p:txBody>
+      </p:sp>
+      <p:sp>
+        <p:nvSpPr>
+          <p:cNvPr id="22" name="TextBox 21">
+            <a:extLst>
+              <a:ext uri="{FF2B5EF4-FFF2-40B4-BE49-F238E27FC236}">
+                <a16:creationId xmlns:a16="http://schemas.microsoft.com/office/drawing/2014/main" id="{F931B4C4-C82A-C1B2-1D44-362F2725F176}"/>
+              </a:ext>
+            </a:extLst>
+          </p:cNvPr>
+          <p:cNvSpPr txBox="1"/>
+          <p:nvPr/>
+        </p:nvSpPr>
+        <p:spPr>
+          <a:xfrm>
+            <a:off x="616710" y="580552"/>
+            <a:ext cx="1538665" cy="400110"/>
+          </a:xfrm>
+          <a:prstGeom prst="rect">
+            <a:avLst/>
+          </a:prstGeom>
+          <a:noFill/>
+        </p:spPr>
+        <p:txBody>
+          <a:bodyPr wrap="square" rtlCol="0">
+            <a:spAutoFit/>
+          </a:bodyPr>
+          <a:lstStyle/>
+          <a:p>
+            <a:pPr algn="ctr"/>
+            <a:r>
+              <a:rPr lang="en-US" sz="2000" dirty="0"/>
+              <a:t>Client</a:t>
+            </a:r>
+          </a:p>
+        </p:txBody>
+      </p:sp>
+      <p:cxnSp>
+        <p:nvCxnSpPr>
+          <p:cNvPr id="51" name="Straight Connector 50">
+            <a:extLst>
+              <a:ext uri="{FF2B5EF4-FFF2-40B4-BE49-F238E27FC236}">
+                <a16:creationId xmlns:a16="http://schemas.microsoft.com/office/drawing/2014/main" id="{D115BDA4-E120-5DA7-2755-A5CDA4C7A0B3}"/>
+              </a:ext>
+            </a:extLst>
+          </p:cNvPr>
+          <p:cNvCxnSpPr>
+            <a:stCxn id="22" idx="0"/>
+            <a:endCxn id="22" idx="0"/>
+          </p:cNvCxnSpPr>
+          <p:nvPr/>
+        </p:nvCxnSpPr>
+        <p:spPr>
+          <a:xfrm>
+            <a:off x="1386043" y="580552"/>
+            <a:ext cx="0" cy="0"/>
+          </a:xfrm>
+          <a:prstGeom prst="line">
+            <a:avLst/>
+          </a:prstGeom>
+        </p:spPr>
+        <p:style>
+          <a:lnRef idx="1">
+            <a:schemeClr val="accent1"/>
+          </a:lnRef>
+          <a:fillRef idx="0">
+            <a:schemeClr val="accent1"/>
+          </a:fillRef>
+          <a:effectRef idx="0">
+            <a:schemeClr val="accent1"/>
+          </a:effectRef>
+          <a:fontRef idx="minor">
+            <a:schemeClr val="tx1"/>
+          </a:fontRef>
+        </p:style>
+      </p:cxnSp>
+      <p:sp>
+        <p:nvSpPr>
+          <p:cNvPr id="3" name="Rectangle 2">
+            <a:extLst>
+              <a:ext uri="{FF2B5EF4-FFF2-40B4-BE49-F238E27FC236}">
+                <a16:creationId xmlns:a16="http://schemas.microsoft.com/office/drawing/2014/main" id="{CC53ACE0-83CD-B6BA-FC3C-8EB8D4DF465E}"/>
+              </a:ext>
+            </a:extLst>
+          </p:cNvPr>
+          <p:cNvSpPr/>
+          <p:nvPr/>
+        </p:nvSpPr>
+        <p:spPr>
+          <a:xfrm>
+            <a:off x="158257" y="2616655"/>
+            <a:ext cx="3317367" cy="1127150"/>
+          </a:xfrm>
+          <a:prstGeom prst="rect">
+            <a:avLst/>
+          </a:prstGeom>
+        </p:spPr>
+        <p:style>
+          <a:lnRef idx="2">
+            <a:schemeClr val="accent3">
+              <a:shade val="50000"/>
+            </a:schemeClr>
+          </a:lnRef>
+          <a:fillRef idx="1">
+            <a:schemeClr val="accent3"/>
+          </a:fillRef>
+          <a:effectRef idx="0">
+            <a:schemeClr val="accent3"/>
+          </a:effectRef>
+          <a:fontRef idx="minor">
+            <a:schemeClr val="lt1"/>
+          </a:fontRef>
+        </p:style>
+        <p:txBody>
+          <a:bodyPr rtlCol="0" anchor="ctr"/>
+          <a:lstStyle/>
+          <a:p>
+            <a:pPr algn="ctr"/>
+            <a:endParaRPr lang="en-IN"/>
+          </a:p>
+        </p:txBody>
+      </p:sp>
+      <p:sp>
+        <p:nvSpPr>
+          <p:cNvPr id="6" name="TextBox 5">
+            <a:extLst>
+              <a:ext uri="{FF2B5EF4-FFF2-40B4-BE49-F238E27FC236}">
+                <a16:creationId xmlns:a16="http://schemas.microsoft.com/office/drawing/2014/main" id="{4D4D8620-C820-1725-9270-E91C222868C4}"/>
+              </a:ext>
+            </a:extLst>
+          </p:cNvPr>
+          <p:cNvSpPr txBox="1"/>
+          <p:nvPr/>
+        </p:nvSpPr>
+        <p:spPr>
+          <a:xfrm>
+            <a:off x="158257" y="2676613"/>
+            <a:ext cx="3317367" cy="1015663"/>
+          </a:xfrm>
+          <a:prstGeom prst="rect">
+            <a:avLst/>
+          </a:prstGeom>
+          <a:noFill/>
+        </p:spPr>
+        <p:txBody>
+          <a:bodyPr wrap="square" rtlCol="0">
+            <a:spAutoFit/>
+          </a:bodyPr>
+          <a:lstStyle/>
+          <a:p>
+            <a:pPr algn="ctr"/>
+            <a:r>
+              <a:rPr lang="en-US" sz="2000" dirty="0" err="1"/>
+              <a:t>CreditCardPaymentGateway</a:t>
+            </a:r>
+            <a:endParaRPr lang="en-US" sz="2000" dirty="0"/>
+          </a:p>
+          <a:p>
+            <a:pPr algn="ctr"/>
+            <a:r>
+              <a:rPr lang="en-US" sz="2000" dirty="0"/>
+              <a:t>---------------------------------------- - </a:t>
+            </a:r>
+            <a:r>
+              <a:rPr lang="en-US" sz="2000" dirty="0" err="1"/>
+              <a:t>MakePayment</a:t>
+            </a:r>
+            <a:r>
+              <a:rPr lang="en-US" sz="2000" dirty="0"/>
+              <a:t>()</a:t>
+            </a:r>
+          </a:p>
+        </p:txBody>
+      </p:sp>
+      <p:cxnSp>
+        <p:nvCxnSpPr>
+          <p:cNvPr id="10" name="Straight Arrow Connector 9">
+            <a:extLst>
+              <a:ext uri="{FF2B5EF4-FFF2-40B4-BE49-F238E27FC236}">
+                <a16:creationId xmlns:a16="http://schemas.microsoft.com/office/drawing/2014/main" id="{AC4E9BA3-304A-DF53-89E2-096B18D982DA}"/>
+              </a:ext>
+            </a:extLst>
+          </p:cNvPr>
+          <p:cNvCxnSpPr>
+            <a:cxnSpLocks/>
+            <a:stCxn id="3" idx="0"/>
+          </p:cNvCxnSpPr>
+          <p:nvPr/>
+        </p:nvCxnSpPr>
+        <p:spPr>
+          <a:xfrm flipV="1">
+            <a:off x="1816941" y="1348697"/>
+            <a:ext cx="1865966" cy="1267958"/>
+          </a:xfrm>
+          <a:prstGeom prst="straightConnector1">
+            <a:avLst/>
+          </a:prstGeom>
+          <a:ln>
+            <a:tailEnd type="triangle"/>
+          </a:ln>
+        </p:spPr>
+        <p:style>
+          <a:lnRef idx="1">
+            <a:schemeClr val="accent1"/>
+          </a:lnRef>
+          <a:fillRef idx="0">
+            <a:schemeClr val="accent1"/>
+          </a:fillRef>
+          <a:effectRef idx="0">
+            <a:schemeClr val="accent1"/>
+          </a:effectRef>
+          <a:fontRef idx="minor">
+            <a:schemeClr val="tx1"/>
+          </a:fontRef>
+        </p:style>
+      </p:cxnSp>
+      <p:sp>
+        <p:nvSpPr>
+          <p:cNvPr id="30" name="Rectangle 29">
+            <a:extLst>
+              <a:ext uri="{FF2B5EF4-FFF2-40B4-BE49-F238E27FC236}">
+                <a16:creationId xmlns:a16="http://schemas.microsoft.com/office/drawing/2014/main" id="{8BDEBFB5-6F6A-E45C-2DD8-7C362927CA38}"/>
+              </a:ext>
+            </a:extLst>
+          </p:cNvPr>
+          <p:cNvSpPr/>
+          <p:nvPr/>
+        </p:nvSpPr>
+        <p:spPr>
+          <a:xfrm>
+            <a:off x="9052673" y="190242"/>
+            <a:ext cx="2865008" cy="1350684"/>
+          </a:xfrm>
+          <a:prstGeom prst="rect">
+            <a:avLst/>
+          </a:prstGeom>
+        </p:spPr>
+        <p:style>
+          <a:lnRef idx="2">
+            <a:schemeClr val="accent3">
+              <a:shade val="50000"/>
+            </a:schemeClr>
+          </a:lnRef>
+          <a:fillRef idx="1">
+            <a:schemeClr val="accent3"/>
+          </a:fillRef>
+          <a:effectRef idx="0">
+            <a:schemeClr val="accent3"/>
+          </a:effectRef>
+          <a:fontRef idx="minor">
+            <a:schemeClr val="lt1"/>
+          </a:fontRef>
+        </p:style>
+        <p:txBody>
+          <a:bodyPr rtlCol="0" anchor="ctr"/>
+          <a:lstStyle/>
+          <a:p>
+            <a:pPr algn="ctr"/>
+            <a:endParaRPr lang="en-IN"/>
+          </a:p>
+        </p:txBody>
+      </p:sp>
+      <p:sp>
+        <p:nvSpPr>
+          <p:cNvPr id="31" name="TextBox 30">
+            <a:extLst>
+              <a:ext uri="{FF2B5EF4-FFF2-40B4-BE49-F238E27FC236}">
+                <a16:creationId xmlns:a16="http://schemas.microsoft.com/office/drawing/2014/main" id="{ED410D53-28FA-62BD-B709-C0113B3A1C37}"/>
+              </a:ext>
+            </a:extLst>
+          </p:cNvPr>
+          <p:cNvSpPr txBox="1"/>
+          <p:nvPr/>
+        </p:nvSpPr>
+        <p:spPr>
+          <a:xfrm>
+            <a:off x="9052673" y="250200"/>
+            <a:ext cx="2865008" cy="1323439"/>
+          </a:xfrm>
+          <a:prstGeom prst="rect">
+            <a:avLst/>
+          </a:prstGeom>
+          <a:noFill/>
+        </p:spPr>
+        <p:txBody>
+          <a:bodyPr wrap="square" rtlCol="0">
+            <a:spAutoFit/>
+          </a:bodyPr>
+          <a:lstStyle/>
+          <a:p>
+            <a:pPr algn="ctr"/>
+            <a:r>
+              <a:rPr lang="en-US" sz="2000" dirty="0" err="1"/>
+              <a:t>SelectPaymentGateway</a:t>
+            </a:r>
+            <a:r>
+              <a:rPr lang="en-US" sz="2000" dirty="0"/>
+              <a:t> </a:t>
+            </a:r>
+          </a:p>
+          <a:p>
+            <a:pPr algn="ctr"/>
+            <a:r>
+              <a:rPr lang="en-US" sz="2000" dirty="0"/>
+              <a:t>----------------------------------- </a:t>
+            </a:r>
+            <a:r>
+              <a:rPr lang="en-US" sz="2000" dirty="0" err="1"/>
+              <a:t>SetPaymentGateway</a:t>
+            </a:r>
+            <a:r>
+              <a:rPr lang="en-US" sz="2000" dirty="0"/>
+              <a:t>()</a:t>
+            </a:r>
+          </a:p>
+          <a:p>
+            <a:pPr algn="ctr"/>
+            <a:r>
+              <a:rPr lang="en-US" sz="2000" dirty="0"/>
+              <a:t>- </a:t>
+            </a:r>
+            <a:r>
+              <a:rPr lang="en-US" sz="2000" dirty="0" err="1"/>
+              <a:t>PayNCheckout</a:t>
+            </a:r>
+            <a:r>
+              <a:rPr lang="en-US" sz="2000" dirty="0"/>
+              <a:t>()</a:t>
+            </a:r>
+          </a:p>
+        </p:txBody>
+      </p:sp>
+      <p:cxnSp>
+        <p:nvCxnSpPr>
+          <p:cNvPr id="58" name="Straight Arrow Connector 57">
+            <a:extLst>
+              <a:ext uri="{FF2B5EF4-FFF2-40B4-BE49-F238E27FC236}">
+                <a16:creationId xmlns:a16="http://schemas.microsoft.com/office/drawing/2014/main" id="{50862B55-864E-EEA9-8354-B1ED4C868CFA}"/>
+              </a:ext>
+            </a:extLst>
+          </p:cNvPr>
+          <p:cNvCxnSpPr>
+            <a:cxnSpLocks/>
+            <a:endCxn id="5" idx="1"/>
+          </p:cNvCxnSpPr>
+          <p:nvPr/>
+        </p:nvCxnSpPr>
+        <p:spPr>
+          <a:xfrm flipV="1">
+            <a:off x="2155375" y="765486"/>
+            <a:ext cx="1196049" cy="15171"/>
+          </a:xfrm>
+          <a:prstGeom prst="straightConnector1">
+            <a:avLst/>
+          </a:prstGeom>
+          <a:ln>
+            <a:tailEnd type="triangle"/>
+          </a:ln>
+        </p:spPr>
+        <p:style>
+          <a:lnRef idx="1">
+            <a:schemeClr val="accent1"/>
+          </a:lnRef>
+          <a:fillRef idx="0">
+            <a:schemeClr val="accent1"/>
+          </a:fillRef>
+          <a:effectRef idx="0">
+            <a:schemeClr val="accent1"/>
+          </a:effectRef>
+          <a:fontRef idx="minor">
+            <a:schemeClr val="tx1"/>
+          </a:fontRef>
+        </p:style>
+      </p:cxnSp>
+      <p:sp>
+        <p:nvSpPr>
+          <p:cNvPr id="15" name="Rectangle 14">
+            <a:extLst>
+              <a:ext uri="{FF2B5EF4-FFF2-40B4-BE49-F238E27FC236}">
+                <a16:creationId xmlns:a16="http://schemas.microsoft.com/office/drawing/2014/main" id="{0D4F4E9C-8DFD-AFD1-E2E9-8BE86DF0041F}"/>
+              </a:ext>
+            </a:extLst>
+          </p:cNvPr>
+          <p:cNvSpPr/>
+          <p:nvPr/>
+        </p:nvSpPr>
+        <p:spPr>
+          <a:xfrm>
+            <a:off x="3739483" y="2623271"/>
+            <a:ext cx="3317367" cy="1127150"/>
+          </a:xfrm>
+          <a:prstGeom prst="rect">
+            <a:avLst/>
+          </a:prstGeom>
+        </p:spPr>
+        <p:style>
+          <a:lnRef idx="2">
+            <a:schemeClr val="accent3">
+              <a:shade val="50000"/>
+            </a:schemeClr>
+          </a:lnRef>
+          <a:fillRef idx="1">
+            <a:schemeClr val="accent3"/>
+          </a:fillRef>
+          <a:effectRef idx="0">
+            <a:schemeClr val="accent3"/>
+          </a:effectRef>
+          <a:fontRef idx="minor">
+            <a:schemeClr val="lt1"/>
+          </a:fontRef>
+        </p:style>
+        <p:txBody>
+          <a:bodyPr rtlCol="0" anchor="ctr"/>
+          <a:lstStyle/>
+          <a:p>
+            <a:pPr algn="ctr"/>
+            <a:endParaRPr lang="en-IN"/>
+          </a:p>
+        </p:txBody>
+      </p:sp>
+      <p:sp>
+        <p:nvSpPr>
+          <p:cNvPr id="16" name="TextBox 15">
+            <a:extLst>
+              <a:ext uri="{FF2B5EF4-FFF2-40B4-BE49-F238E27FC236}">
+                <a16:creationId xmlns:a16="http://schemas.microsoft.com/office/drawing/2014/main" id="{398B3E9F-6DD5-6043-2BD3-27457BA5B709}"/>
+              </a:ext>
+            </a:extLst>
+          </p:cNvPr>
+          <p:cNvSpPr txBox="1"/>
+          <p:nvPr/>
+        </p:nvSpPr>
+        <p:spPr>
+          <a:xfrm>
+            <a:off x="3739483" y="2683229"/>
+            <a:ext cx="3317367" cy="1015663"/>
+          </a:xfrm>
+          <a:prstGeom prst="rect">
+            <a:avLst/>
+          </a:prstGeom>
+          <a:noFill/>
+        </p:spPr>
+        <p:txBody>
+          <a:bodyPr wrap="square" rtlCol="0">
+            <a:spAutoFit/>
+          </a:bodyPr>
+          <a:lstStyle/>
+          <a:p>
+            <a:pPr algn="ctr"/>
+            <a:r>
+              <a:rPr lang="en-US" sz="2000" dirty="0" err="1"/>
+              <a:t>PayPalPaymentGateway</a:t>
+            </a:r>
+            <a:endParaRPr lang="en-US" sz="2000" dirty="0"/>
+          </a:p>
+          <a:p>
+            <a:pPr algn="ctr"/>
+            <a:r>
+              <a:rPr lang="en-US" sz="2000" dirty="0"/>
+              <a:t>---------------------------------------- - </a:t>
+            </a:r>
+            <a:r>
+              <a:rPr lang="en-US" sz="2000" dirty="0" err="1"/>
+              <a:t>MakePayment</a:t>
+            </a:r>
+            <a:r>
+              <a:rPr lang="en-US" sz="2000" dirty="0"/>
+              <a:t>()</a:t>
+            </a:r>
+          </a:p>
+        </p:txBody>
+      </p:sp>
+      <p:sp>
+        <p:nvSpPr>
+          <p:cNvPr id="17" name="Rectangle 16">
+            <a:extLst>
+              <a:ext uri="{FF2B5EF4-FFF2-40B4-BE49-F238E27FC236}">
+                <a16:creationId xmlns:a16="http://schemas.microsoft.com/office/drawing/2014/main" id="{1E35F759-7D97-C717-6AE4-598CA30370C1}"/>
+              </a:ext>
+            </a:extLst>
+          </p:cNvPr>
+          <p:cNvSpPr/>
+          <p:nvPr/>
+        </p:nvSpPr>
+        <p:spPr>
+          <a:xfrm>
+            <a:off x="7477686" y="2645673"/>
+            <a:ext cx="3317367" cy="1127150"/>
+          </a:xfrm>
+          <a:prstGeom prst="rect">
+            <a:avLst/>
+          </a:prstGeom>
+        </p:spPr>
+        <p:style>
+          <a:lnRef idx="2">
+            <a:schemeClr val="accent3">
+              <a:shade val="50000"/>
+            </a:schemeClr>
+          </a:lnRef>
+          <a:fillRef idx="1">
+            <a:schemeClr val="accent3"/>
+          </a:fillRef>
+          <a:effectRef idx="0">
+            <a:schemeClr val="accent3"/>
+          </a:effectRef>
+          <a:fontRef idx="minor">
+            <a:schemeClr val="lt1"/>
+          </a:fontRef>
+        </p:style>
+        <p:txBody>
+          <a:bodyPr rtlCol="0" anchor="ctr"/>
+          <a:lstStyle/>
+          <a:p>
+            <a:pPr algn="ctr"/>
+            <a:endParaRPr lang="en-IN"/>
+          </a:p>
+        </p:txBody>
+      </p:sp>
+      <p:sp>
+        <p:nvSpPr>
+          <p:cNvPr id="18" name="TextBox 17">
+            <a:extLst>
+              <a:ext uri="{FF2B5EF4-FFF2-40B4-BE49-F238E27FC236}">
+                <a16:creationId xmlns:a16="http://schemas.microsoft.com/office/drawing/2014/main" id="{7F561C42-A628-1B89-27CE-1AAEF227C594}"/>
+              </a:ext>
+            </a:extLst>
+          </p:cNvPr>
+          <p:cNvSpPr txBox="1"/>
+          <p:nvPr/>
+        </p:nvSpPr>
+        <p:spPr>
+          <a:xfrm>
+            <a:off x="7477686" y="2705631"/>
+            <a:ext cx="3317367" cy="1015663"/>
+          </a:xfrm>
+          <a:prstGeom prst="rect">
+            <a:avLst/>
+          </a:prstGeom>
+          <a:noFill/>
+        </p:spPr>
+        <p:txBody>
+          <a:bodyPr wrap="square" rtlCol="0">
+            <a:spAutoFit/>
+          </a:bodyPr>
+          <a:lstStyle/>
+          <a:p>
+            <a:pPr algn="ctr"/>
+            <a:r>
+              <a:rPr lang="en-US" sz="2000" dirty="0" err="1"/>
+              <a:t>SodexoPaymentGateway</a:t>
+            </a:r>
+            <a:endParaRPr lang="en-US" sz="2000" dirty="0"/>
+          </a:p>
+          <a:p>
+            <a:pPr algn="ctr"/>
+            <a:r>
+              <a:rPr lang="en-US" sz="2000" dirty="0"/>
+              <a:t>---------------------------------------- - </a:t>
+            </a:r>
+            <a:r>
+              <a:rPr lang="en-US" sz="2000" dirty="0" err="1"/>
+              <a:t>MakePayment</a:t>
+            </a:r>
+            <a:r>
+              <a:rPr lang="en-US" sz="2000" dirty="0"/>
+              <a:t>()</a:t>
+            </a:r>
+          </a:p>
+        </p:txBody>
+      </p:sp>
+      <p:cxnSp>
+        <p:nvCxnSpPr>
+          <p:cNvPr id="20" name="Straight Arrow Connector 19">
+            <a:extLst>
+              <a:ext uri="{FF2B5EF4-FFF2-40B4-BE49-F238E27FC236}">
+                <a16:creationId xmlns:a16="http://schemas.microsoft.com/office/drawing/2014/main" id="{5E1531FA-921B-B9DC-F601-7F5E33287576}"/>
+              </a:ext>
+            </a:extLst>
+          </p:cNvPr>
+          <p:cNvCxnSpPr>
+            <a:cxnSpLocks/>
+            <a:stCxn id="16" idx="0"/>
+          </p:cNvCxnSpPr>
+          <p:nvPr/>
+        </p:nvCxnSpPr>
+        <p:spPr>
+          <a:xfrm flipH="1" flipV="1">
+            <a:off x="4385674" y="1342612"/>
+            <a:ext cx="1012493" cy="1340617"/>
+          </a:xfrm>
+          <a:prstGeom prst="straightConnector1">
+            <a:avLst/>
+          </a:prstGeom>
+          <a:ln>
+            <a:tailEnd type="triangle"/>
+          </a:ln>
+        </p:spPr>
+        <p:style>
+          <a:lnRef idx="1">
+            <a:schemeClr val="accent1"/>
+          </a:lnRef>
+          <a:fillRef idx="0">
+            <a:schemeClr val="accent1"/>
+          </a:fillRef>
+          <a:effectRef idx="0">
+            <a:schemeClr val="accent1"/>
+          </a:effectRef>
+          <a:fontRef idx="minor">
+            <a:schemeClr val="tx1"/>
+          </a:fontRef>
+        </p:style>
+      </p:cxnSp>
+      <p:cxnSp>
+        <p:nvCxnSpPr>
+          <p:cNvPr id="25" name="Straight Arrow Connector 24">
+            <a:extLst>
+              <a:ext uri="{FF2B5EF4-FFF2-40B4-BE49-F238E27FC236}">
+                <a16:creationId xmlns:a16="http://schemas.microsoft.com/office/drawing/2014/main" id="{B452C0CF-A6F6-A001-155F-E711CCBD5A31}"/>
+              </a:ext>
+            </a:extLst>
+          </p:cNvPr>
+          <p:cNvCxnSpPr>
+            <a:cxnSpLocks/>
+            <a:stCxn id="17" idx="0"/>
+          </p:cNvCxnSpPr>
+          <p:nvPr/>
+        </p:nvCxnSpPr>
+        <p:spPr>
+          <a:xfrm flipH="1" flipV="1">
+            <a:off x="4891920" y="1327594"/>
+            <a:ext cx="4244450" cy="1318079"/>
+          </a:xfrm>
+          <a:prstGeom prst="straightConnector1">
+            <a:avLst/>
+          </a:prstGeom>
+          <a:ln>
+            <a:tailEnd type="triangle"/>
+          </a:ln>
+        </p:spPr>
+        <p:style>
+          <a:lnRef idx="1">
+            <a:schemeClr val="accent1"/>
+          </a:lnRef>
+          <a:fillRef idx="0">
+            <a:schemeClr val="accent1"/>
+          </a:fillRef>
+          <a:effectRef idx="0">
+            <a:schemeClr val="accent1"/>
+          </a:effectRef>
+          <a:fontRef idx="minor">
+            <a:schemeClr val="tx1"/>
+          </a:fontRef>
+        </p:style>
+      </p:cxnSp>
+      <p:cxnSp>
+        <p:nvCxnSpPr>
+          <p:cNvPr id="38" name="Straight Arrow Connector 37">
+            <a:extLst>
+              <a:ext uri="{FF2B5EF4-FFF2-40B4-BE49-F238E27FC236}">
+                <a16:creationId xmlns:a16="http://schemas.microsoft.com/office/drawing/2014/main" id="{9BA600F9-C6AE-0BC3-5D33-FC268C5CBFC1}"/>
+              </a:ext>
+            </a:extLst>
+          </p:cNvPr>
+          <p:cNvCxnSpPr>
+            <a:cxnSpLocks/>
+            <a:stCxn id="31" idx="1"/>
+            <a:endCxn id="5" idx="3"/>
+          </p:cNvCxnSpPr>
+          <p:nvPr/>
+        </p:nvCxnSpPr>
+        <p:spPr>
+          <a:xfrm flipH="1" flipV="1">
+            <a:off x="5983705" y="765486"/>
+            <a:ext cx="3068968" cy="146434"/>
+          </a:xfrm>
+          <a:prstGeom prst="straightConnector1">
+            <a:avLst/>
+          </a:prstGeom>
+          <a:ln>
+            <a:tailEnd type="triangle"/>
+          </a:ln>
+        </p:spPr>
+        <p:style>
+          <a:lnRef idx="1">
+            <a:schemeClr val="accent1"/>
+          </a:lnRef>
+          <a:fillRef idx="0">
+            <a:schemeClr val="accent1"/>
+          </a:fillRef>
+          <a:effectRef idx="0">
+            <a:schemeClr val="accent1"/>
+          </a:effectRef>
+          <a:fontRef idx="minor">
+            <a:schemeClr val="tx1"/>
+          </a:fontRef>
+        </p:style>
+      </p:cxnSp>
+    </p:spTree>
+    <p:extLst>
+      <p:ext uri="{BB962C8B-B14F-4D97-AF65-F5344CB8AC3E}">
+        <p14:creationId xmlns:p14="http://schemas.microsoft.com/office/powerpoint/2010/main" val="2420825666"/>
+      </p:ext>
+    </p:extLst>
+  </p:cSld>
+  <p:clrMapOvr>
+    <a:masterClrMapping/>
+  </p:clrMapOvr>
+</p:sld>
+</file>
+
+<file path=ppt/slides/slide7.xml><?xml version="1.0" encoding="utf-8"?>
+<p:sld xmlns:a="http://schemas.openxmlformats.org/drawingml/2006/main" xmlns:r="http://schemas.openxmlformats.org/officeDocument/2006/relationships" xmlns:p="http://schemas.openxmlformats.org/presentationml/2006/main">
+  <p:cSld>
+    <p:spTree>
+      <p:nvGrpSpPr>
+        <p:cNvPr id="1" name=""/>
+        <p:cNvGrpSpPr/>
+        <p:nvPr/>
+      </p:nvGrpSpPr>
+      <p:grpSpPr>
+        <a:xfrm>
+          <a:off x="0" y="0"/>
+          <a:ext cx="0" cy="0"/>
+          <a:chOff x="0" y="0"/>
+          <a:chExt cx="0" cy="0"/>
+        </a:xfrm>
+      </p:grpSpPr>
+      <p:sp>
+        <p:nvSpPr>
+          <p:cNvPr id="4" name="Rectangle 3">
+            <a:extLst>
+              <a:ext uri="{FF2B5EF4-FFF2-40B4-BE49-F238E27FC236}">
+                <a16:creationId xmlns:a16="http://schemas.microsoft.com/office/drawing/2014/main" id="{71303883-9991-2FD8-9F87-57A7A0458635}"/>
+              </a:ext>
+            </a:extLst>
+          </p:cNvPr>
+          <p:cNvSpPr/>
+          <p:nvPr/>
+        </p:nvSpPr>
+        <p:spPr>
+          <a:xfrm>
+            <a:off x="3351424" y="209377"/>
+            <a:ext cx="2744576" cy="1719176"/>
+          </a:xfrm>
+          <a:prstGeom prst="rect">
+            <a:avLst/>
+          </a:prstGeom>
+        </p:spPr>
+        <p:style>
+          <a:lnRef idx="2">
+            <a:schemeClr val="accent3">
+              <a:shade val="50000"/>
+            </a:schemeClr>
+          </a:lnRef>
+          <a:fillRef idx="1">
+            <a:schemeClr val="accent3"/>
+          </a:fillRef>
+          <a:effectRef idx="0">
+            <a:schemeClr val="accent3"/>
+          </a:effectRef>
+          <a:fontRef idx="minor">
+            <a:schemeClr val="lt1"/>
+          </a:fontRef>
+        </p:style>
+        <p:txBody>
+          <a:bodyPr rtlCol="0" anchor="ctr"/>
+          <a:lstStyle/>
+          <a:p>
+            <a:pPr algn="ctr"/>
+            <a:endParaRPr lang="en-IN"/>
+          </a:p>
+        </p:txBody>
+      </p:sp>
+      <p:sp>
+        <p:nvSpPr>
+          <p:cNvPr id="5" name="TextBox 4">
+            <a:extLst>
+              <a:ext uri="{FF2B5EF4-FFF2-40B4-BE49-F238E27FC236}">
+                <a16:creationId xmlns:a16="http://schemas.microsoft.com/office/drawing/2014/main" id="{2E4621DC-A6FB-7C98-FBA5-1071AFB72711}"/>
+              </a:ext>
+            </a:extLst>
+          </p:cNvPr>
+          <p:cNvSpPr txBox="1"/>
+          <p:nvPr/>
+        </p:nvSpPr>
+        <p:spPr>
+          <a:xfrm>
+            <a:off x="3351424" y="257654"/>
+            <a:ext cx="2744576" cy="1631216"/>
+          </a:xfrm>
+          <a:prstGeom prst="rect">
+            <a:avLst/>
+          </a:prstGeom>
+          <a:noFill/>
+        </p:spPr>
+        <p:txBody>
+          <a:bodyPr wrap="square" rtlCol="0">
+            <a:spAutoFit/>
+          </a:bodyPr>
+          <a:lstStyle/>
+          <a:p>
+            <a:pPr algn="ctr"/>
+            <a:r>
+              <a:rPr lang="en-US" sz="2000" dirty="0" err="1"/>
+              <a:t>IVendingMachine</a:t>
+            </a:r>
+            <a:endParaRPr lang="en-US" sz="2000" dirty="0"/>
+          </a:p>
+          <a:p>
+            <a:pPr algn="ctr"/>
+            <a:r>
+              <a:rPr lang="en-US" sz="2000" dirty="0"/>
+              <a:t>-------------------------------</a:t>
+            </a:r>
+          </a:p>
+          <a:p>
+            <a:pPr marL="342900" indent="-342900" algn="ctr">
+              <a:buFontTx/>
+              <a:buChar char="-"/>
+            </a:pPr>
+            <a:r>
+              <a:rPr lang="en-US" sz="2000" dirty="0" err="1"/>
+              <a:t>EnterItemNumber</a:t>
+            </a:r>
+            <a:r>
+              <a:rPr lang="en-US" sz="2000" dirty="0"/>
+              <a:t>()</a:t>
+            </a:r>
+          </a:p>
+          <a:p>
+            <a:pPr marL="342900" indent="-342900" algn="ctr">
+              <a:buFontTx/>
+              <a:buChar char="-"/>
+            </a:pPr>
+            <a:r>
+              <a:rPr lang="en-US" sz="2000" dirty="0"/>
+              <a:t>-  </a:t>
+            </a:r>
+            <a:r>
+              <a:rPr lang="en-US" sz="2000" dirty="0" err="1"/>
+              <a:t>MakePayment</a:t>
+            </a:r>
+            <a:r>
+              <a:rPr lang="en-US" sz="2000" dirty="0"/>
+              <a:t>()</a:t>
+            </a:r>
+          </a:p>
+          <a:p>
+            <a:pPr marL="342900" indent="-342900" algn="ctr">
+              <a:buFontTx/>
+              <a:buChar char="-"/>
+            </a:pPr>
+            <a:r>
+              <a:rPr lang="en-US" sz="2000" dirty="0" err="1"/>
+              <a:t>GetItem</a:t>
+            </a:r>
+            <a:r>
+              <a:rPr lang="en-US" sz="2000" dirty="0"/>
+              <a:t>()</a:t>
+            </a:r>
+          </a:p>
+        </p:txBody>
+      </p:sp>
+      <p:sp>
+        <p:nvSpPr>
+          <p:cNvPr id="52" name="TextBox 51">
+            <a:extLst>
+              <a:ext uri="{FF2B5EF4-FFF2-40B4-BE49-F238E27FC236}">
+                <a16:creationId xmlns:a16="http://schemas.microsoft.com/office/drawing/2014/main" id="{37729101-8E66-7BA5-0F41-7ECE7A9296AF}"/>
+              </a:ext>
+            </a:extLst>
+          </p:cNvPr>
+          <p:cNvSpPr txBox="1"/>
+          <p:nvPr/>
+        </p:nvSpPr>
+        <p:spPr>
+          <a:xfrm>
+            <a:off x="9425049" y="6401006"/>
+            <a:ext cx="2888280" cy="477054"/>
+          </a:xfrm>
+          <a:prstGeom prst="rect">
+            <a:avLst/>
+          </a:prstGeom>
+          <a:noFill/>
+        </p:spPr>
+        <p:txBody>
+          <a:bodyPr wrap="square" rtlCol="0">
+            <a:spAutoFit/>
+          </a:bodyPr>
+          <a:lstStyle/>
+          <a:p>
+            <a:r>
+              <a:rPr lang="en-US" sz="2500" dirty="0"/>
+              <a:t>State Design Pattern</a:t>
+            </a:r>
+            <a:endParaRPr lang="en-IN" sz="2500" dirty="0"/>
+          </a:p>
+        </p:txBody>
+      </p:sp>
+      <p:sp>
+        <p:nvSpPr>
+          <p:cNvPr id="21" name="Rectangle 20">
+            <a:extLst>
+              <a:ext uri="{FF2B5EF4-FFF2-40B4-BE49-F238E27FC236}">
+                <a16:creationId xmlns:a16="http://schemas.microsoft.com/office/drawing/2014/main" id="{2453B85C-A427-F041-01C3-6213819E1CE2}"/>
+              </a:ext>
+            </a:extLst>
+          </p:cNvPr>
+          <p:cNvSpPr/>
+          <p:nvPr/>
+        </p:nvSpPr>
+        <p:spPr>
+          <a:xfrm>
+            <a:off x="616710" y="809896"/>
+            <a:ext cx="1538665" cy="512890"/>
+          </a:xfrm>
+          <a:prstGeom prst="rect">
+            <a:avLst/>
+          </a:prstGeom>
+        </p:spPr>
+        <p:style>
+          <a:lnRef idx="2">
+            <a:schemeClr val="accent3">
+              <a:shade val="50000"/>
+            </a:schemeClr>
+          </a:lnRef>
+          <a:fillRef idx="1">
+            <a:schemeClr val="accent3"/>
+          </a:fillRef>
+          <a:effectRef idx="0">
+            <a:schemeClr val="accent3"/>
+          </a:effectRef>
+          <a:fontRef idx="minor">
+            <a:schemeClr val="lt1"/>
+          </a:fontRef>
+        </p:style>
+        <p:txBody>
+          <a:bodyPr rtlCol="0" anchor="ctr"/>
+          <a:lstStyle/>
+          <a:p>
+            <a:pPr algn="ctr"/>
+            <a:endParaRPr lang="en-IN"/>
+          </a:p>
+        </p:txBody>
+      </p:sp>
+      <p:sp>
+        <p:nvSpPr>
+          <p:cNvPr id="22" name="TextBox 21">
+            <a:extLst>
+              <a:ext uri="{FF2B5EF4-FFF2-40B4-BE49-F238E27FC236}">
+                <a16:creationId xmlns:a16="http://schemas.microsoft.com/office/drawing/2014/main" id="{F931B4C4-C82A-C1B2-1D44-362F2725F176}"/>
+              </a:ext>
+            </a:extLst>
+          </p:cNvPr>
+          <p:cNvSpPr txBox="1"/>
+          <p:nvPr/>
+        </p:nvSpPr>
+        <p:spPr>
+          <a:xfrm>
+            <a:off x="616710" y="868910"/>
+            <a:ext cx="1538665" cy="400110"/>
+          </a:xfrm>
+          <a:prstGeom prst="rect">
+            <a:avLst/>
+          </a:prstGeom>
+          <a:noFill/>
+        </p:spPr>
+        <p:txBody>
+          <a:bodyPr wrap="square" rtlCol="0">
+            <a:spAutoFit/>
+          </a:bodyPr>
+          <a:lstStyle/>
+          <a:p>
+            <a:pPr algn="ctr"/>
+            <a:r>
+              <a:rPr lang="en-US" sz="2000" dirty="0"/>
+              <a:t>Client</a:t>
+            </a:r>
+          </a:p>
+        </p:txBody>
+      </p:sp>
+      <p:cxnSp>
+        <p:nvCxnSpPr>
+          <p:cNvPr id="51" name="Straight Connector 50">
+            <a:extLst>
+              <a:ext uri="{FF2B5EF4-FFF2-40B4-BE49-F238E27FC236}">
+                <a16:creationId xmlns:a16="http://schemas.microsoft.com/office/drawing/2014/main" id="{D115BDA4-E120-5DA7-2755-A5CDA4C7A0B3}"/>
+              </a:ext>
+            </a:extLst>
+          </p:cNvPr>
+          <p:cNvCxnSpPr>
+            <a:stCxn id="22" idx="0"/>
+            <a:endCxn id="22" idx="0"/>
+          </p:cNvCxnSpPr>
+          <p:nvPr/>
+        </p:nvCxnSpPr>
+        <p:spPr>
+          <a:xfrm>
+            <a:off x="1386043" y="868910"/>
+            <a:ext cx="0" cy="0"/>
+          </a:xfrm>
+          <a:prstGeom prst="line">
+            <a:avLst/>
+          </a:prstGeom>
+        </p:spPr>
+        <p:style>
+          <a:lnRef idx="1">
+            <a:schemeClr val="accent1"/>
+          </a:lnRef>
+          <a:fillRef idx="0">
+            <a:schemeClr val="accent1"/>
+          </a:fillRef>
+          <a:effectRef idx="0">
+            <a:schemeClr val="accent1"/>
+          </a:effectRef>
+          <a:fontRef idx="minor">
+            <a:schemeClr val="tx1"/>
+          </a:fontRef>
+        </p:style>
+      </p:cxnSp>
+      <p:sp>
+        <p:nvSpPr>
+          <p:cNvPr id="3" name="Rectangle 2">
+            <a:extLst>
+              <a:ext uri="{FF2B5EF4-FFF2-40B4-BE49-F238E27FC236}">
+                <a16:creationId xmlns:a16="http://schemas.microsoft.com/office/drawing/2014/main" id="{CC53ACE0-83CD-B6BA-FC3C-8EB8D4DF465E}"/>
+              </a:ext>
+            </a:extLst>
+          </p:cNvPr>
+          <p:cNvSpPr/>
+          <p:nvPr/>
+        </p:nvSpPr>
+        <p:spPr>
+          <a:xfrm>
+            <a:off x="158257" y="2616654"/>
+            <a:ext cx="3529584" cy="1733619"/>
+          </a:xfrm>
+          <a:prstGeom prst="rect">
+            <a:avLst/>
+          </a:prstGeom>
+        </p:spPr>
+        <p:style>
+          <a:lnRef idx="2">
+            <a:schemeClr val="accent3">
+              <a:shade val="50000"/>
+            </a:schemeClr>
+          </a:lnRef>
+          <a:fillRef idx="1">
+            <a:schemeClr val="accent3"/>
+          </a:fillRef>
+          <a:effectRef idx="0">
+            <a:schemeClr val="accent3"/>
+          </a:effectRef>
+          <a:fontRef idx="minor">
+            <a:schemeClr val="lt1"/>
+          </a:fontRef>
+        </p:style>
+        <p:txBody>
+          <a:bodyPr rtlCol="0" anchor="ctr"/>
+          <a:lstStyle/>
+          <a:p>
+            <a:pPr algn="ctr"/>
+            <a:endParaRPr lang="en-IN"/>
+          </a:p>
+        </p:txBody>
+      </p:sp>
+      <p:sp>
+        <p:nvSpPr>
+          <p:cNvPr id="6" name="TextBox 5">
+            <a:extLst>
+              <a:ext uri="{FF2B5EF4-FFF2-40B4-BE49-F238E27FC236}">
+                <a16:creationId xmlns:a16="http://schemas.microsoft.com/office/drawing/2014/main" id="{4D4D8620-C820-1725-9270-E91C222868C4}"/>
+              </a:ext>
+            </a:extLst>
+          </p:cNvPr>
+          <p:cNvSpPr txBox="1"/>
+          <p:nvPr/>
+        </p:nvSpPr>
+        <p:spPr>
+          <a:xfrm>
+            <a:off x="132436" y="2670420"/>
+            <a:ext cx="3581226" cy="1908215"/>
+          </a:xfrm>
+          <a:prstGeom prst="rect">
+            <a:avLst/>
+          </a:prstGeom>
+          <a:noFill/>
+        </p:spPr>
+        <p:txBody>
+          <a:bodyPr wrap="square" rtlCol="0">
+            <a:spAutoFit/>
+          </a:bodyPr>
+          <a:lstStyle/>
+          <a:p>
+            <a:pPr algn="ctr"/>
+            <a:r>
+              <a:rPr lang="en-IN" sz="1800" dirty="0" err="1">
+                <a:latin typeface="Cascadia Mono" panose="020B0609020000020004" pitchFamily="49" charset="0"/>
+              </a:rPr>
+              <a:t>ItemNumberNotEnteredState</a:t>
+            </a:r>
+            <a:endParaRPr lang="en-US" sz="2000" dirty="0"/>
+          </a:p>
+          <a:p>
+            <a:pPr algn="ctr"/>
+            <a:r>
+              <a:rPr lang="en-US" sz="2000" dirty="0"/>
+              <a:t>------------------------------------------ </a:t>
+            </a:r>
+            <a:r>
+              <a:rPr lang="en-US" sz="2000" dirty="0" err="1"/>
+              <a:t>EnterItemNumber</a:t>
+            </a:r>
+            <a:r>
+              <a:rPr lang="en-US" sz="2000" dirty="0"/>
+              <a:t>()</a:t>
+            </a:r>
+          </a:p>
+          <a:p>
+            <a:pPr marL="342900" indent="-342900" algn="ctr">
+              <a:buFontTx/>
+              <a:buChar char="-"/>
+            </a:pPr>
+            <a:r>
+              <a:rPr lang="en-US" sz="2000" dirty="0"/>
+              <a:t>-  </a:t>
+            </a:r>
+            <a:r>
+              <a:rPr lang="en-US" sz="2000" dirty="0" err="1"/>
+              <a:t>MakePayment</a:t>
+            </a:r>
+            <a:r>
+              <a:rPr lang="en-US" sz="2000" dirty="0"/>
+              <a:t>()</a:t>
+            </a:r>
+          </a:p>
+          <a:p>
+            <a:pPr marL="342900" indent="-342900" algn="ctr">
+              <a:buFontTx/>
+              <a:buChar char="-"/>
+            </a:pPr>
+            <a:r>
+              <a:rPr lang="en-US" sz="2000" dirty="0" err="1"/>
+              <a:t>GetItem</a:t>
+            </a:r>
+            <a:r>
+              <a:rPr lang="en-US" sz="2000" dirty="0"/>
+              <a:t>()</a:t>
+            </a:r>
+          </a:p>
+          <a:p>
+            <a:pPr algn="ctr"/>
+            <a:endParaRPr lang="en-US" sz="2000" dirty="0"/>
+          </a:p>
+        </p:txBody>
+      </p:sp>
+      <p:cxnSp>
+        <p:nvCxnSpPr>
+          <p:cNvPr id="10" name="Straight Arrow Connector 9">
+            <a:extLst>
+              <a:ext uri="{FF2B5EF4-FFF2-40B4-BE49-F238E27FC236}">
+                <a16:creationId xmlns:a16="http://schemas.microsoft.com/office/drawing/2014/main" id="{AC4E9BA3-304A-DF53-89E2-096B18D982DA}"/>
+              </a:ext>
+            </a:extLst>
+          </p:cNvPr>
+          <p:cNvCxnSpPr>
+            <a:cxnSpLocks/>
+            <a:stCxn id="3" idx="0"/>
+          </p:cNvCxnSpPr>
+          <p:nvPr/>
+        </p:nvCxnSpPr>
+        <p:spPr>
+          <a:xfrm flipV="1">
+            <a:off x="1923049" y="1947884"/>
+            <a:ext cx="1870437" cy="668770"/>
+          </a:xfrm>
+          <a:prstGeom prst="straightConnector1">
+            <a:avLst/>
+          </a:prstGeom>
+          <a:ln>
+            <a:tailEnd type="triangle"/>
+          </a:ln>
+        </p:spPr>
+        <p:style>
+          <a:lnRef idx="1">
+            <a:schemeClr val="accent1"/>
+          </a:lnRef>
+          <a:fillRef idx="0">
+            <a:schemeClr val="accent1"/>
+          </a:fillRef>
+          <a:effectRef idx="0">
+            <a:schemeClr val="accent1"/>
+          </a:effectRef>
+          <a:fontRef idx="minor">
+            <a:schemeClr val="tx1"/>
+          </a:fontRef>
+        </p:style>
+      </p:cxnSp>
+      <p:cxnSp>
+        <p:nvCxnSpPr>
+          <p:cNvPr id="58" name="Straight Arrow Connector 57">
+            <a:extLst>
+              <a:ext uri="{FF2B5EF4-FFF2-40B4-BE49-F238E27FC236}">
+                <a16:creationId xmlns:a16="http://schemas.microsoft.com/office/drawing/2014/main" id="{50862B55-864E-EEA9-8354-B1ED4C868CFA}"/>
+              </a:ext>
+            </a:extLst>
+          </p:cNvPr>
+          <p:cNvCxnSpPr>
+            <a:cxnSpLocks/>
+            <a:stCxn id="22" idx="3"/>
+            <a:endCxn id="5" idx="1"/>
+          </p:cNvCxnSpPr>
+          <p:nvPr/>
+        </p:nvCxnSpPr>
+        <p:spPr>
+          <a:xfrm>
+            <a:off x="2155375" y="1068965"/>
+            <a:ext cx="1196049" cy="4297"/>
+          </a:xfrm>
+          <a:prstGeom prst="straightConnector1">
+            <a:avLst/>
+          </a:prstGeom>
+          <a:ln>
+            <a:tailEnd type="triangle"/>
+          </a:ln>
+        </p:spPr>
+        <p:style>
+          <a:lnRef idx="1">
+            <a:schemeClr val="accent1"/>
+          </a:lnRef>
+          <a:fillRef idx="0">
+            <a:schemeClr val="accent1"/>
+          </a:fillRef>
+          <a:effectRef idx="0">
+            <a:schemeClr val="accent1"/>
+          </a:effectRef>
+          <a:fontRef idx="minor">
+            <a:schemeClr val="tx1"/>
+          </a:fontRef>
+        </p:style>
+      </p:cxnSp>
+      <p:cxnSp>
+        <p:nvCxnSpPr>
+          <p:cNvPr id="20" name="Straight Arrow Connector 19">
+            <a:extLst>
+              <a:ext uri="{FF2B5EF4-FFF2-40B4-BE49-F238E27FC236}">
+                <a16:creationId xmlns:a16="http://schemas.microsoft.com/office/drawing/2014/main" id="{5E1531FA-921B-B9DC-F601-7F5E33287576}"/>
+              </a:ext>
+            </a:extLst>
+          </p:cNvPr>
+          <p:cNvCxnSpPr>
+            <a:cxnSpLocks/>
+            <a:stCxn id="37" idx="0"/>
+            <a:endCxn id="4" idx="2"/>
+          </p:cNvCxnSpPr>
+          <p:nvPr/>
+        </p:nvCxnSpPr>
+        <p:spPr>
+          <a:xfrm flipH="1" flipV="1">
+            <a:off x="4723712" y="1928553"/>
+            <a:ext cx="1471566" cy="2872015"/>
+          </a:xfrm>
+          <a:prstGeom prst="straightConnector1">
+            <a:avLst/>
+          </a:prstGeom>
+          <a:ln>
+            <a:tailEnd type="triangle"/>
+          </a:ln>
+        </p:spPr>
+        <p:style>
+          <a:lnRef idx="1">
+            <a:schemeClr val="accent1"/>
+          </a:lnRef>
+          <a:fillRef idx="0">
+            <a:schemeClr val="accent1"/>
+          </a:fillRef>
+          <a:effectRef idx="0">
+            <a:schemeClr val="accent1"/>
+          </a:effectRef>
+          <a:fontRef idx="minor">
+            <a:schemeClr val="tx1"/>
+          </a:fontRef>
+        </p:style>
+      </p:cxnSp>
+      <p:cxnSp>
+        <p:nvCxnSpPr>
+          <p:cNvPr id="25" name="Straight Arrow Connector 24">
+            <a:extLst>
+              <a:ext uri="{FF2B5EF4-FFF2-40B4-BE49-F238E27FC236}">
+                <a16:creationId xmlns:a16="http://schemas.microsoft.com/office/drawing/2014/main" id="{B452C0CF-A6F6-A001-155F-E711CCBD5A31}"/>
+              </a:ext>
+            </a:extLst>
+          </p:cNvPr>
+          <p:cNvCxnSpPr>
+            <a:cxnSpLocks/>
+            <a:stCxn id="42" idx="0"/>
+          </p:cNvCxnSpPr>
+          <p:nvPr/>
+        </p:nvCxnSpPr>
+        <p:spPr>
+          <a:xfrm flipH="1" flipV="1">
+            <a:off x="5783560" y="1937147"/>
+            <a:ext cx="3854822" cy="793520"/>
+          </a:xfrm>
+          <a:prstGeom prst="straightConnector1">
+            <a:avLst/>
+          </a:prstGeom>
+          <a:ln>
+            <a:tailEnd type="triangle"/>
+          </a:ln>
+        </p:spPr>
+        <p:style>
+          <a:lnRef idx="1">
+            <a:schemeClr val="accent1"/>
+          </a:lnRef>
+          <a:fillRef idx="0">
+            <a:schemeClr val="accent1"/>
+          </a:fillRef>
+          <a:effectRef idx="0">
+            <a:schemeClr val="accent1"/>
+          </a:effectRef>
+          <a:fontRef idx="minor">
+            <a:schemeClr val="tx1"/>
+          </a:fontRef>
+        </p:style>
+      </p:cxnSp>
+      <p:sp>
+        <p:nvSpPr>
+          <p:cNvPr id="36" name="Rectangle 35">
+            <a:extLst>
+              <a:ext uri="{FF2B5EF4-FFF2-40B4-BE49-F238E27FC236}">
+                <a16:creationId xmlns:a16="http://schemas.microsoft.com/office/drawing/2014/main" id="{7758FBC2-A01B-5F82-0C71-6C8AB91207E3}"/>
+              </a:ext>
+            </a:extLst>
+          </p:cNvPr>
+          <p:cNvSpPr/>
+          <p:nvPr/>
+        </p:nvSpPr>
+        <p:spPr>
+          <a:xfrm>
+            <a:off x="3699317" y="4800569"/>
+            <a:ext cx="4991924" cy="1600438"/>
+          </a:xfrm>
+          <a:prstGeom prst="rect">
+            <a:avLst/>
+          </a:prstGeom>
+        </p:spPr>
+        <p:style>
+          <a:lnRef idx="2">
+            <a:schemeClr val="accent3">
+              <a:shade val="50000"/>
+            </a:schemeClr>
+          </a:lnRef>
+          <a:fillRef idx="1">
+            <a:schemeClr val="accent3"/>
+          </a:fillRef>
+          <a:effectRef idx="0">
+            <a:schemeClr val="accent3"/>
+          </a:effectRef>
+          <a:fontRef idx="minor">
+            <a:schemeClr val="lt1"/>
+          </a:fontRef>
+        </p:style>
+        <p:txBody>
+          <a:bodyPr rtlCol="0" anchor="ctr"/>
+          <a:lstStyle/>
+          <a:p>
+            <a:pPr algn="ctr"/>
+            <a:endParaRPr lang="en-IN"/>
+          </a:p>
+        </p:txBody>
+      </p:sp>
+      <p:sp>
+        <p:nvSpPr>
+          <p:cNvPr id="37" name="TextBox 36">
+            <a:extLst>
+              <a:ext uri="{FF2B5EF4-FFF2-40B4-BE49-F238E27FC236}">
+                <a16:creationId xmlns:a16="http://schemas.microsoft.com/office/drawing/2014/main" id="{CD93C78F-BF5A-6063-F9F9-EBB333EDB5C1}"/>
+              </a:ext>
+            </a:extLst>
+          </p:cNvPr>
+          <p:cNvSpPr txBox="1"/>
+          <p:nvPr/>
+        </p:nvSpPr>
+        <p:spPr>
+          <a:xfrm>
+            <a:off x="3699316" y="4800568"/>
+            <a:ext cx="4991923" cy="1600438"/>
+          </a:xfrm>
+          <a:prstGeom prst="rect">
+            <a:avLst/>
+          </a:prstGeom>
+          <a:noFill/>
+        </p:spPr>
+        <p:txBody>
+          <a:bodyPr wrap="square" rtlCol="0">
+            <a:spAutoFit/>
+          </a:bodyPr>
+          <a:lstStyle/>
+          <a:p>
+            <a:pPr algn="ctr"/>
+            <a:r>
+              <a:rPr lang="en-IN" sz="1800" dirty="0" err="1">
+                <a:latin typeface="Cascadia Mono" panose="020B0609020000020004" pitchFamily="49" charset="0"/>
+              </a:rPr>
+              <a:t>ItemNumberEnteredPaymentNotDoneState</a:t>
+            </a:r>
+            <a:endParaRPr lang="en-US" sz="2000" dirty="0"/>
+          </a:p>
+          <a:p>
+            <a:pPr algn="ctr"/>
+            <a:r>
+              <a:rPr lang="en-US" sz="2000" dirty="0"/>
+              <a:t>---------------------------------------------------------- </a:t>
+            </a:r>
+            <a:r>
+              <a:rPr lang="en-US" sz="2000" dirty="0" err="1"/>
+              <a:t>EnterItemNumber</a:t>
+            </a:r>
+            <a:r>
+              <a:rPr lang="en-US" sz="2000" dirty="0"/>
+              <a:t>()</a:t>
+            </a:r>
+          </a:p>
+          <a:p>
+            <a:pPr algn="ctr"/>
+            <a:r>
+              <a:rPr lang="en-US" sz="2000" dirty="0"/>
+              <a:t>-  </a:t>
+            </a:r>
+            <a:r>
+              <a:rPr lang="en-US" sz="2000" dirty="0" err="1"/>
+              <a:t>MakePayment</a:t>
+            </a:r>
+            <a:r>
+              <a:rPr lang="en-US" sz="2000" dirty="0"/>
+              <a:t>()</a:t>
+            </a:r>
+          </a:p>
+          <a:p>
+            <a:pPr marL="342900" indent="-342900" algn="ctr">
+              <a:buFontTx/>
+              <a:buChar char="-"/>
+            </a:pPr>
+            <a:r>
+              <a:rPr lang="en-US" sz="2000" dirty="0" err="1"/>
+              <a:t>GetItem</a:t>
+            </a:r>
+            <a:r>
+              <a:rPr lang="en-US" sz="2000" dirty="0"/>
+              <a:t>()</a:t>
+            </a:r>
+          </a:p>
+        </p:txBody>
+      </p:sp>
+      <p:sp>
+        <p:nvSpPr>
+          <p:cNvPr id="40" name="Rectangle 39">
+            <a:extLst>
+              <a:ext uri="{FF2B5EF4-FFF2-40B4-BE49-F238E27FC236}">
+                <a16:creationId xmlns:a16="http://schemas.microsoft.com/office/drawing/2014/main" id="{2FB40E7B-6B58-F927-7929-2C29438A1A92}"/>
+              </a:ext>
+            </a:extLst>
+          </p:cNvPr>
+          <p:cNvSpPr/>
+          <p:nvPr/>
+        </p:nvSpPr>
+        <p:spPr>
+          <a:xfrm>
+            <a:off x="7268842" y="2670552"/>
+            <a:ext cx="4790722" cy="1733619"/>
+          </a:xfrm>
+          <a:prstGeom prst="rect">
+            <a:avLst/>
+          </a:prstGeom>
+        </p:spPr>
+        <p:style>
+          <a:lnRef idx="2">
+            <a:schemeClr val="accent3">
+              <a:shade val="50000"/>
+            </a:schemeClr>
+          </a:lnRef>
+          <a:fillRef idx="1">
+            <a:schemeClr val="accent3"/>
+          </a:fillRef>
+          <a:effectRef idx="0">
+            <a:schemeClr val="accent3"/>
+          </a:effectRef>
+          <a:fontRef idx="minor">
+            <a:schemeClr val="lt1"/>
+          </a:fontRef>
+        </p:style>
+        <p:txBody>
+          <a:bodyPr rtlCol="0" anchor="ctr"/>
+          <a:lstStyle/>
+          <a:p>
+            <a:pPr algn="ctr"/>
+            <a:endParaRPr lang="en-IN"/>
+          </a:p>
+        </p:txBody>
+      </p:sp>
+      <p:sp>
+        <p:nvSpPr>
+          <p:cNvPr id="42" name="TextBox 41">
+            <a:extLst>
+              <a:ext uri="{FF2B5EF4-FFF2-40B4-BE49-F238E27FC236}">
+                <a16:creationId xmlns:a16="http://schemas.microsoft.com/office/drawing/2014/main" id="{49E19DF4-89C9-7409-7117-D3FC34B1D96A}"/>
+              </a:ext>
+            </a:extLst>
+          </p:cNvPr>
+          <p:cNvSpPr txBox="1"/>
+          <p:nvPr/>
+        </p:nvSpPr>
+        <p:spPr>
+          <a:xfrm>
+            <a:off x="7243021" y="2730667"/>
+            <a:ext cx="4790722" cy="1600438"/>
+          </a:xfrm>
+          <a:prstGeom prst="rect">
+            <a:avLst/>
+          </a:prstGeom>
+          <a:noFill/>
+        </p:spPr>
+        <p:txBody>
+          <a:bodyPr wrap="square" rtlCol="0">
+            <a:spAutoFit/>
+          </a:bodyPr>
+          <a:lstStyle/>
+          <a:p>
+            <a:pPr algn="ctr"/>
+            <a:r>
+              <a:rPr lang="en-IN" sz="1800" dirty="0" err="1">
+                <a:latin typeface="Cascadia Mono" panose="020B0609020000020004" pitchFamily="49" charset="0"/>
+              </a:rPr>
+              <a:t>ItemNumberEnteredPaymentDoneState</a:t>
+            </a:r>
+            <a:endParaRPr lang="en-US" sz="2000" dirty="0"/>
+          </a:p>
+          <a:p>
+            <a:pPr algn="ctr"/>
+            <a:r>
+              <a:rPr lang="en-US" sz="2000" dirty="0"/>
+              <a:t>------------------------------------------ </a:t>
+            </a:r>
+            <a:r>
+              <a:rPr lang="en-US" sz="2000" dirty="0" err="1"/>
+              <a:t>EnterItemNumber</a:t>
+            </a:r>
+            <a:r>
+              <a:rPr lang="en-US" sz="2000" dirty="0"/>
+              <a:t>()</a:t>
+            </a:r>
+          </a:p>
+          <a:p>
+            <a:pPr marL="342900" indent="-342900" algn="ctr">
+              <a:buFontTx/>
+              <a:buChar char="-"/>
+            </a:pPr>
+            <a:r>
+              <a:rPr lang="en-US" sz="2000" dirty="0"/>
+              <a:t>-  </a:t>
+            </a:r>
+            <a:r>
+              <a:rPr lang="en-US" sz="2000" dirty="0" err="1"/>
+              <a:t>MakePayment</a:t>
+            </a:r>
+            <a:r>
+              <a:rPr lang="en-US" sz="2000" dirty="0"/>
+              <a:t>()</a:t>
+            </a:r>
+          </a:p>
+          <a:p>
+            <a:pPr marL="342900" indent="-342900" algn="ctr">
+              <a:buFontTx/>
+              <a:buChar char="-"/>
+            </a:pPr>
+            <a:r>
+              <a:rPr lang="en-US" sz="2000" dirty="0" err="1"/>
+              <a:t>GetItem</a:t>
+            </a:r>
+            <a:r>
+              <a:rPr lang="en-US" sz="2000" dirty="0"/>
+              <a:t>()</a:t>
+            </a:r>
+          </a:p>
+        </p:txBody>
+      </p:sp>
+    </p:spTree>
+    <p:extLst>
+      <p:ext uri="{BB962C8B-B14F-4D97-AF65-F5344CB8AC3E}">
+        <p14:creationId xmlns:p14="http://schemas.microsoft.com/office/powerpoint/2010/main" val="1659093859"/>
+      </p:ext>
+    </p:extLst>
+  </p:cSld>
+  <p:clrMapOvr>
+    <a:masterClrMapping/>
+  </p:clrMapOvr>
+</p:sld>
+</file>
+
+<file path=ppt/slides/slide8.xml><?xml version="1.0" encoding="utf-8"?>
+<p:sld xmlns:a="http://schemas.openxmlformats.org/drawingml/2006/main" xmlns:r="http://schemas.openxmlformats.org/officeDocument/2006/relationships" xmlns:p="http://schemas.openxmlformats.org/presentationml/2006/main">
+  <p:cSld>
+    <p:spTree>
+      <p:nvGrpSpPr>
+        <p:cNvPr id="1" name=""/>
+        <p:cNvGrpSpPr/>
+        <p:nvPr/>
+      </p:nvGrpSpPr>
+      <p:grpSpPr>
+        <a:xfrm>
+          <a:off x="0" y="0"/>
+          <a:ext cx="0" cy="0"/>
+          <a:chOff x="0" y="0"/>
+          <a:chExt cx="0" cy="0"/>
+        </a:xfrm>
+      </p:grpSpPr>
+      <p:sp>
+        <p:nvSpPr>
+          <p:cNvPr id="4" name="Rectangle 3">
+            <a:extLst>
+              <a:ext uri="{FF2B5EF4-FFF2-40B4-BE49-F238E27FC236}">
+                <a16:creationId xmlns:a16="http://schemas.microsoft.com/office/drawing/2014/main" id="{71303883-9991-2FD8-9F87-57A7A0458635}"/>
+              </a:ext>
+            </a:extLst>
+          </p:cNvPr>
+          <p:cNvSpPr/>
+          <p:nvPr/>
+        </p:nvSpPr>
+        <p:spPr>
+          <a:xfrm>
+            <a:off x="2644842" y="209377"/>
+            <a:ext cx="2744576" cy="1719176"/>
+          </a:xfrm>
+          <a:prstGeom prst="rect">
+            <a:avLst/>
+          </a:prstGeom>
+        </p:spPr>
+        <p:style>
+          <a:lnRef idx="2">
+            <a:schemeClr val="accent3">
+              <a:shade val="50000"/>
+            </a:schemeClr>
+          </a:lnRef>
+          <a:fillRef idx="1">
+            <a:schemeClr val="accent3"/>
+          </a:fillRef>
+          <a:effectRef idx="0">
+            <a:schemeClr val="accent3"/>
+          </a:effectRef>
+          <a:fontRef idx="minor">
+            <a:schemeClr val="lt1"/>
+          </a:fontRef>
+        </p:style>
+        <p:txBody>
+          <a:bodyPr rtlCol="0" anchor="ctr"/>
+          <a:lstStyle/>
+          <a:p>
+            <a:pPr algn="ctr"/>
+            <a:endParaRPr lang="en-IN"/>
+          </a:p>
+        </p:txBody>
+      </p:sp>
+      <p:sp>
+        <p:nvSpPr>
+          <p:cNvPr id="5" name="TextBox 4">
+            <a:extLst>
+              <a:ext uri="{FF2B5EF4-FFF2-40B4-BE49-F238E27FC236}">
+                <a16:creationId xmlns:a16="http://schemas.microsoft.com/office/drawing/2014/main" id="{2E4621DC-A6FB-7C98-FBA5-1071AFB72711}"/>
+              </a:ext>
+            </a:extLst>
+          </p:cNvPr>
+          <p:cNvSpPr txBox="1"/>
+          <p:nvPr/>
+        </p:nvSpPr>
+        <p:spPr>
+          <a:xfrm>
+            <a:off x="2644842" y="257654"/>
+            <a:ext cx="2744576" cy="1631216"/>
+          </a:xfrm>
+          <a:prstGeom prst="rect">
+            <a:avLst/>
+          </a:prstGeom>
+          <a:noFill/>
+        </p:spPr>
+        <p:txBody>
+          <a:bodyPr wrap="square" rtlCol="0">
+            <a:spAutoFit/>
+          </a:bodyPr>
+          <a:lstStyle/>
+          <a:p>
+            <a:pPr algn="ctr"/>
+            <a:r>
+              <a:rPr lang="en-US" sz="2000" dirty="0" err="1"/>
+              <a:t>PhoneCaseUser</a:t>
+            </a:r>
+            <a:endParaRPr lang="en-US" sz="2000" dirty="0"/>
+          </a:p>
+          <a:p>
+            <a:pPr algn="ctr"/>
+            <a:r>
+              <a:rPr lang="en-US" sz="2000" dirty="0"/>
+              <a:t>-------------------------------</a:t>
+            </a:r>
+          </a:p>
+          <a:p>
+            <a:pPr marL="342900" indent="-342900" algn="ctr">
+              <a:buFontTx/>
+              <a:buChar char="-"/>
+            </a:pPr>
+            <a:r>
+              <a:rPr lang="en-US" sz="2000" dirty="0" err="1"/>
+              <a:t>StorePhoneCase</a:t>
+            </a:r>
+            <a:r>
+              <a:rPr lang="en-US" sz="2000" dirty="0"/>
+              <a:t>()</a:t>
+            </a:r>
+          </a:p>
+          <a:p>
+            <a:pPr marL="342900" indent="-342900" algn="ctr">
+              <a:buFontTx/>
+              <a:buChar char="-"/>
+            </a:pPr>
+            <a:r>
+              <a:rPr lang="en-US" sz="2000" dirty="0" err="1"/>
+              <a:t>UseOldPhoneCase</a:t>
+            </a:r>
+            <a:r>
+              <a:rPr lang="en-US" sz="2000" dirty="0"/>
+              <a:t>()</a:t>
+            </a:r>
+          </a:p>
+          <a:p>
+            <a:pPr marL="342900" indent="-342900" algn="ctr">
+              <a:buFontTx/>
+              <a:buChar char="-"/>
+            </a:pPr>
+            <a:r>
+              <a:rPr lang="en-US" sz="2000" dirty="0" err="1"/>
+              <a:t>GetDetails</a:t>
+            </a:r>
+            <a:r>
+              <a:rPr lang="en-US" sz="2000" dirty="0"/>
+              <a:t>()</a:t>
+            </a:r>
+          </a:p>
+        </p:txBody>
+      </p:sp>
+      <p:sp>
+        <p:nvSpPr>
+          <p:cNvPr id="52" name="TextBox 51">
+            <a:extLst>
+              <a:ext uri="{FF2B5EF4-FFF2-40B4-BE49-F238E27FC236}">
+                <a16:creationId xmlns:a16="http://schemas.microsoft.com/office/drawing/2014/main" id="{37729101-8E66-7BA5-0F41-7ECE7A9296AF}"/>
+              </a:ext>
+            </a:extLst>
+          </p:cNvPr>
+          <p:cNvSpPr txBox="1"/>
+          <p:nvPr/>
+        </p:nvSpPr>
+        <p:spPr>
+          <a:xfrm>
+            <a:off x="8662737" y="6359195"/>
+            <a:ext cx="3834063" cy="477054"/>
+          </a:xfrm>
+          <a:prstGeom prst="rect">
+            <a:avLst/>
+          </a:prstGeom>
+          <a:noFill/>
+        </p:spPr>
+        <p:txBody>
+          <a:bodyPr wrap="square" rtlCol="0">
+            <a:spAutoFit/>
+          </a:bodyPr>
+          <a:lstStyle/>
+          <a:p>
+            <a:r>
+              <a:rPr lang="en-US" sz="2500" dirty="0"/>
+              <a:t>Memento Design Pattern</a:t>
+            </a:r>
+            <a:endParaRPr lang="en-IN" sz="2500" dirty="0"/>
+          </a:p>
+        </p:txBody>
+      </p:sp>
+      <p:sp>
+        <p:nvSpPr>
+          <p:cNvPr id="21" name="Rectangle 20">
+            <a:extLst>
+              <a:ext uri="{FF2B5EF4-FFF2-40B4-BE49-F238E27FC236}">
+                <a16:creationId xmlns:a16="http://schemas.microsoft.com/office/drawing/2014/main" id="{2453B85C-A427-F041-01C3-6213819E1CE2}"/>
+              </a:ext>
+            </a:extLst>
+          </p:cNvPr>
+          <p:cNvSpPr/>
+          <p:nvPr/>
+        </p:nvSpPr>
+        <p:spPr>
+          <a:xfrm>
+            <a:off x="159510" y="812520"/>
+            <a:ext cx="1538665" cy="512890"/>
+          </a:xfrm>
+          <a:prstGeom prst="rect">
+            <a:avLst/>
+          </a:prstGeom>
+        </p:spPr>
+        <p:style>
+          <a:lnRef idx="2">
+            <a:schemeClr val="accent3">
+              <a:shade val="50000"/>
+            </a:schemeClr>
+          </a:lnRef>
+          <a:fillRef idx="1">
+            <a:schemeClr val="accent3"/>
+          </a:fillRef>
+          <a:effectRef idx="0">
+            <a:schemeClr val="accent3"/>
+          </a:effectRef>
+          <a:fontRef idx="minor">
+            <a:schemeClr val="lt1"/>
+          </a:fontRef>
+        </p:style>
+        <p:txBody>
+          <a:bodyPr rtlCol="0" anchor="ctr"/>
+          <a:lstStyle/>
+          <a:p>
+            <a:pPr algn="ctr"/>
+            <a:endParaRPr lang="en-IN"/>
+          </a:p>
+        </p:txBody>
+      </p:sp>
+      <p:sp>
+        <p:nvSpPr>
+          <p:cNvPr id="22" name="TextBox 21">
+            <a:extLst>
+              <a:ext uri="{FF2B5EF4-FFF2-40B4-BE49-F238E27FC236}">
+                <a16:creationId xmlns:a16="http://schemas.microsoft.com/office/drawing/2014/main" id="{F931B4C4-C82A-C1B2-1D44-362F2725F176}"/>
+              </a:ext>
+            </a:extLst>
+          </p:cNvPr>
+          <p:cNvSpPr txBox="1"/>
+          <p:nvPr/>
+        </p:nvSpPr>
+        <p:spPr>
+          <a:xfrm>
+            <a:off x="159510" y="871534"/>
+            <a:ext cx="1538665" cy="400110"/>
+          </a:xfrm>
+          <a:prstGeom prst="rect">
+            <a:avLst/>
+          </a:prstGeom>
+          <a:noFill/>
+        </p:spPr>
+        <p:txBody>
+          <a:bodyPr wrap="square" rtlCol="0">
+            <a:spAutoFit/>
+          </a:bodyPr>
+          <a:lstStyle/>
+          <a:p>
+            <a:pPr algn="ctr"/>
+            <a:r>
+              <a:rPr lang="en-US" sz="2000" dirty="0"/>
+              <a:t>Client</a:t>
+            </a:r>
+          </a:p>
+        </p:txBody>
+      </p:sp>
+      <p:cxnSp>
+        <p:nvCxnSpPr>
+          <p:cNvPr id="51" name="Straight Connector 50">
+            <a:extLst>
+              <a:ext uri="{FF2B5EF4-FFF2-40B4-BE49-F238E27FC236}">
+                <a16:creationId xmlns:a16="http://schemas.microsoft.com/office/drawing/2014/main" id="{D115BDA4-E120-5DA7-2755-A5CDA4C7A0B3}"/>
+              </a:ext>
+            </a:extLst>
+          </p:cNvPr>
+          <p:cNvCxnSpPr>
+            <a:stCxn id="22" idx="0"/>
+            <a:endCxn id="22" idx="0"/>
+          </p:cNvCxnSpPr>
+          <p:nvPr/>
+        </p:nvCxnSpPr>
+        <p:spPr>
+          <a:xfrm>
+            <a:off x="928843" y="871534"/>
+            <a:ext cx="0" cy="0"/>
+          </a:xfrm>
+          <a:prstGeom prst="line">
+            <a:avLst/>
+          </a:prstGeom>
+        </p:spPr>
+        <p:style>
+          <a:lnRef idx="1">
+            <a:schemeClr val="accent1"/>
+          </a:lnRef>
+          <a:fillRef idx="0">
+            <a:schemeClr val="accent1"/>
+          </a:fillRef>
+          <a:effectRef idx="0">
+            <a:schemeClr val="accent1"/>
+          </a:effectRef>
+          <a:fontRef idx="minor">
+            <a:schemeClr val="tx1"/>
+          </a:fontRef>
+        </p:style>
+      </p:cxnSp>
+      <p:cxnSp>
+        <p:nvCxnSpPr>
+          <p:cNvPr id="58" name="Straight Arrow Connector 57">
+            <a:extLst>
+              <a:ext uri="{FF2B5EF4-FFF2-40B4-BE49-F238E27FC236}">
+                <a16:creationId xmlns:a16="http://schemas.microsoft.com/office/drawing/2014/main" id="{50862B55-864E-EEA9-8354-B1ED4C868CFA}"/>
+              </a:ext>
+            </a:extLst>
+          </p:cNvPr>
+          <p:cNvCxnSpPr>
+            <a:cxnSpLocks/>
+            <a:stCxn id="22" idx="3"/>
+            <a:endCxn id="5" idx="1"/>
+          </p:cNvCxnSpPr>
+          <p:nvPr/>
+        </p:nvCxnSpPr>
+        <p:spPr>
+          <a:xfrm>
+            <a:off x="1698175" y="1071589"/>
+            <a:ext cx="946667" cy="1673"/>
+          </a:xfrm>
+          <a:prstGeom prst="straightConnector1">
+            <a:avLst/>
+          </a:prstGeom>
+          <a:ln>
+            <a:tailEnd type="triangle"/>
+          </a:ln>
+        </p:spPr>
+        <p:style>
+          <a:lnRef idx="1">
+            <a:schemeClr val="accent1"/>
+          </a:lnRef>
+          <a:fillRef idx="0">
+            <a:schemeClr val="accent1"/>
+          </a:fillRef>
+          <a:effectRef idx="0">
+            <a:schemeClr val="accent1"/>
+          </a:effectRef>
+          <a:fontRef idx="minor">
+            <a:schemeClr val="tx1"/>
+          </a:fontRef>
+        </p:style>
+      </p:cxnSp>
+      <p:sp>
+        <p:nvSpPr>
+          <p:cNvPr id="8" name="Rectangle 7">
+            <a:extLst>
+              <a:ext uri="{FF2B5EF4-FFF2-40B4-BE49-F238E27FC236}">
+                <a16:creationId xmlns:a16="http://schemas.microsoft.com/office/drawing/2014/main" id="{B538A5D9-1DBF-652D-690D-3A5BCA9E3B54}"/>
+              </a:ext>
+            </a:extLst>
+          </p:cNvPr>
+          <p:cNvSpPr/>
+          <p:nvPr/>
+        </p:nvSpPr>
+        <p:spPr>
+          <a:xfrm>
+            <a:off x="7763368" y="212001"/>
+            <a:ext cx="3450063" cy="1408252"/>
+          </a:xfrm>
+          <a:prstGeom prst="rect">
+            <a:avLst/>
+          </a:prstGeom>
+        </p:spPr>
+        <p:style>
+          <a:lnRef idx="2">
+            <a:schemeClr val="accent3">
+              <a:shade val="50000"/>
+            </a:schemeClr>
+          </a:lnRef>
+          <a:fillRef idx="1">
+            <a:schemeClr val="accent3"/>
+          </a:fillRef>
+          <a:effectRef idx="0">
+            <a:schemeClr val="accent3"/>
+          </a:effectRef>
+          <a:fontRef idx="minor">
+            <a:schemeClr val="lt1"/>
+          </a:fontRef>
+        </p:style>
+        <p:txBody>
+          <a:bodyPr rtlCol="0" anchor="ctr"/>
+          <a:lstStyle/>
+          <a:p>
+            <a:pPr algn="ctr"/>
+            <a:endParaRPr lang="en-IN"/>
+          </a:p>
+        </p:txBody>
+      </p:sp>
+      <p:sp>
+        <p:nvSpPr>
+          <p:cNvPr id="9" name="TextBox 8">
+            <a:extLst>
+              <a:ext uri="{FF2B5EF4-FFF2-40B4-BE49-F238E27FC236}">
+                <a16:creationId xmlns:a16="http://schemas.microsoft.com/office/drawing/2014/main" id="{77FF6EC6-B65A-1474-7963-4F15AC6BB403}"/>
+              </a:ext>
+            </a:extLst>
+          </p:cNvPr>
+          <p:cNvSpPr txBox="1"/>
+          <p:nvPr/>
+        </p:nvSpPr>
+        <p:spPr>
+          <a:xfrm>
+            <a:off x="7763368" y="260278"/>
+            <a:ext cx="3450063" cy="1323439"/>
+          </a:xfrm>
+          <a:prstGeom prst="rect">
+            <a:avLst/>
+          </a:prstGeom>
+          <a:noFill/>
+        </p:spPr>
+        <p:txBody>
+          <a:bodyPr wrap="square" rtlCol="0">
+            <a:spAutoFit/>
+          </a:bodyPr>
+          <a:lstStyle/>
+          <a:p>
+            <a:pPr algn="ctr"/>
+            <a:r>
+              <a:rPr lang="en-US" sz="2000" dirty="0" err="1"/>
+              <a:t>PhoneCaseStorage</a:t>
+            </a:r>
+            <a:endParaRPr lang="en-US" sz="2000" dirty="0"/>
+          </a:p>
+          <a:p>
+            <a:pPr algn="ctr"/>
+            <a:r>
+              <a:rPr lang="en-US" sz="2000" dirty="0"/>
+              <a:t>-----------------------------------------</a:t>
+            </a:r>
+          </a:p>
+          <a:p>
+            <a:pPr marL="342900" indent="-342900" algn="ctr">
+              <a:buFontTx/>
+              <a:buChar char="-"/>
+            </a:pPr>
+            <a:r>
+              <a:rPr lang="en-US" sz="2000" dirty="0" err="1"/>
+              <a:t>AddPhoneCase</a:t>
+            </a:r>
+            <a:r>
+              <a:rPr lang="en-US" sz="2000" dirty="0"/>
+              <a:t>()</a:t>
+            </a:r>
+          </a:p>
+          <a:p>
+            <a:pPr marL="342900" indent="-342900" algn="ctr">
+              <a:buFontTx/>
+              <a:buChar char="-"/>
+            </a:pPr>
+            <a:r>
+              <a:rPr lang="en-US" sz="2000" dirty="0" err="1"/>
+              <a:t>GetPhoneCaseSavedState</a:t>
+            </a:r>
+            <a:r>
+              <a:rPr lang="en-US" sz="2000" dirty="0"/>
+              <a:t>()</a:t>
+            </a:r>
+          </a:p>
+        </p:txBody>
+      </p:sp>
+      <p:sp>
+        <p:nvSpPr>
+          <p:cNvPr id="11" name="Rectangle 10">
+            <a:extLst>
+              <a:ext uri="{FF2B5EF4-FFF2-40B4-BE49-F238E27FC236}">
+                <a16:creationId xmlns:a16="http://schemas.microsoft.com/office/drawing/2014/main" id="{32FDF35D-9953-C04A-9BD0-359C7ADE08D2}"/>
+              </a:ext>
+            </a:extLst>
+          </p:cNvPr>
+          <p:cNvSpPr/>
+          <p:nvPr/>
+        </p:nvSpPr>
+        <p:spPr>
+          <a:xfrm>
+            <a:off x="5203558" y="2912471"/>
+            <a:ext cx="2977916" cy="1498500"/>
+          </a:xfrm>
+          <a:prstGeom prst="rect">
+            <a:avLst/>
+          </a:prstGeom>
+        </p:spPr>
+        <p:style>
+          <a:lnRef idx="2">
+            <a:schemeClr val="accent3">
+              <a:shade val="50000"/>
+            </a:schemeClr>
+          </a:lnRef>
+          <a:fillRef idx="1">
+            <a:schemeClr val="accent3"/>
+          </a:fillRef>
+          <a:effectRef idx="0">
+            <a:schemeClr val="accent3"/>
+          </a:effectRef>
+          <a:fontRef idx="minor">
+            <a:schemeClr val="lt1"/>
+          </a:fontRef>
+        </p:style>
+        <p:txBody>
+          <a:bodyPr rtlCol="0" anchor="ctr"/>
+          <a:lstStyle/>
+          <a:p>
+            <a:pPr algn="ctr"/>
+            <a:endParaRPr lang="en-IN"/>
+          </a:p>
+        </p:txBody>
+      </p:sp>
+      <p:sp>
+        <p:nvSpPr>
+          <p:cNvPr id="12" name="TextBox 11">
+            <a:extLst>
+              <a:ext uri="{FF2B5EF4-FFF2-40B4-BE49-F238E27FC236}">
+                <a16:creationId xmlns:a16="http://schemas.microsoft.com/office/drawing/2014/main" id="{CD62415A-D4EF-D361-6E67-7E661E86349F}"/>
+              </a:ext>
+            </a:extLst>
+          </p:cNvPr>
+          <p:cNvSpPr txBox="1"/>
+          <p:nvPr/>
+        </p:nvSpPr>
+        <p:spPr>
+          <a:xfrm>
+            <a:off x="5203558" y="2960748"/>
+            <a:ext cx="2977916" cy="1323439"/>
+          </a:xfrm>
+          <a:prstGeom prst="rect">
+            <a:avLst/>
+          </a:prstGeom>
+          <a:noFill/>
+        </p:spPr>
+        <p:txBody>
+          <a:bodyPr wrap="square" rtlCol="0">
+            <a:spAutoFit/>
+          </a:bodyPr>
+          <a:lstStyle/>
+          <a:p>
+            <a:pPr algn="ctr"/>
+            <a:r>
+              <a:rPr lang="en-US" sz="2000" dirty="0" err="1"/>
+              <a:t>PhoneCaseSavedState</a:t>
+            </a:r>
+            <a:endParaRPr lang="en-US" sz="2000" dirty="0"/>
+          </a:p>
+          <a:p>
+            <a:pPr algn="ctr"/>
+            <a:r>
+              <a:rPr lang="en-US" sz="2000" dirty="0"/>
+              <a:t>-----------------------------------</a:t>
+            </a:r>
+          </a:p>
+          <a:p>
+            <a:pPr marL="342900" indent="-342900" algn="ctr">
+              <a:buFontTx/>
+              <a:buChar char="-"/>
+            </a:pPr>
+            <a:r>
+              <a:rPr lang="en-US" sz="2000" dirty="0" err="1"/>
+              <a:t>PhoneCaseSavedState</a:t>
+            </a:r>
+            <a:r>
+              <a:rPr lang="en-US" sz="2000" dirty="0"/>
+              <a:t>()</a:t>
+            </a:r>
+          </a:p>
+          <a:p>
+            <a:pPr marL="342900" indent="-342900" algn="ctr">
+              <a:buFontTx/>
+              <a:buChar char="-"/>
+            </a:pPr>
+            <a:r>
+              <a:rPr lang="en-US" sz="2000" dirty="0" err="1"/>
+              <a:t>GetDetails</a:t>
+            </a:r>
+            <a:r>
+              <a:rPr lang="en-US" sz="2000" dirty="0"/>
+              <a:t>()</a:t>
+            </a:r>
+          </a:p>
+        </p:txBody>
+      </p:sp>
+      <p:cxnSp>
+        <p:nvCxnSpPr>
+          <p:cNvPr id="13" name="Straight Arrow Connector 12">
+            <a:extLst>
+              <a:ext uri="{FF2B5EF4-FFF2-40B4-BE49-F238E27FC236}">
+                <a16:creationId xmlns:a16="http://schemas.microsoft.com/office/drawing/2014/main" id="{2DB756DF-48E2-7B9D-4ABE-DBEE153E1734}"/>
+              </a:ext>
+            </a:extLst>
+          </p:cNvPr>
+          <p:cNvCxnSpPr>
+            <a:cxnSpLocks/>
+            <a:stCxn id="4" idx="2"/>
+          </p:cNvCxnSpPr>
+          <p:nvPr/>
+        </p:nvCxnSpPr>
+        <p:spPr>
+          <a:xfrm>
+            <a:off x="4017130" y="1928553"/>
+            <a:ext cx="1186428" cy="1129607"/>
+          </a:xfrm>
+          <a:prstGeom prst="straightConnector1">
+            <a:avLst/>
+          </a:prstGeom>
+          <a:ln>
+            <a:tailEnd type="triangle"/>
+          </a:ln>
+        </p:spPr>
+        <p:style>
+          <a:lnRef idx="1">
+            <a:schemeClr val="accent1"/>
+          </a:lnRef>
+          <a:fillRef idx="0">
+            <a:schemeClr val="accent1"/>
+          </a:fillRef>
+          <a:effectRef idx="0">
+            <a:schemeClr val="accent1"/>
+          </a:effectRef>
+          <a:fontRef idx="minor">
+            <a:schemeClr val="tx1"/>
+          </a:fontRef>
+        </p:style>
+      </p:cxnSp>
+      <p:cxnSp>
+        <p:nvCxnSpPr>
+          <p:cNvPr id="19" name="Straight Arrow Connector 18">
+            <a:extLst>
+              <a:ext uri="{FF2B5EF4-FFF2-40B4-BE49-F238E27FC236}">
+                <a16:creationId xmlns:a16="http://schemas.microsoft.com/office/drawing/2014/main" id="{3C8A231D-B95E-A6D5-D1FC-38A117D7F3F3}"/>
+              </a:ext>
+            </a:extLst>
+          </p:cNvPr>
+          <p:cNvCxnSpPr>
+            <a:cxnSpLocks/>
+            <a:stCxn id="9" idx="2"/>
+          </p:cNvCxnSpPr>
+          <p:nvPr/>
+        </p:nvCxnSpPr>
+        <p:spPr>
+          <a:xfrm flipH="1">
+            <a:off x="8181474" y="1583717"/>
+            <a:ext cx="1306926" cy="1474443"/>
+          </a:xfrm>
+          <a:prstGeom prst="straightConnector1">
+            <a:avLst/>
+          </a:prstGeom>
+          <a:ln>
+            <a:tailEnd type="triangle"/>
+          </a:ln>
+        </p:spPr>
+        <p:style>
+          <a:lnRef idx="1">
+            <a:schemeClr val="accent1"/>
+          </a:lnRef>
+          <a:fillRef idx="0">
+            <a:schemeClr val="accent1"/>
+          </a:fillRef>
+          <a:effectRef idx="0">
+            <a:schemeClr val="accent1"/>
+          </a:effectRef>
+          <a:fontRef idx="minor">
+            <a:schemeClr val="tx1"/>
+          </a:fontRef>
+        </p:style>
+      </p:cxnSp>
+      <p:sp>
+        <p:nvSpPr>
+          <p:cNvPr id="28" name="TextBox 27">
+            <a:extLst>
+              <a:ext uri="{FF2B5EF4-FFF2-40B4-BE49-F238E27FC236}">
+                <a16:creationId xmlns:a16="http://schemas.microsoft.com/office/drawing/2014/main" id="{C2A72A61-D6C2-CA78-0D3E-07B87FAA4EEE}"/>
+              </a:ext>
+            </a:extLst>
+          </p:cNvPr>
+          <p:cNvSpPr txBox="1"/>
+          <p:nvPr/>
+        </p:nvSpPr>
+        <p:spPr>
+          <a:xfrm>
+            <a:off x="2611458" y="1869961"/>
+            <a:ext cx="1196619" cy="369332"/>
+          </a:xfrm>
+          <a:prstGeom prst="rect">
+            <a:avLst/>
+          </a:prstGeom>
+          <a:noFill/>
+        </p:spPr>
+        <p:txBody>
+          <a:bodyPr wrap="square" rtlCol="0">
+            <a:spAutoFit/>
+          </a:bodyPr>
+          <a:lstStyle/>
+          <a:p>
+            <a:r>
+              <a:rPr lang="en-US" dirty="0"/>
+              <a:t>Originator</a:t>
+            </a:r>
+            <a:endParaRPr lang="en-IN" dirty="0"/>
+          </a:p>
+        </p:txBody>
+      </p:sp>
+      <p:sp>
+        <p:nvSpPr>
+          <p:cNvPr id="29" name="TextBox 28">
+            <a:extLst>
+              <a:ext uri="{FF2B5EF4-FFF2-40B4-BE49-F238E27FC236}">
+                <a16:creationId xmlns:a16="http://schemas.microsoft.com/office/drawing/2014/main" id="{5E1F0DA0-A760-208C-CB18-4BB880B54AAF}"/>
+              </a:ext>
+            </a:extLst>
+          </p:cNvPr>
+          <p:cNvSpPr txBox="1"/>
+          <p:nvPr/>
+        </p:nvSpPr>
+        <p:spPr>
+          <a:xfrm>
+            <a:off x="10206419" y="1620253"/>
+            <a:ext cx="1172825" cy="369332"/>
+          </a:xfrm>
+          <a:prstGeom prst="rect">
+            <a:avLst/>
+          </a:prstGeom>
+          <a:noFill/>
+        </p:spPr>
+        <p:txBody>
+          <a:bodyPr wrap="square" rtlCol="0">
+            <a:spAutoFit/>
+          </a:bodyPr>
+          <a:lstStyle/>
+          <a:p>
+            <a:r>
+              <a:rPr lang="en-US" dirty="0"/>
+              <a:t>Caretaker</a:t>
+            </a:r>
+            <a:endParaRPr lang="en-IN" dirty="0"/>
+          </a:p>
+        </p:txBody>
+      </p:sp>
+      <p:sp>
+        <p:nvSpPr>
+          <p:cNvPr id="30" name="TextBox 29">
+            <a:extLst>
+              <a:ext uri="{FF2B5EF4-FFF2-40B4-BE49-F238E27FC236}">
+                <a16:creationId xmlns:a16="http://schemas.microsoft.com/office/drawing/2014/main" id="{62E9DC05-5504-68CA-2746-E86B3E6C4C2D}"/>
+              </a:ext>
+            </a:extLst>
+          </p:cNvPr>
+          <p:cNvSpPr txBox="1"/>
+          <p:nvPr/>
+        </p:nvSpPr>
+        <p:spPr>
+          <a:xfrm>
+            <a:off x="6167021" y="4410971"/>
+            <a:ext cx="1196619" cy="369332"/>
+          </a:xfrm>
+          <a:prstGeom prst="rect">
+            <a:avLst/>
+          </a:prstGeom>
+          <a:noFill/>
+        </p:spPr>
+        <p:txBody>
+          <a:bodyPr wrap="square" rtlCol="0">
+            <a:spAutoFit/>
+          </a:bodyPr>
+          <a:lstStyle/>
+          <a:p>
+            <a:r>
+              <a:rPr lang="en-US" dirty="0"/>
+              <a:t>Memento</a:t>
+            </a:r>
+            <a:endParaRPr lang="en-IN" dirty="0"/>
+          </a:p>
+        </p:txBody>
+      </p:sp>
+      <p:sp>
+        <p:nvSpPr>
+          <p:cNvPr id="31" name="Diamond 30">
+            <a:extLst>
+              <a:ext uri="{FF2B5EF4-FFF2-40B4-BE49-F238E27FC236}">
+                <a16:creationId xmlns:a16="http://schemas.microsoft.com/office/drawing/2014/main" id="{940A517D-E207-F859-10AD-C2EA35DE5C5C}"/>
+              </a:ext>
+            </a:extLst>
+          </p:cNvPr>
+          <p:cNvSpPr/>
+          <p:nvPr/>
+        </p:nvSpPr>
+        <p:spPr>
+          <a:xfrm rot="2131156">
+            <a:off x="9286693" y="1613723"/>
+            <a:ext cx="181812" cy="245139"/>
+          </a:xfrm>
+          <a:prstGeom prst="diamond">
+            <a:avLst/>
+          </a:prstGeom>
+        </p:spPr>
+        <p:style>
+          <a:lnRef idx="2">
+            <a:schemeClr val="accent1">
+              <a:shade val="50000"/>
+            </a:schemeClr>
+          </a:lnRef>
+          <a:fillRef idx="1">
+            <a:schemeClr val="accent1"/>
+          </a:fillRef>
+          <a:effectRef idx="0">
+            <a:schemeClr val="accent1"/>
+          </a:effectRef>
+          <a:fontRef idx="minor">
+            <a:schemeClr val="lt1"/>
+          </a:fontRef>
+        </p:style>
+        <p:txBody>
+          <a:bodyPr rtlCol="0" anchor="ctr"/>
+          <a:lstStyle/>
+          <a:p>
+            <a:pPr algn="ctr"/>
+            <a:endParaRPr lang="en-IN"/>
+          </a:p>
+        </p:txBody>
+      </p:sp>
+      <p:sp>
+        <p:nvSpPr>
+          <p:cNvPr id="32" name="Rectangle 31">
+            <a:extLst>
+              <a:ext uri="{FF2B5EF4-FFF2-40B4-BE49-F238E27FC236}">
+                <a16:creationId xmlns:a16="http://schemas.microsoft.com/office/drawing/2014/main" id="{92B9F391-071A-D6E0-481A-C66D7C706117}"/>
+              </a:ext>
+            </a:extLst>
+          </p:cNvPr>
+          <p:cNvSpPr/>
+          <p:nvPr/>
+        </p:nvSpPr>
+        <p:spPr>
+          <a:xfrm>
+            <a:off x="1206979" y="3501177"/>
+            <a:ext cx="1907399" cy="1669521"/>
+          </a:xfrm>
+          <a:prstGeom prst="rect">
+            <a:avLst/>
+          </a:prstGeom>
+        </p:spPr>
+        <p:style>
+          <a:lnRef idx="2">
+            <a:schemeClr val="accent3">
+              <a:shade val="50000"/>
+            </a:schemeClr>
+          </a:lnRef>
+          <a:fillRef idx="1">
+            <a:schemeClr val="accent3"/>
+          </a:fillRef>
+          <a:effectRef idx="0">
+            <a:schemeClr val="accent3"/>
+          </a:effectRef>
+          <a:fontRef idx="minor">
+            <a:schemeClr val="lt1"/>
+          </a:fontRef>
+        </p:style>
+        <p:txBody>
+          <a:bodyPr rtlCol="0" anchor="ctr"/>
+          <a:lstStyle/>
+          <a:p>
+            <a:pPr algn="ctr"/>
+            <a:endParaRPr lang="en-IN"/>
+          </a:p>
+        </p:txBody>
+      </p:sp>
+      <p:sp>
+        <p:nvSpPr>
+          <p:cNvPr id="33" name="TextBox 32">
+            <a:extLst>
+              <a:ext uri="{FF2B5EF4-FFF2-40B4-BE49-F238E27FC236}">
+                <a16:creationId xmlns:a16="http://schemas.microsoft.com/office/drawing/2014/main" id="{9F0FB256-BB9D-F400-507A-CD66815CFBB3}"/>
+              </a:ext>
+            </a:extLst>
+          </p:cNvPr>
+          <p:cNvSpPr txBox="1"/>
+          <p:nvPr/>
+        </p:nvSpPr>
+        <p:spPr>
+          <a:xfrm>
+            <a:off x="1206979" y="3549455"/>
+            <a:ext cx="1907399" cy="1631216"/>
+          </a:xfrm>
+          <a:prstGeom prst="rect">
+            <a:avLst/>
+          </a:prstGeom>
+          <a:noFill/>
+        </p:spPr>
+        <p:txBody>
+          <a:bodyPr wrap="square" rtlCol="0">
+            <a:spAutoFit/>
+          </a:bodyPr>
+          <a:lstStyle/>
+          <a:p>
+            <a:pPr algn="ctr"/>
+            <a:r>
+              <a:rPr lang="en-US" sz="2000" dirty="0" err="1"/>
+              <a:t>PhoneCase</a:t>
+            </a:r>
+            <a:endParaRPr lang="en-US" sz="2000" dirty="0"/>
+          </a:p>
+          <a:p>
+            <a:pPr algn="ctr"/>
+            <a:r>
+              <a:rPr lang="en-US" sz="2000" dirty="0"/>
+              <a:t>---------------------</a:t>
+            </a:r>
+          </a:p>
+          <a:p>
+            <a:pPr marL="342900" indent="-342900" algn="ctr">
+              <a:buFontTx/>
+              <a:buChar char="-"/>
+            </a:pPr>
+            <a:r>
+              <a:rPr lang="en-US" sz="2000" dirty="0"/>
+              <a:t>price : string</a:t>
+            </a:r>
+          </a:p>
+          <a:p>
+            <a:pPr marL="342900" indent="-342900" algn="ctr">
+              <a:buFontTx/>
+              <a:buChar char="-"/>
+            </a:pPr>
+            <a:r>
+              <a:rPr lang="en-US" sz="2000" dirty="0"/>
+              <a:t>color : string</a:t>
+            </a:r>
+          </a:p>
+          <a:p>
+            <a:pPr marL="342900" indent="-342900" algn="ctr">
+              <a:buFontTx/>
+              <a:buChar char="-"/>
+            </a:pPr>
+            <a:r>
+              <a:rPr lang="en-US" sz="2000" dirty="0" err="1"/>
+              <a:t>GetDetails</a:t>
+            </a:r>
+            <a:r>
+              <a:rPr lang="en-US" sz="2000" dirty="0"/>
+              <a:t>()</a:t>
+            </a:r>
+          </a:p>
+        </p:txBody>
+      </p:sp>
+      <p:cxnSp>
+        <p:nvCxnSpPr>
+          <p:cNvPr id="44" name="Connector: Elbow 43">
+            <a:extLst>
+              <a:ext uri="{FF2B5EF4-FFF2-40B4-BE49-F238E27FC236}">
+                <a16:creationId xmlns:a16="http://schemas.microsoft.com/office/drawing/2014/main" id="{E8FD8BC4-1A3C-11AC-6C74-5ADAD0521C99}"/>
+              </a:ext>
+            </a:extLst>
+          </p:cNvPr>
+          <p:cNvCxnSpPr>
+            <a:cxnSpLocks/>
+          </p:cNvCxnSpPr>
+          <p:nvPr/>
+        </p:nvCxnSpPr>
+        <p:spPr>
+          <a:xfrm rot="5400000">
+            <a:off x="1403199" y="2341196"/>
+            <a:ext cx="1965739" cy="450779"/>
+          </a:xfrm>
+          <a:prstGeom prst="bentConnector3">
+            <a:avLst>
+              <a:gd name="adj1" fmla="val -1944"/>
+            </a:avLst>
+          </a:prstGeom>
+          <a:ln w="9525" cap="flat" cmpd="sng" algn="ctr">
+            <a:solidFill>
+              <a:schemeClr val="accent1"/>
+            </a:solidFill>
+            <a:prstDash val="dash"/>
+            <a:round/>
+            <a:headEnd type="none" w="med" len="med"/>
+            <a:tailEnd type="none" w="med" len="med"/>
+          </a:ln>
+        </p:spPr>
+        <p:style>
+          <a:lnRef idx="0">
+            <a:scrgbClr r="0" g="0" b="0"/>
+          </a:lnRef>
+          <a:fillRef idx="0">
+            <a:scrgbClr r="0" g="0" b="0"/>
+          </a:fillRef>
+          <a:effectRef idx="0">
+            <a:scrgbClr r="0" g="0" b="0"/>
+          </a:effectRef>
+          <a:fontRef idx="minor">
+            <a:schemeClr val="tx1"/>
+          </a:fontRef>
+        </p:style>
+      </p:cxnSp>
+      <p:cxnSp>
+        <p:nvCxnSpPr>
+          <p:cNvPr id="46" name="Connector: Elbow 45">
+            <a:extLst>
+              <a:ext uri="{FF2B5EF4-FFF2-40B4-BE49-F238E27FC236}">
+                <a16:creationId xmlns:a16="http://schemas.microsoft.com/office/drawing/2014/main" id="{B86E2576-35D9-9A58-A963-7EDBA99A34FF}"/>
+              </a:ext>
+            </a:extLst>
+          </p:cNvPr>
+          <p:cNvCxnSpPr>
+            <a:cxnSpLocks/>
+            <a:stCxn id="12" idx="1"/>
+            <a:endCxn id="33" idx="3"/>
+          </p:cNvCxnSpPr>
+          <p:nvPr/>
+        </p:nvCxnSpPr>
+        <p:spPr>
+          <a:xfrm rot="10800000" flipV="1">
+            <a:off x="3114378" y="3622467"/>
+            <a:ext cx="2089180" cy="742595"/>
+          </a:xfrm>
+          <a:prstGeom prst="bentConnector3">
+            <a:avLst>
+              <a:gd name="adj1" fmla="val 50000"/>
+            </a:avLst>
+          </a:prstGeom>
+          <a:ln w="9525" cap="flat" cmpd="sng" algn="ctr">
+            <a:solidFill>
+              <a:schemeClr val="accent1"/>
+            </a:solidFill>
+            <a:prstDash val="dash"/>
+            <a:round/>
+            <a:headEnd type="none" w="med" len="med"/>
+            <a:tailEnd type="none" w="med" len="med"/>
+          </a:ln>
+        </p:spPr>
+        <p:style>
+          <a:lnRef idx="0">
+            <a:scrgbClr r="0" g="0" b="0"/>
+          </a:lnRef>
+          <a:fillRef idx="0">
+            <a:scrgbClr r="0" g="0" b="0"/>
+          </a:fillRef>
+          <a:effectRef idx="0">
+            <a:scrgbClr r="0" g="0" b="0"/>
+          </a:effectRef>
+          <a:fontRef idx="minor">
+            <a:schemeClr val="tx1"/>
+          </a:fontRef>
+        </p:style>
+      </p:cxnSp>
+    </p:spTree>
+    <p:extLst>
+      <p:ext uri="{BB962C8B-B14F-4D97-AF65-F5344CB8AC3E}">
+        <p14:creationId xmlns:p14="http://schemas.microsoft.com/office/powerpoint/2010/main" val="2452710064"/>
       </p:ext>
     </p:extLst>
   </p:cSld>
